--- a/io/Netty.pptx
+++ b/io/Netty.pptx
@@ -5,25 +5,27 @@
     <p:sldMasterId id="2147483648" r:id="rId1"/>
   </p:sldMasterIdLst>
   <p:notesMasterIdLst>
-    <p:notesMasterId r:id="rId6"/>
+    <p:notesMasterId r:id="rId7"/>
   </p:notesMasterIdLst>
   <p:sldIdLst>
     <p:sldId id="256" r:id="rId3"/>
-    <p:sldId id="260" r:id="rId4"/>
-    <p:sldId id="258" r:id="rId5"/>
-    <p:sldId id="261" r:id="rId7"/>
-    <p:sldId id="262" r:id="rId8"/>
-    <p:sldId id="263" r:id="rId9"/>
-    <p:sldId id="268" r:id="rId10"/>
-    <p:sldId id="266" r:id="rId11"/>
-    <p:sldId id="265" r:id="rId12"/>
-    <p:sldId id="269" r:id="rId13"/>
-    <p:sldId id="272" r:id="rId14"/>
-    <p:sldId id="270" r:id="rId15"/>
-    <p:sldId id="273" r:id="rId16"/>
-    <p:sldId id="271" r:id="rId17"/>
-    <p:sldId id="264" r:id="rId18"/>
-    <p:sldId id="257" r:id="rId19"/>
+    <p:sldId id="274" r:id="rId4"/>
+    <p:sldId id="260" r:id="rId5"/>
+    <p:sldId id="258" r:id="rId6"/>
+    <p:sldId id="261" r:id="rId8"/>
+    <p:sldId id="262" r:id="rId9"/>
+    <p:sldId id="263" r:id="rId10"/>
+    <p:sldId id="268" r:id="rId11"/>
+    <p:sldId id="266" r:id="rId12"/>
+    <p:sldId id="265" r:id="rId13"/>
+    <p:sldId id="275" r:id="rId14"/>
+    <p:sldId id="269" r:id="rId15"/>
+    <p:sldId id="272" r:id="rId16"/>
+    <p:sldId id="270" r:id="rId17"/>
+    <p:sldId id="273" r:id="rId18"/>
+    <p:sldId id="276" r:id="rId19"/>
+    <p:sldId id="264" r:id="rId20"/>
+    <p:sldId id="277" r:id="rId21"/>
   </p:sldIdLst>
   <p:sldSz cx="12192000" cy="6858000"/>
   <p:notesSz cx="7103745" cy="10234295"/>
@@ -531,6 +533,122 @@
             </a:r>
             <a:endParaRPr lang="zh-CN" altLang="en-US"/>
           </a:p>
+          <a:p>
+            <a:endParaRPr lang="zh-CN" altLang="en-US"/>
+          </a:p>
+          <a:p>
+            <a:r>
+              <a:rPr lang="en-US" altLang="zh-CN"/>
+              <a:t>Next</a:t>
+            </a:r>
+            <a:r>
+              <a:rPr lang="zh-CN" altLang="en-US"/>
+              <a:t>： </a:t>
+            </a:r>
+            <a:r>
+              <a:rPr lang="en-US" altLang="zh-CN"/>
+              <a:t>code</a:t>
+            </a:r>
+            <a:endParaRPr lang="zh-CN" altLang="en-US"/>
+          </a:p>
+          <a:p>
+            <a:endParaRPr lang="zh-CN" altLang="en-US"/>
+          </a:p>
+          <a:p>
+            <a:endParaRPr lang="zh-CN" altLang="en-US"/>
+          </a:p>
+        </p:txBody>
+      </p:sp>
+    </p:spTree>
+  </p:cSld>
+  <p:clrMapOvr>
+    <a:masterClrMapping/>
+  </p:clrMapOvr>
+</p:notes>
+</file>
+
+<file path=ppt/notesSlides/notesSlide10.xml><?xml version="1.0" encoding="utf-8"?>
+<p:notes xmlns:a="http://schemas.openxmlformats.org/drawingml/2006/main" xmlns:r="http://schemas.openxmlformats.org/officeDocument/2006/relationships" xmlns:p="http://schemas.openxmlformats.org/presentationml/2006/main">
+  <p:cSld>
+    <p:spTree>
+      <p:nvGrpSpPr>
+        <p:cNvPr id="1" name=""/>
+        <p:cNvGrpSpPr/>
+        <p:nvPr/>
+      </p:nvGrpSpPr>
+      <p:grpSpPr/>
+      <p:sp>
+        <p:nvSpPr>
+          <p:cNvPr id="2" name="幻灯片图像占位符 1"/>
+          <p:cNvSpPr/>
+          <p:nvPr>
+            <p:ph type="sldImg" idx="2"/>
+          </p:nvPr>
+        </p:nvSpPr>
+        <p:spPr/>
+      </p:sp>
+      <p:sp>
+        <p:nvSpPr>
+          <p:cNvPr id="3" name="文本占位符 2"/>
+          <p:cNvSpPr/>
+          <p:nvPr>
+            <p:ph type="body" idx="3"/>
+          </p:nvPr>
+        </p:nvSpPr>
+        <p:spPr/>
+        <p:txBody>
+          <a:bodyPr/>
+          <a:p>
+            <a:r>
+              <a:rPr lang="zh-CN" altLang="en-US"/>
+              <a:t>演化</a:t>
+            </a:r>
+            <a:endParaRPr lang="zh-CN" altLang="en-US"/>
+          </a:p>
+        </p:txBody>
+      </p:sp>
+    </p:spTree>
+  </p:cSld>
+  <p:clrMapOvr>
+    <a:masterClrMapping/>
+  </p:clrMapOvr>
+</p:notes>
+</file>
+
+<file path=ppt/notesSlides/notesSlide11.xml><?xml version="1.0" encoding="utf-8"?>
+<p:notes xmlns:a="http://schemas.openxmlformats.org/drawingml/2006/main" xmlns:r="http://schemas.openxmlformats.org/officeDocument/2006/relationships" xmlns:p="http://schemas.openxmlformats.org/presentationml/2006/main">
+  <p:cSld>
+    <p:spTree>
+      <p:nvGrpSpPr>
+        <p:cNvPr id="1" name=""/>
+        <p:cNvGrpSpPr/>
+        <p:nvPr/>
+      </p:nvGrpSpPr>
+      <p:grpSpPr/>
+      <p:sp>
+        <p:nvSpPr>
+          <p:cNvPr id="2" name="幻灯片图像占位符 1"/>
+          <p:cNvSpPr/>
+          <p:nvPr>
+            <p:ph type="sldImg" idx="2"/>
+          </p:nvPr>
+        </p:nvSpPr>
+        <p:spPr/>
+      </p:sp>
+      <p:sp>
+        <p:nvSpPr>
+          <p:cNvPr id="3" name="文本占位符 2"/>
+          <p:cNvSpPr/>
+          <p:nvPr>
+            <p:ph type="body" idx="3"/>
+          </p:nvPr>
+        </p:nvSpPr>
+        <p:spPr/>
+        <p:txBody>
+          <a:bodyPr/>
+          <a:p>
+            <a:endParaRPr lang="zh-CN" altLang="en-US"/>
+          </a:p>
         </p:txBody>
       </p:sp>
     </p:spTree>
@@ -806,7 +924,19 @@
           <a:p>
             <a:r>
               <a:rPr lang="zh-CN" altLang="en-US"/>
-              <a:t>第一个快递到的时候，收发室小哥就在企业微信上和我说，</a:t>
+              <a:t>第一个快递到的时候，收发室小哥在</a:t>
+            </a:r>
+            <a:r>
+              <a:rPr lang="en-US" altLang="zh-CN"/>
+              <a:t>QQ</a:t>
+            </a:r>
+            <a:r>
+              <a:rPr lang="zh-CN" altLang="en-US"/>
+              <a:t>上</a:t>
+            </a:r>
+            <a:r>
+              <a:rPr lang="zh-CN" altLang="en-US"/>
+              <a:t>和我说，</a:t>
             </a:r>
             <a:r>
               <a:rPr lang="en-US" altLang="zh-CN"/>
@@ -1363,6 +1493,9 @@
         <p:txBody>
           <a:bodyPr/>
           <a:p>
+            <a:endParaRPr lang="zh-CN" altLang="en-US"/>
+          </a:p>
+          <a:p>
             <a:r>
               <a:rPr lang="zh-CN" altLang="en-US"/>
               <a:t>抽象 分层 分治 演化</a:t>
@@ -1372,6 +1505,207 @@
           <a:p>
             <a:endParaRPr lang="zh-CN" altLang="en-US"/>
           </a:p>
+          <a:p>
+            <a:r>
+              <a:rPr lang="zh-CN" altLang="en-US"/>
+              <a:t>到这里还是会有一个疑问，因为阻塞线程，根据我对线程状态的理解，线程</a:t>
+            </a:r>
+            <a:r>
+              <a:rPr lang="en-US" altLang="zh-CN"/>
+              <a:t>block</a:t>
+            </a:r>
+            <a:r>
+              <a:rPr lang="zh-CN" altLang="en-US"/>
+              <a:t>状态的话，是不会分到</a:t>
+            </a:r>
+            <a:r>
+              <a:rPr lang="en-US" altLang="zh-CN"/>
+              <a:t>cpu</a:t>
+            </a:r>
+            <a:r>
+              <a:rPr lang="zh-CN" altLang="en-US"/>
+              <a:t>的时间片的。</a:t>
+            </a:r>
+            <a:endParaRPr lang="zh-CN" altLang="en-US"/>
+          </a:p>
+          <a:p>
+            <a:endParaRPr lang="zh-CN" altLang="en-US"/>
+          </a:p>
+          <a:p>
+            <a:endParaRPr lang="zh-CN" altLang="en-US"/>
+          </a:p>
+          <a:p>
+            <a:r>
+              <a:rPr lang="zh-CN" altLang="en-US"/>
+              <a:t>这里要明确一点，实际上一个</a:t>
+            </a:r>
+            <a:r>
+              <a:rPr lang="en-US" altLang="zh-CN"/>
+              <a:t>request</a:t>
+            </a:r>
+            <a:r>
+              <a:rPr lang="zh-CN" altLang="en-US"/>
+              <a:t>被响应的过程中，业务逻辑对应的</a:t>
+            </a:r>
+            <a:r>
+              <a:rPr lang="en-US" altLang="zh-CN"/>
+              <a:t>compute</a:t>
+            </a:r>
+            <a:r>
+              <a:rPr lang="zh-CN" altLang="en-US"/>
+              <a:t>这一部分的耗时是很少的，最多的应该是</a:t>
+            </a:r>
+            <a:r>
+              <a:rPr lang="en-US" altLang="zh-CN"/>
+              <a:t>IO</a:t>
+            </a:r>
+            <a:r>
+              <a:rPr lang="zh-CN" altLang="en-US"/>
+              <a:t>相关的，不管是说</a:t>
+            </a:r>
+            <a:r>
+              <a:rPr lang="en-US" altLang="zh-CN"/>
+              <a:t>read</a:t>
+            </a:r>
+            <a:r>
+              <a:rPr lang="zh-CN" altLang="en-US"/>
+              <a:t>请求，访问数据库，或者调用所依赖的服务接口。</a:t>
+            </a:r>
+            <a:endParaRPr lang="zh-CN" altLang="en-US"/>
+          </a:p>
+          <a:p>
+            <a:r>
+              <a:rPr lang="zh-CN" altLang="en-US"/>
+              <a:t>所以相应的，分配在</a:t>
+            </a:r>
+            <a:r>
+              <a:rPr lang="en-US" altLang="zh-CN"/>
+              <a:t>compute</a:t>
+            </a:r>
+            <a:r>
+              <a:rPr lang="zh-CN" altLang="en-US"/>
+              <a:t>上的计算能力</a:t>
+            </a:r>
+            <a:r>
+              <a:rPr lang="en-US" altLang="zh-CN"/>
+              <a:t>/</a:t>
+            </a:r>
+            <a:r>
+              <a:rPr lang="zh-CN" altLang="en-US"/>
+              <a:t>时间片</a:t>
+            </a:r>
+            <a:r>
+              <a:rPr lang="en-US" altLang="zh-CN"/>
+              <a:t>/thread</a:t>
+            </a:r>
+            <a:r>
+              <a:rPr lang="zh-CN" altLang="en-US"/>
+              <a:t>数也应该减少。</a:t>
+            </a:r>
+            <a:endParaRPr lang="zh-CN" altLang="en-US"/>
+          </a:p>
+          <a:p>
+            <a:r>
+              <a:rPr lang="zh-CN" altLang="en-US"/>
+              <a:t>分而治之，有针对性地分配资源到各个抽象出的模块上。</a:t>
+            </a:r>
+            <a:endParaRPr lang="zh-CN" altLang="en-US"/>
+          </a:p>
+          <a:p>
+            <a:endParaRPr lang="zh-CN" altLang="en-US"/>
+          </a:p>
+          <a:p>
+            <a:endParaRPr lang="zh-CN" altLang="en-US"/>
+          </a:p>
+        </p:txBody>
+      </p:sp>
+    </p:spTree>
+  </p:cSld>
+  <p:clrMapOvr>
+    <a:masterClrMapping/>
+  </p:clrMapOvr>
+</p:notes>
+</file>
+
+<file path=ppt/notesSlides/notesSlide8.xml><?xml version="1.0" encoding="utf-8"?>
+<p:notes xmlns:a="http://schemas.openxmlformats.org/drawingml/2006/main" xmlns:r="http://schemas.openxmlformats.org/officeDocument/2006/relationships" xmlns:p="http://schemas.openxmlformats.org/presentationml/2006/main">
+  <p:cSld>
+    <p:spTree>
+      <p:nvGrpSpPr>
+        <p:cNvPr id="1" name=""/>
+        <p:cNvGrpSpPr/>
+        <p:nvPr/>
+      </p:nvGrpSpPr>
+      <p:grpSpPr/>
+      <p:sp>
+        <p:nvSpPr>
+          <p:cNvPr id="2" name="幻灯片图像占位符 1"/>
+          <p:cNvSpPr/>
+          <p:nvPr>
+            <p:ph type="sldImg" idx="2"/>
+          </p:nvPr>
+        </p:nvSpPr>
+        <p:spPr/>
+      </p:sp>
+      <p:sp>
+        <p:nvSpPr>
+          <p:cNvPr id="3" name="文本占位符 2"/>
+          <p:cNvSpPr/>
+          <p:nvPr>
+            <p:ph type="body" idx="3"/>
+          </p:nvPr>
+        </p:nvSpPr>
+        <p:spPr/>
+        <p:txBody>
+          <a:bodyPr/>
+          <a:p>
+            <a:r>
+              <a:rPr lang="zh-CN" altLang="en-US"/>
+              <a:t>分治</a:t>
+            </a:r>
+            <a:endParaRPr lang="zh-CN" altLang="en-US"/>
+          </a:p>
+        </p:txBody>
+      </p:sp>
+    </p:spTree>
+  </p:cSld>
+  <p:clrMapOvr>
+    <a:masterClrMapping/>
+  </p:clrMapOvr>
+</p:notes>
+</file>
+
+<file path=ppt/notesSlides/notesSlide9.xml><?xml version="1.0" encoding="utf-8"?>
+<p:notes xmlns:a="http://schemas.openxmlformats.org/drawingml/2006/main" xmlns:r="http://schemas.openxmlformats.org/officeDocument/2006/relationships" xmlns:p="http://schemas.openxmlformats.org/presentationml/2006/main">
+  <p:cSld>
+    <p:spTree>
+      <p:nvGrpSpPr>
+        <p:cNvPr id="1" name=""/>
+        <p:cNvGrpSpPr/>
+        <p:nvPr/>
+      </p:nvGrpSpPr>
+      <p:grpSpPr/>
+      <p:sp>
+        <p:nvSpPr>
+          <p:cNvPr id="2" name="幻灯片图像占位符 1"/>
+          <p:cNvSpPr/>
+          <p:nvPr>
+            <p:ph type="sldImg" idx="2"/>
+          </p:nvPr>
+        </p:nvSpPr>
+        <p:spPr/>
+      </p:sp>
+      <p:sp>
+        <p:nvSpPr>
+          <p:cNvPr id="3" name="文本占位符 2"/>
+          <p:cNvSpPr/>
+          <p:nvPr>
+            <p:ph type="body" idx="3"/>
+          </p:nvPr>
+        </p:nvSpPr>
+        <p:spPr/>
+        <p:txBody>
+          <a:bodyPr/>
           <a:p>
             <a:endParaRPr lang="zh-CN" altLang="en-US"/>
           </a:p>
@@ -3913,10 +4247,18 @@
           <a:bodyPr/>
           <a:p>
             <a:r>
+              <a:rPr lang="zh-CN" altLang="en-US"/>
+              <a:t>在学习</a:t>
+            </a:r>
+            <a:r>
               <a:rPr lang="en-US" altLang="zh-CN"/>
               <a:t>Netty</a:t>
             </a:r>
-            <a:endParaRPr lang="en-US" altLang="zh-CN"/>
+            <a:r>
+              <a:rPr lang="zh-CN" altLang="en-US"/>
+              <a:t>之前</a:t>
+            </a:r>
+            <a:endParaRPr lang="zh-CN" altLang="en-US"/>
           </a:p>
         </p:txBody>
       </p:sp>
@@ -3972,169 +4314,1257 @@
           <a:p>
             <a:r>
               <a:rPr lang="en-US" altLang="zh-CN"/>
-              <a:t>Divide and Conquer/</a:t>
-            </a:r>
-            <a:r>
-              <a:rPr lang="zh-CN" altLang="en-US"/>
-              <a:t>分治</a:t>
-            </a:r>
-            <a:endParaRPr lang="zh-CN" altLang="en-US"/>
-          </a:p>
-        </p:txBody>
-      </p:sp>
-      <p:sp>
-        <p:nvSpPr>
-          <p:cNvPr id="3" name="内容占位符 2"/>
-          <p:cNvSpPr>
-            <a:spLocks noGrp="1"/>
-          </p:cNvSpPr>
-          <p:nvPr>
-            <p:ph idx="1"/>
-          </p:nvPr>
-        </p:nvSpPr>
-        <p:spPr/>
-        <p:txBody>
-          <a:bodyPr/>
-          <a:p>
-            <a:r>
-              <a:rPr lang="zh-CN" altLang="en-US"/>
-              <a:t>原本在一个线程中完成的 </a:t>
-            </a:r>
-            <a:endParaRPr lang="zh-CN" altLang="en-US"/>
-          </a:p>
-          <a:p>
-            <a:pPr marL="0" indent="0">
-              <a:buNone/>
-            </a:pPr>
-            <a:r>
-              <a:rPr lang="en-US" altLang="zh-CN"/>
-              <a:t>	read</a:t>
-            </a:r>
-            <a:r>
-              <a:rPr lang="en-US" altLang="zh-CN">
-                <a:sym typeface="+mn-ea"/>
-              </a:rPr>
-              <a:t>-&gt;decode-&gt;compute-&gt;encode-&gt;write</a:t>
-            </a:r>
-            <a:endParaRPr lang="en-US" altLang="zh-CN">
-              <a:sym typeface="+mn-ea"/>
-            </a:endParaRPr>
-          </a:p>
-          <a:p>
-            <a:pPr marL="0" indent="0">
-              <a:buNone/>
-            </a:pPr>
-            <a:r>
-              <a:rPr lang="zh-CN" altLang="en-US">
-                <a:sym typeface="+mn-ea"/>
-              </a:rPr>
-              <a:t>   拆分成不同的</a:t>
-            </a:r>
-            <a:r>
-              <a:rPr lang="en-US" altLang="zh-CN">
-                <a:sym typeface="+mn-ea"/>
-              </a:rPr>
-              <a:t>handler</a:t>
-            </a:r>
-            <a:r>
-              <a:rPr lang="zh-CN" altLang="en-US">
-                <a:sym typeface="+mn-ea"/>
-              </a:rPr>
-              <a:t>，每一个</a:t>
-            </a:r>
-            <a:r>
-              <a:rPr lang="en-US" altLang="zh-CN">
-                <a:sym typeface="+mn-ea"/>
-              </a:rPr>
-              <a:t>handler</a:t>
-            </a:r>
-            <a:r>
-              <a:rPr lang="zh-CN" altLang="en-US">
-                <a:sym typeface="+mn-ea"/>
-              </a:rPr>
-              <a:t>保证非阻塞地执行；</a:t>
-            </a:r>
-            <a:endParaRPr lang="zh-CN" altLang="en-US">
-              <a:sym typeface="+mn-ea"/>
-            </a:endParaRPr>
-          </a:p>
-          <a:p>
-            <a:pPr marL="0" indent="0">
-              <a:buNone/>
-            </a:pPr>
-            <a:endParaRPr lang="zh-CN" altLang="en-US">
-              <a:sym typeface="+mn-ea"/>
-            </a:endParaRPr>
-          </a:p>
-          <a:p>
-            <a:r>
-              <a:rPr lang="zh-CN" altLang="en-US">
-                <a:sym typeface="+mn-ea"/>
-              </a:rPr>
-              <a:t>一个</a:t>
-            </a:r>
-            <a:r>
-              <a:rPr lang="en-US" altLang="zh-CN">
-                <a:sym typeface="+mn-ea"/>
-              </a:rPr>
-              <a:t>handler</a:t>
-            </a:r>
-            <a:r>
-              <a:rPr lang="zh-CN" altLang="en-US">
-                <a:sym typeface="+mn-ea"/>
-              </a:rPr>
-              <a:t>一完成，就发出</a:t>
-            </a:r>
-            <a:r>
-              <a:rPr lang="en-US" altLang="zh-CN">
-                <a:sym typeface="+mn-ea"/>
-              </a:rPr>
-              <a:t>“</a:t>
-            </a:r>
-            <a:r>
-              <a:rPr lang="zh-CN" altLang="en-US">
-                <a:sym typeface="+mn-ea"/>
-              </a:rPr>
-              <a:t>事件</a:t>
-            </a:r>
-            <a:r>
-              <a:rPr lang="en-US" altLang="zh-CN">
-                <a:sym typeface="+mn-ea"/>
-              </a:rPr>
-              <a:t>”</a:t>
-            </a:r>
-            <a:r>
-              <a:rPr lang="zh-CN" altLang="en-US">
-                <a:sym typeface="+mn-ea"/>
-              </a:rPr>
-              <a:t>，触发下一个</a:t>
-            </a:r>
-            <a:r>
-              <a:rPr lang="en-US" altLang="zh-CN">
-                <a:sym typeface="+mn-ea"/>
-              </a:rPr>
-              <a:t>handler</a:t>
-            </a:r>
-            <a:r>
-              <a:rPr lang="zh-CN" altLang="en-US">
-                <a:sym typeface="+mn-ea"/>
-              </a:rPr>
-              <a:t>的执行；</a:t>
-            </a:r>
-            <a:endParaRPr lang="zh-CN" altLang="en-US">
-              <a:sym typeface="+mn-ea"/>
-            </a:endParaRPr>
-          </a:p>
-          <a:p>
-            <a:pPr marL="0" indent="0">
-              <a:buNone/>
-            </a:pPr>
-            <a:endParaRPr lang="zh-CN" altLang="en-US">
-              <a:sym typeface="+mn-ea"/>
-            </a:endParaRPr>
-          </a:p>
-        </p:txBody>
-      </p:sp>
+              <a:t>Reactor Design</a:t>
+            </a:r>
+            <a:endParaRPr lang="en-US" altLang="zh-CN"/>
+          </a:p>
+        </p:txBody>
+      </p:sp>
+      <p:sp>
+        <p:nvSpPr>
+          <p:cNvPr id="4" name="椭圆 3"/>
+          <p:cNvSpPr/>
+          <p:nvPr/>
+        </p:nvSpPr>
+        <p:spPr>
+          <a:xfrm>
+            <a:off x="1009650" y="2019300"/>
+            <a:ext cx="1342390" cy="596900"/>
+          </a:xfrm>
+          <a:prstGeom prst="ellipse">
+            <a:avLst/>
+          </a:prstGeom>
+        </p:spPr>
+        <p:style>
+          <a:lnRef idx="2">
+            <a:schemeClr val="accent1">
+              <a:shade val="50000"/>
+            </a:schemeClr>
+          </a:lnRef>
+          <a:fillRef idx="1">
+            <a:schemeClr val="accent1"/>
+          </a:fillRef>
+          <a:effectRef idx="0">
+            <a:schemeClr val="accent1"/>
+          </a:effectRef>
+          <a:fontRef idx="minor">
+            <a:schemeClr val="lt1"/>
+          </a:fontRef>
+        </p:style>
+        <p:txBody>
+          <a:bodyPr rtlCol="0" anchor="ctr"/>
+          <a:p>
+            <a:pPr algn="ctr"/>
+            <a:r>
+              <a:rPr lang="en-US" altLang="zh-CN"/>
+              <a:t>client</a:t>
+            </a:r>
+            <a:endParaRPr lang="en-US" altLang="zh-CN"/>
+          </a:p>
+        </p:txBody>
+      </p:sp>
+      <p:sp>
+        <p:nvSpPr>
+          <p:cNvPr id="5" name="椭圆 4"/>
+          <p:cNvSpPr/>
+          <p:nvPr/>
+        </p:nvSpPr>
+        <p:spPr>
+          <a:xfrm>
+            <a:off x="1009650" y="4114800"/>
+            <a:ext cx="1342390" cy="596900"/>
+          </a:xfrm>
+          <a:prstGeom prst="ellipse">
+            <a:avLst/>
+          </a:prstGeom>
+        </p:spPr>
+        <p:style>
+          <a:lnRef idx="2">
+            <a:schemeClr val="accent1">
+              <a:shade val="50000"/>
+            </a:schemeClr>
+          </a:lnRef>
+          <a:fillRef idx="1">
+            <a:schemeClr val="accent1"/>
+          </a:fillRef>
+          <a:effectRef idx="0">
+            <a:schemeClr val="accent1"/>
+          </a:effectRef>
+          <a:fontRef idx="minor">
+            <a:schemeClr val="lt1"/>
+          </a:fontRef>
+        </p:style>
+        <p:txBody>
+          <a:bodyPr rtlCol="0" anchor="ctr"/>
+          <a:p>
+            <a:pPr algn="ctr"/>
+            <a:r>
+              <a:rPr lang="en-US" altLang="zh-CN"/>
+              <a:t>client</a:t>
+            </a:r>
+            <a:endParaRPr lang="en-US" altLang="zh-CN"/>
+          </a:p>
+        </p:txBody>
+      </p:sp>
+      <p:sp>
+        <p:nvSpPr>
+          <p:cNvPr id="6" name="椭圆 5"/>
+          <p:cNvSpPr/>
+          <p:nvPr/>
+        </p:nvSpPr>
+        <p:spPr>
+          <a:xfrm>
+            <a:off x="1009650" y="3045460"/>
+            <a:ext cx="1342390" cy="596900"/>
+          </a:xfrm>
+          <a:prstGeom prst="ellipse">
+            <a:avLst/>
+          </a:prstGeom>
+        </p:spPr>
+        <p:style>
+          <a:lnRef idx="2">
+            <a:schemeClr val="accent1">
+              <a:shade val="50000"/>
+            </a:schemeClr>
+          </a:lnRef>
+          <a:fillRef idx="1">
+            <a:schemeClr val="accent1"/>
+          </a:fillRef>
+          <a:effectRef idx="0">
+            <a:schemeClr val="accent1"/>
+          </a:effectRef>
+          <a:fontRef idx="minor">
+            <a:schemeClr val="lt1"/>
+          </a:fontRef>
+        </p:style>
+        <p:txBody>
+          <a:bodyPr rtlCol="0" anchor="ctr"/>
+          <a:p>
+            <a:pPr algn="ctr"/>
+            <a:r>
+              <a:rPr lang="en-US" altLang="zh-CN"/>
+              <a:t>client</a:t>
+            </a:r>
+            <a:endParaRPr lang="en-US" altLang="zh-CN"/>
+          </a:p>
+        </p:txBody>
+      </p:sp>
+      <p:sp>
+        <p:nvSpPr>
+          <p:cNvPr id="7" name="椭圆 6"/>
+          <p:cNvSpPr/>
+          <p:nvPr/>
+        </p:nvSpPr>
+        <p:spPr>
+          <a:xfrm>
+            <a:off x="4571365" y="1400810"/>
+            <a:ext cx="6271895" cy="933450"/>
+          </a:xfrm>
+          <a:prstGeom prst="ellipse">
+            <a:avLst/>
+          </a:prstGeom>
+          <a:solidFill>
+            <a:schemeClr val="accent2">
+              <a:lumMod val="75000"/>
+            </a:schemeClr>
+          </a:solidFill>
+        </p:spPr>
+        <p:style>
+          <a:lnRef idx="2">
+            <a:schemeClr val="accent1">
+              <a:shade val="50000"/>
+            </a:schemeClr>
+          </a:lnRef>
+          <a:fillRef idx="1">
+            <a:schemeClr val="accent1"/>
+          </a:fillRef>
+          <a:effectRef idx="0">
+            <a:schemeClr val="accent1"/>
+          </a:effectRef>
+          <a:fontRef idx="minor">
+            <a:schemeClr val="lt1"/>
+          </a:fontRef>
+        </p:style>
+        <p:txBody>
+          <a:bodyPr rtlCol="0" anchor="ctr"/>
+          <a:p>
+            <a:pPr algn="ctr"/>
+            <a:r>
+              <a:rPr lang="en-US" altLang="zh-CN" sz="2800"/>
+              <a:t>Reactor</a:t>
+            </a:r>
+            <a:endParaRPr lang="en-US" altLang="zh-CN" sz="2800"/>
+          </a:p>
+          <a:p>
+            <a:pPr algn="ctr"/>
+            <a:r>
+              <a:rPr lang="en-US" altLang="zh-CN"/>
+              <a:t>accept()</a:t>
+            </a:r>
+            <a:endParaRPr lang="zh-CN" altLang="en-US"/>
+          </a:p>
+        </p:txBody>
+      </p:sp>
+      <p:sp>
+        <p:nvSpPr>
+          <p:cNvPr id="9" name="圆角矩形 8"/>
+          <p:cNvSpPr/>
+          <p:nvPr/>
+        </p:nvSpPr>
+        <p:spPr>
+          <a:xfrm>
+            <a:off x="6133465" y="3642360"/>
+            <a:ext cx="983615" cy="529590"/>
+          </a:xfrm>
+          <a:prstGeom prst="roundRect">
+            <a:avLst/>
+          </a:prstGeom>
+        </p:spPr>
+        <p:style>
+          <a:lnRef idx="2">
+            <a:schemeClr val="accent1">
+              <a:shade val="50000"/>
+            </a:schemeClr>
+          </a:lnRef>
+          <a:fillRef idx="1">
+            <a:schemeClr val="accent1"/>
+          </a:fillRef>
+          <a:effectRef idx="0">
+            <a:schemeClr val="accent1"/>
+          </a:effectRef>
+          <a:fontRef idx="minor">
+            <a:schemeClr val="lt1"/>
+          </a:fontRef>
+        </p:style>
+        <p:txBody>
+          <a:bodyPr rtlCol="0" anchor="ctr"/>
+          <a:p>
+            <a:pPr algn="ctr"/>
+            <a:r>
+              <a:rPr lang="en-US" altLang="zh-CN"/>
+              <a:t>read</a:t>
+            </a:r>
+            <a:endParaRPr lang="en-US" altLang="zh-CN"/>
+          </a:p>
+        </p:txBody>
+      </p:sp>
+      <p:sp>
+        <p:nvSpPr>
+          <p:cNvPr id="10" name="圆角矩形 9"/>
+          <p:cNvSpPr/>
+          <p:nvPr/>
+        </p:nvSpPr>
+        <p:spPr>
+          <a:xfrm>
+            <a:off x="7309485" y="3642360"/>
+            <a:ext cx="944880" cy="529590"/>
+          </a:xfrm>
+          <a:prstGeom prst="roundRect">
+            <a:avLst/>
+          </a:prstGeom>
+        </p:spPr>
+        <p:style>
+          <a:lnRef idx="2">
+            <a:schemeClr val="accent1">
+              <a:shade val="50000"/>
+            </a:schemeClr>
+          </a:lnRef>
+          <a:fillRef idx="1">
+            <a:schemeClr val="accent1"/>
+          </a:fillRef>
+          <a:effectRef idx="0">
+            <a:schemeClr val="accent1"/>
+          </a:effectRef>
+          <a:fontRef idx="minor">
+            <a:schemeClr val="lt1"/>
+          </a:fontRef>
+        </p:style>
+        <p:txBody>
+          <a:bodyPr rtlCol="0" anchor="ctr"/>
+          <a:p>
+            <a:pPr algn="ctr"/>
+            <a:r>
+              <a:rPr lang="en-US" altLang="zh-CN"/>
+              <a:t>decode</a:t>
+            </a:r>
+            <a:endParaRPr lang="en-US" altLang="zh-CN"/>
+          </a:p>
+        </p:txBody>
+      </p:sp>
+      <p:sp>
+        <p:nvSpPr>
+          <p:cNvPr id="11" name="圆角矩形 10"/>
+          <p:cNvSpPr/>
+          <p:nvPr/>
+        </p:nvSpPr>
+        <p:spPr>
+          <a:xfrm>
+            <a:off x="8413750" y="3642360"/>
+            <a:ext cx="1143000" cy="529590"/>
+          </a:xfrm>
+          <a:prstGeom prst="roundRect">
+            <a:avLst/>
+          </a:prstGeom>
+        </p:spPr>
+        <p:style>
+          <a:lnRef idx="2">
+            <a:schemeClr val="accent1">
+              <a:shade val="50000"/>
+            </a:schemeClr>
+          </a:lnRef>
+          <a:fillRef idx="1">
+            <a:schemeClr val="accent1"/>
+          </a:fillRef>
+          <a:effectRef idx="0">
+            <a:schemeClr val="accent1"/>
+          </a:effectRef>
+          <a:fontRef idx="minor">
+            <a:schemeClr val="lt1"/>
+          </a:fontRef>
+        </p:style>
+        <p:txBody>
+          <a:bodyPr rtlCol="0" anchor="ctr"/>
+          <a:p>
+            <a:pPr algn="ctr"/>
+            <a:r>
+              <a:rPr lang="en-US" altLang="zh-CN"/>
+              <a:t>compute</a:t>
+            </a:r>
+            <a:endParaRPr lang="en-US" altLang="zh-CN"/>
+          </a:p>
+        </p:txBody>
+      </p:sp>
+      <p:sp>
+        <p:nvSpPr>
+          <p:cNvPr id="13" name="圆角矩形 12"/>
+          <p:cNvSpPr/>
+          <p:nvPr/>
+        </p:nvSpPr>
+        <p:spPr>
+          <a:xfrm>
+            <a:off x="9705975" y="3642360"/>
+            <a:ext cx="944880" cy="529590"/>
+          </a:xfrm>
+          <a:prstGeom prst="roundRect">
+            <a:avLst/>
+          </a:prstGeom>
+        </p:spPr>
+        <p:style>
+          <a:lnRef idx="2">
+            <a:schemeClr val="accent1">
+              <a:shade val="50000"/>
+            </a:schemeClr>
+          </a:lnRef>
+          <a:fillRef idx="1">
+            <a:schemeClr val="accent1"/>
+          </a:fillRef>
+          <a:effectRef idx="0">
+            <a:schemeClr val="accent1"/>
+          </a:effectRef>
+          <a:fontRef idx="minor">
+            <a:schemeClr val="lt1"/>
+          </a:fontRef>
+        </p:style>
+        <p:txBody>
+          <a:bodyPr rtlCol="0" anchor="ctr"/>
+          <a:p>
+            <a:pPr algn="ctr"/>
+            <a:r>
+              <a:rPr lang="en-US" altLang="zh-CN"/>
+              <a:t>encode</a:t>
+            </a:r>
+            <a:endParaRPr lang="en-US" altLang="zh-CN"/>
+          </a:p>
+        </p:txBody>
+      </p:sp>
+      <p:sp>
+        <p:nvSpPr>
+          <p:cNvPr id="14" name="圆角矩形 13"/>
+          <p:cNvSpPr/>
+          <p:nvPr/>
+        </p:nvSpPr>
+        <p:spPr>
+          <a:xfrm>
+            <a:off x="10843260" y="3642360"/>
+            <a:ext cx="944880" cy="529590"/>
+          </a:xfrm>
+          <a:prstGeom prst="roundRect">
+            <a:avLst/>
+          </a:prstGeom>
+        </p:spPr>
+        <p:style>
+          <a:lnRef idx="2">
+            <a:schemeClr val="accent1">
+              <a:shade val="50000"/>
+            </a:schemeClr>
+          </a:lnRef>
+          <a:fillRef idx="1">
+            <a:schemeClr val="accent1"/>
+          </a:fillRef>
+          <a:effectRef idx="0">
+            <a:schemeClr val="accent1"/>
+          </a:effectRef>
+          <a:fontRef idx="minor">
+            <a:schemeClr val="lt1"/>
+          </a:fontRef>
+        </p:style>
+        <p:txBody>
+          <a:bodyPr rtlCol="0" anchor="ctr"/>
+          <a:p>
+            <a:pPr algn="ctr"/>
+            <a:r>
+              <a:rPr lang="en-US" altLang="zh-CN"/>
+              <a:t>send</a:t>
+            </a:r>
+            <a:endParaRPr lang="en-US" altLang="zh-CN"/>
+          </a:p>
+        </p:txBody>
+      </p:sp>
+      <p:sp>
+        <p:nvSpPr>
+          <p:cNvPr id="17" name="圆角矩形 16"/>
+          <p:cNvSpPr/>
+          <p:nvPr/>
+        </p:nvSpPr>
+        <p:spPr>
+          <a:xfrm>
+            <a:off x="6139180" y="4350385"/>
+            <a:ext cx="983615" cy="529590"/>
+          </a:xfrm>
+          <a:prstGeom prst="roundRect">
+            <a:avLst/>
+          </a:prstGeom>
+        </p:spPr>
+        <p:style>
+          <a:lnRef idx="2">
+            <a:schemeClr val="accent1">
+              <a:shade val="50000"/>
+            </a:schemeClr>
+          </a:lnRef>
+          <a:fillRef idx="1">
+            <a:schemeClr val="accent1"/>
+          </a:fillRef>
+          <a:effectRef idx="0">
+            <a:schemeClr val="accent1"/>
+          </a:effectRef>
+          <a:fontRef idx="minor">
+            <a:schemeClr val="lt1"/>
+          </a:fontRef>
+        </p:style>
+        <p:txBody>
+          <a:bodyPr rtlCol="0" anchor="ctr"/>
+          <a:p>
+            <a:pPr algn="ctr"/>
+            <a:r>
+              <a:rPr lang="en-US" altLang="zh-CN"/>
+              <a:t>read</a:t>
+            </a:r>
+            <a:endParaRPr lang="en-US" altLang="zh-CN"/>
+          </a:p>
+        </p:txBody>
+      </p:sp>
+      <p:sp>
+        <p:nvSpPr>
+          <p:cNvPr id="18" name="圆角矩形 17"/>
+          <p:cNvSpPr/>
+          <p:nvPr/>
+        </p:nvSpPr>
+        <p:spPr>
+          <a:xfrm>
+            <a:off x="7315200" y="4350385"/>
+            <a:ext cx="944880" cy="529590"/>
+          </a:xfrm>
+          <a:prstGeom prst="roundRect">
+            <a:avLst/>
+          </a:prstGeom>
+        </p:spPr>
+        <p:style>
+          <a:lnRef idx="2">
+            <a:schemeClr val="accent1">
+              <a:shade val="50000"/>
+            </a:schemeClr>
+          </a:lnRef>
+          <a:fillRef idx="1">
+            <a:schemeClr val="accent1"/>
+          </a:fillRef>
+          <a:effectRef idx="0">
+            <a:schemeClr val="accent1"/>
+          </a:effectRef>
+          <a:fontRef idx="minor">
+            <a:schemeClr val="lt1"/>
+          </a:fontRef>
+        </p:style>
+        <p:txBody>
+          <a:bodyPr rtlCol="0" anchor="ctr"/>
+          <a:p>
+            <a:pPr algn="ctr"/>
+            <a:r>
+              <a:rPr lang="en-US" altLang="zh-CN"/>
+              <a:t>decode</a:t>
+            </a:r>
+            <a:endParaRPr lang="en-US" altLang="zh-CN"/>
+          </a:p>
+        </p:txBody>
+      </p:sp>
+      <p:sp>
+        <p:nvSpPr>
+          <p:cNvPr id="19" name="圆角矩形 18"/>
+          <p:cNvSpPr/>
+          <p:nvPr/>
+        </p:nvSpPr>
+        <p:spPr>
+          <a:xfrm>
+            <a:off x="8419465" y="4350385"/>
+            <a:ext cx="1143000" cy="529590"/>
+          </a:xfrm>
+          <a:prstGeom prst="roundRect">
+            <a:avLst/>
+          </a:prstGeom>
+        </p:spPr>
+        <p:style>
+          <a:lnRef idx="2">
+            <a:schemeClr val="accent1">
+              <a:shade val="50000"/>
+            </a:schemeClr>
+          </a:lnRef>
+          <a:fillRef idx="1">
+            <a:schemeClr val="accent1"/>
+          </a:fillRef>
+          <a:effectRef idx="0">
+            <a:schemeClr val="accent1"/>
+          </a:effectRef>
+          <a:fontRef idx="minor">
+            <a:schemeClr val="lt1"/>
+          </a:fontRef>
+        </p:style>
+        <p:txBody>
+          <a:bodyPr rtlCol="0" anchor="ctr"/>
+          <a:p>
+            <a:pPr algn="ctr"/>
+            <a:r>
+              <a:rPr lang="en-US" altLang="zh-CN"/>
+              <a:t>compute</a:t>
+            </a:r>
+            <a:endParaRPr lang="en-US" altLang="zh-CN"/>
+          </a:p>
+        </p:txBody>
+      </p:sp>
+      <p:sp>
+        <p:nvSpPr>
+          <p:cNvPr id="20" name="圆角矩形 19"/>
+          <p:cNvSpPr/>
+          <p:nvPr/>
+        </p:nvSpPr>
+        <p:spPr>
+          <a:xfrm>
+            <a:off x="9711690" y="4350385"/>
+            <a:ext cx="944880" cy="529590"/>
+          </a:xfrm>
+          <a:prstGeom prst="roundRect">
+            <a:avLst/>
+          </a:prstGeom>
+        </p:spPr>
+        <p:style>
+          <a:lnRef idx="2">
+            <a:schemeClr val="accent1">
+              <a:shade val="50000"/>
+            </a:schemeClr>
+          </a:lnRef>
+          <a:fillRef idx="1">
+            <a:schemeClr val="accent1"/>
+          </a:fillRef>
+          <a:effectRef idx="0">
+            <a:schemeClr val="accent1"/>
+          </a:effectRef>
+          <a:fontRef idx="minor">
+            <a:schemeClr val="lt1"/>
+          </a:fontRef>
+        </p:style>
+        <p:txBody>
+          <a:bodyPr rtlCol="0" anchor="ctr"/>
+          <a:p>
+            <a:pPr algn="ctr"/>
+            <a:r>
+              <a:rPr lang="en-US" altLang="zh-CN"/>
+              <a:t>encode</a:t>
+            </a:r>
+            <a:endParaRPr lang="en-US" altLang="zh-CN"/>
+          </a:p>
+        </p:txBody>
+      </p:sp>
+      <p:sp>
+        <p:nvSpPr>
+          <p:cNvPr id="21" name="圆角矩形 20"/>
+          <p:cNvSpPr/>
+          <p:nvPr/>
+        </p:nvSpPr>
+        <p:spPr>
+          <a:xfrm>
+            <a:off x="10848975" y="4350385"/>
+            <a:ext cx="944880" cy="529590"/>
+          </a:xfrm>
+          <a:prstGeom prst="roundRect">
+            <a:avLst/>
+          </a:prstGeom>
+        </p:spPr>
+        <p:style>
+          <a:lnRef idx="2">
+            <a:schemeClr val="accent1">
+              <a:shade val="50000"/>
+            </a:schemeClr>
+          </a:lnRef>
+          <a:fillRef idx="1">
+            <a:schemeClr val="accent1"/>
+          </a:fillRef>
+          <a:effectRef idx="0">
+            <a:schemeClr val="accent1"/>
+          </a:effectRef>
+          <a:fontRef idx="minor">
+            <a:schemeClr val="lt1"/>
+          </a:fontRef>
+        </p:style>
+        <p:txBody>
+          <a:bodyPr rtlCol="0" anchor="ctr"/>
+          <a:p>
+            <a:pPr algn="ctr"/>
+            <a:r>
+              <a:rPr lang="en-US" altLang="zh-CN"/>
+              <a:t>send</a:t>
+            </a:r>
+            <a:endParaRPr lang="en-US" altLang="zh-CN"/>
+          </a:p>
+        </p:txBody>
+      </p:sp>
+      <p:sp>
+        <p:nvSpPr>
+          <p:cNvPr id="29" name="圆角矩形 28"/>
+          <p:cNvSpPr/>
+          <p:nvPr/>
+        </p:nvSpPr>
+        <p:spPr>
+          <a:xfrm>
+            <a:off x="6139180" y="5080635"/>
+            <a:ext cx="983615" cy="529590"/>
+          </a:xfrm>
+          <a:prstGeom prst="roundRect">
+            <a:avLst/>
+          </a:prstGeom>
+        </p:spPr>
+        <p:style>
+          <a:lnRef idx="2">
+            <a:schemeClr val="accent1">
+              <a:shade val="50000"/>
+            </a:schemeClr>
+          </a:lnRef>
+          <a:fillRef idx="1">
+            <a:schemeClr val="accent1"/>
+          </a:fillRef>
+          <a:effectRef idx="0">
+            <a:schemeClr val="accent1"/>
+          </a:effectRef>
+          <a:fontRef idx="minor">
+            <a:schemeClr val="lt1"/>
+          </a:fontRef>
+        </p:style>
+        <p:txBody>
+          <a:bodyPr rtlCol="0" anchor="ctr"/>
+          <a:p>
+            <a:pPr algn="ctr"/>
+            <a:r>
+              <a:rPr lang="en-US" altLang="zh-CN"/>
+              <a:t>read</a:t>
+            </a:r>
+            <a:endParaRPr lang="en-US" altLang="zh-CN"/>
+          </a:p>
+        </p:txBody>
+      </p:sp>
+      <p:sp>
+        <p:nvSpPr>
+          <p:cNvPr id="30" name="圆角矩形 29"/>
+          <p:cNvSpPr/>
+          <p:nvPr/>
+        </p:nvSpPr>
+        <p:spPr>
+          <a:xfrm>
+            <a:off x="7315200" y="5080635"/>
+            <a:ext cx="944880" cy="529590"/>
+          </a:xfrm>
+          <a:prstGeom prst="roundRect">
+            <a:avLst/>
+          </a:prstGeom>
+        </p:spPr>
+        <p:style>
+          <a:lnRef idx="2">
+            <a:schemeClr val="accent1">
+              <a:shade val="50000"/>
+            </a:schemeClr>
+          </a:lnRef>
+          <a:fillRef idx="1">
+            <a:schemeClr val="accent1"/>
+          </a:fillRef>
+          <a:effectRef idx="0">
+            <a:schemeClr val="accent1"/>
+          </a:effectRef>
+          <a:fontRef idx="minor">
+            <a:schemeClr val="lt1"/>
+          </a:fontRef>
+        </p:style>
+        <p:txBody>
+          <a:bodyPr rtlCol="0" anchor="ctr"/>
+          <a:p>
+            <a:pPr algn="ctr"/>
+            <a:r>
+              <a:rPr lang="en-US" altLang="zh-CN"/>
+              <a:t>decode</a:t>
+            </a:r>
+            <a:endParaRPr lang="en-US" altLang="zh-CN"/>
+          </a:p>
+        </p:txBody>
+      </p:sp>
+      <p:sp>
+        <p:nvSpPr>
+          <p:cNvPr id="31" name="圆角矩形 30"/>
+          <p:cNvSpPr/>
+          <p:nvPr/>
+        </p:nvSpPr>
+        <p:spPr>
+          <a:xfrm>
+            <a:off x="8419465" y="5080635"/>
+            <a:ext cx="1143000" cy="529590"/>
+          </a:xfrm>
+          <a:prstGeom prst="roundRect">
+            <a:avLst/>
+          </a:prstGeom>
+        </p:spPr>
+        <p:style>
+          <a:lnRef idx="2">
+            <a:schemeClr val="accent1">
+              <a:shade val="50000"/>
+            </a:schemeClr>
+          </a:lnRef>
+          <a:fillRef idx="1">
+            <a:schemeClr val="accent1"/>
+          </a:fillRef>
+          <a:effectRef idx="0">
+            <a:schemeClr val="accent1"/>
+          </a:effectRef>
+          <a:fontRef idx="minor">
+            <a:schemeClr val="lt1"/>
+          </a:fontRef>
+        </p:style>
+        <p:txBody>
+          <a:bodyPr rtlCol="0" anchor="ctr"/>
+          <a:p>
+            <a:pPr algn="ctr"/>
+            <a:r>
+              <a:rPr lang="en-US" altLang="zh-CN"/>
+              <a:t>compute</a:t>
+            </a:r>
+            <a:endParaRPr lang="en-US" altLang="zh-CN"/>
+          </a:p>
+        </p:txBody>
+      </p:sp>
+      <p:sp>
+        <p:nvSpPr>
+          <p:cNvPr id="32" name="圆角矩形 31"/>
+          <p:cNvSpPr/>
+          <p:nvPr/>
+        </p:nvSpPr>
+        <p:spPr>
+          <a:xfrm>
+            <a:off x="9711690" y="5080635"/>
+            <a:ext cx="944880" cy="529590"/>
+          </a:xfrm>
+          <a:prstGeom prst="roundRect">
+            <a:avLst/>
+          </a:prstGeom>
+        </p:spPr>
+        <p:style>
+          <a:lnRef idx="2">
+            <a:schemeClr val="accent1">
+              <a:shade val="50000"/>
+            </a:schemeClr>
+          </a:lnRef>
+          <a:fillRef idx="1">
+            <a:schemeClr val="accent1"/>
+          </a:fillRef>
+          <a:effectRef idx="0">
+            <a:schemeClr val="accent1"/>
+          </a:effectRef>
+          <a:fontRef idx="minor">
+            <a:schemeClr val="lt1"/>
+          </a:fontRef>
+        </p:style>
+        <p:txBody>
+          <a:bodyPr rtlCol="0" anchor="ctr"/>
+          <a:p>
+            <a:pPr algn="ctr"/>
+            <a:r>
+              <a:rPr lang="en-US" altLang="zh-CN"/>
+              <a:t>encode</a:t>
+            </a:r>
+            <a:endParaRPr lang="en-US" altLang="zh-CN"/>
+          </a:p>
+        </p:txBody>
+      </p:sp>
+      <p:sp>
+        <p:nvSpPr>
+          <p:cNvPr id="33" name="圆角矩形 32"/>
+          <p:cNvSpPr/>
+          <p:nvPr/>
+        </p:nvSpPr>
+        <p:spPr>
+          <a:xfrm>
+            <a:off x="10848975" y="5080635"/>
+            <a:ext cx="944880" cy="529590"/>
+          </a:xfrm>
+          <a:prstGeom prst="roundRect">
+            <a:avLst/>
+          </a:prstGeom>
+        </p:spPr>
+        <p:style>
+          <a:lnRef idx="2">
+            <a:schemeClr val="accent1">
+              <a:shade val="50000"/>
+            </a:schemeClr>
+          </a:lnRef>
+          <a:fillRef idx="1">
+            <a:schemeClr val="accent1"/>
+          </a:fillRef>
+          <a:effectRef idx="0">
+            <a:schemeClr val="accent1"/>
+          </a:effectRef>
+          <a:fontRef idx="minor">
+            <a:schemeClr val="lt1"/>
+          </a:fontRef>
+        </p:style>
+        <p:txBody>
+          <a:bodyPr rtlCol="0" anchor="ctr"/>
+          <a:p>
+            <a:pPr algn="ctr"/>
+            <a:r>
+              <a:rPr lang="en-US" altLang="zh-CN"/>
+              <a:t>send</a:t>
+            </a:r>
+            <a:endParaRPr lang="en-US" altLang="zh-CN"/>
+          </a:p>
+        </p:txBody>
+      </p:sp>
+      <p:cxnSp>
+        <p:nvCxnSpPr>
+          <p:cNvPr id="34" name="直接箭头连接符 33"/>
+          <p:cNvCxnSpPr/>
+          <p:nvPr/>
+        </p:nvCxnSpPr>
+        <p:spPr>
+          <a:xfrm flipV="1">
+            <a:off x="2301875" y="1880870"/>
+            <a:ext cx="2169795" cy="453390"/>
+          </a:xfrm>
+          <a:prstGeom prst="straightConnector1">
+            <a:avLst/>
+          </a:prstGeom>
+          <a:ln>
+            <a:tailEnd type="arrow"/>
+          </a:ln>
+        </p:spPr>
+        <p:style>
+          <a:lnRef idx="1">
+            <a:schemeClr val="accent1"/>
+          </a:lnRef>
+          <a:fillRef idx="0">
+            <a:schemeClr val="accent1"/>
+          </a:fillRef>
+          <a:effectRef idx="0">
+            <a:schemeClr val="accent1"/>
+          </a:effectRef>
+          <a:fontRef idx="minor">
+            <a:schemeClr val="tx1"/>
+          </a:fontRef>
+        </p:style>
+      </p:cxnSp>
+      <p:cxnSp>
+        <p:nvCxnSpPr>
+          <p:cNvPr id="35" name="直接箭头连接符 34"/>
+          <p:cNvCxnSpPr/>
+          <p:nvPr/>
+        </p:nvCxnSpPr>
+        <p:spPr>
+          <a:xfrm flipV="1">
+            <a:off x="2352040" y="2254885"/>
+            <a:ext cx="2051685" cy="2199005"/>
+          </a:xfrm>
+          <a:prstGeom prst="straightConnector1">
+            <a:avLst/>
+          </a:prstGeom>
+          <a:ln>
+            <a:tailEnd type="arrow"/>
+          </a:ln>
+        </p:spPr>
+        <p:style>
+          <a:lnRef idx="1">
+            <a:schemeClr val="accent1"/>
+          </a:lnRef>
+          <a:fillRef idx="0">
+            <a:schemeClr val="accent1"/>
+          </a:fillRef>
+          <a:effectRef idx="0">
+            <a:schemeClr val="accent1"/>
+          </a:effectRef>
+          <a:fontRef idx="minor">
+            <a:schemeClr val="tx1"/>
+          </a:fontRef>
+        </p:style>
+      </p:cxnSp>
+      <p:cxnSp>
+        <p:nvCxnSpPr>
+          <p:cNvPr id="36" name="直接箭头连接符 35"/>
+          <p:cNvCxnSpPr/>
+          <p:nvPr/>
+        </p:nvCxnSpPr>
+        <p:spPr>
+          <a:xfrm flipV="1">
+            <a:off x="2352040" y="2033905"/>
+            <a:ext cx="2085340" cy="1290955"/>
+          </a:xfrm>
+          <a:prstGeom prst="straightConnector1">
+            <a:avLst/>
+          </a:prstGeom>
+          <a:ln>
+            <a:tailEnd type="arrow"/>
+          </a:ln>
+        </p:spPr>
+        <p:style>
+          <a:lnRef idx="1">
+            <a:schemeClr val="accent1"/>
+          </a:lnRef>
+          <a:fillRef idx="0">
+            <a:schemeClr val="accent1"/>
+          </a:fillRef>
+          <a:effectRef idx="0">
+            <a:schemeClr val="accent1"/>
+          </a:effectRef>
+          <a:fontRef idx="minor">
+            <a:schemeClr val="tx1"/>
+          </a:fontRef>
+        </p:style>
+      </p:cxnSp>
+      <p:sp>
+        <p:nvSpPr>
+          <p:cNvPr id="8" name="椭圆 7"/>
+          <p:cNvSpPr/>
+          <p:nvPr/>
+        </p:nvSpPr>
+        <p:spPr>
+          <a:xfrm>
+            <a:off x="3698240" y="4037330"/>
+            <a:ext cx="1971675" cy="1156335"/>
+          </a:xfrm>
+          <a:prstGeom prst="ellipse">
+            <a:avLst/>
+          </a:prstGeom>
+        </p:spPr>
+        <p:style>
+          <a:lnRef idx="2">
+            <a:schemeClr val="accent4">
+              <a:shade val="50000"/>
+            </a:schemeClr>
+          </a:lnRef>
+          <a:fillRef idx="1">
+            <a:schemeClr val="accent4"/>
+          </a:fillRef>
+          <a:effectRef idx="0">
+            <a:schemeClr val="accent4"/>
+          </a:effectRef>
+          <a:fontRef idx="minor">
+            <a:schemeClr val="lt1"/>
+          </a:fontRef>
+        </p:style>
+        <p:txBody>
+          <a:bodyPr rtlCol="0" anchor="ctr"/>
+          <a:p>
+            <a:pPr algn="ctr"/>
+            <a:r>
+              <a:rPr lang="en-US" altLang="zh-CN" sz="2400"/>
+              <a:t>Acceptor</a:t>
+            </a:r>
+            <a:endParaRPr lang="en-US" altLang="zh-CN" sz="2400"/>
+          </a:p>
+        </p:txBody>
+      </p:sp>
+      <p:sp>
+        <p:nvSpPr>
+          <p:cNvPr id="12" name="矩形 11"/>
+          <p:cNvSpPr/>
+          <p:nvPr/>
+        </p:nvSpPr>
+        <p:spPr>
+          <a:xfrm>
+            <a:off x="6647815" y="1965960"/>
+            <a:ext cx="2244725" cy="374015"/>
+          </a:xfrm>
+          <a:prstGeom prst="rect">
+            <a:avLst/>
+          </a:prstGeom>
+        </p:spPr>
+        <p:style>
+          <a:lnRef idx="1">
+            <a:schemeClr val="accent6"/>
+          </a:lnRef>
+          <a:fillRef idx="3">
+            <a:schemeClr val="accent6"/>
+          </a:fillRef>
+          <a:effectRef idx="2">
+            <a:schemeClr val="accent6"/>
+          </a:effectRef>
+          <a:fontRef idx="minor">
+            <a:schemeClr val="lt1"/>
+          </a:fontRef>
+        </p:style>
+        <p:txBody>
+          <a:bodyPr rtlCol="0" anchor="ctr"/>
+          <a:p>
+            <a:pPr algn="ctr"/>
+            <a:r>
+              <a:rPr lang="en-US" altLang="zh-CN"/>
+              <a:t>dispatch</a:t>
+            </a:r>
+            <a:endParaRPr lang="en-US" altLang="zh-CN"/>
+          </a:p>
+        </p:txBody>
+      </p:sp>
+      <p:cxnSp>
+        <p:nvCxnSpPr>
+          <p:cNvPr id="22" name="直接箭头连接符 21"/>
+          <p:cNvCxnSpPr/>
+          <p:nvPr/>
+        </p:nvCxnSpPr>
+        <p:spPr>
+          <a:xfrm flipH="1">
+            <a:off x="6936740" y="2400935"/>
+            <a:ext cx="372745" cy="1180465"/>
+          </a:xfrm>
+          <a:prstGeom prst="straightConnector1">
+            <a:avLst/>
+          </a:prstGeom>
+          <a:ln>
+            <a:tailEnd type="arrow"/>
+          </a:ln>
+        </p:spPr>
+        <p:style>
+          <a:lnRef idx="1">
+            <a:schemeClr val="accent1"/>
+          </a:lnRef>
+          <a:fillRef idx="0">
+            <a:schemeClr val="accent1"/>
+          </a:fillRef>
+          <a:effectRef idx="0">
+            <a:schemeClr val="accent1"/>
+          </a:effectRef>
+          <a:fontRef idx="minor">
+            <a:schemeClr val="tx1"/>
+          </a:fontRef>
+        </p:style>
+      </p:cxnSp>
+      <p:cxnSp>
+        <p:nvCxnSpPr>
+          <p:cNvPr id="23" name="直接箭头连接符 22"/>
+          <p:cNvCxnSpPr/>
+          <p:nvPr/>
+        </p:nvCxnSpPr>
+        <p:spPr>
+          <a:xfrm flipH="1">
+            <a:off x="6988175" y="2425065"/>
+            <a:ext cx="323215" cy="2635250"/>
+          </a:xfrm>
+          <a:prstGeom prst="straightConnector1">
+            <a:avLst/>
+          </a:prstGeom>
+          <a:ln>
+            <a:tailEnd type="arrow"/>
+          </a:ln>
+        </p:spPr>
+        <p:style>
+          <a:lnRef idx="1">
+            <a:schemeClr val="accent1"/>
+          </a:lnRef>
+          <a:fillRef idx="0">
+            <a:schemeClr val="accent1"/>
+          </a:fillRef>
+          <a:effectRef idx="0">
+            <a:schemeClr val="accent1"/>
+          </a:effectRef>
+          <a:fontRef idx="minor">
+            <a:schemeClr val="tx1"/>
+          </a:fontRef>
+        </p:style>
+      </p:cxnSp>
+      <p:cxnSp>
+        <p:nvCxnSpPr>
+          <p:cNvPr id="24" name="直接箭头连接符 23"/>
+          <p:cNvCxnSpPr/>
+          <p:nvPr/>
+        </p:nvCxnSpPr>
+        <p:spPr>
+          <a:xfrm flipH="1">
+            <a:off x="6988175" y="2322830"/>
+            <a:ext cx="306070" cy="1955800"/>
+          </a:xfrm>
+          <a:prstGeom prst="straightConnector1">
+            <a:avLst/>
+          </a:prstGeom>
+          <a:ln>
+            <a:tailEnd type="arrow"/>
+          </a:ln>
+        </p:spPr>
+        <p:style>
+          <a:lnRef idx="1">
+            <a:schemeClr val="accent1"/>
+          </a:lnRef>
+          <a:fillRef idx="0">
+            <a:schemeClr val="accent1"/>
+          </a:fillRef>
+          <a:effectRef idx="0">
+            <a:schemeClr val="accent1"/>
+          </a:effectRef>
+          <a:fontRef idx="minor">
+            <a:schemeClr val="tx1"/>
+          </a:fontRef>
+        </p:style>
+      </p:cxnSp>
+      <p:cxnSp>
+        <p:nvCxnSpPr>
+          <p:cNvPr id="25" name="直接箭头连接符 24"/>
+          <p:cNvCxnSpPr/>
+          <p:nvPr/>
+        </p:nvCxnSpPr>
+        <p:spPr>
+          <a:xfrm>
+            <a:off x="8654415" y="2339975"/>
+            <a:ext cx="2380615" cy="1428115"/>
+          </a:xfrm>
+          <a:prstGeom prst="straightConnector1">
+            <a:avLst/>
+          </a:prstGeom>
+          <a:ln>
+            <a:tailEnd type="arrow"/>
+          </a:ln>
+        </p:spPr>
+        <p:style>
+          <a:lnRef idx="1">
+            <a:schemeClr val="accent1"/>
+          </a:lnRef>
+          <a:fillRef idx="0">
+            <a:schemeClr val="accent1"/>
+          </a:fillRef>
+          <a:effectRef idx="0">
+            <a:schemeClr val="accent1"/>
+          </a:effectRef>
+          <a:fontRef idx="minor">
+            <a:schemeClr val="tx1"/>
+          </a:fontRef>
+        </p:style>
+      </p:cxnSp>
+      <p:cxnSp>
+        <p:nvCxnSpPr>
+          <p:cNvPr id="26" name="直接箭头连接符 25"/>
+          <p:cNvCxnSpPr/>
+          <p:nvPr/>
+        </p:nvCxnSpPr>
+        <p:spPr>
+          <a:xfrm>
+            <a:off x="8654415" y="2339975"/>
+            <a:ext cx="2227580" cy="2040255"/>
+          </a:xfrm>
+          <a:prstGeom prst="straightConnector1">
+            <a:avLst/>
+          </a:prstGeom>
+          <a:ln>
+            <a:tailEnd type="arrow"/>
+          </a:ln>
+        </p:spPr>
+        <p:style>
+          <a:lnRef idx="1">
+            <a:schemeClr val="accent1"/>
+          </a:lnRef>
+          <a:fillRef idx="0">
+            <a:schemeClr val="accent1"/>
+          </a:fillRef>
+          <a:effectRef idx="0">
+            <a:schemeClr val="accent1"/>
+          </a:effectRef>
+          <a:fontRef idx="minor">
+            <a:schemeClr val="tx1"/>
+          </a:fontRef>
+        </p:style>
+      </p:cxnSp>
+      <p:cxnSp>
+        <p:nvCxnSpPr>
+          <p:cNvPr id="27" name="直接箭头连接符 26"/>
+          <p:cNvCxnSpPr/>
+          <p:nvPr/>
+        </p:nvCxnSpPr>
+        <p:spPr>
+          <a:xfrm>
+            <a:off x="8637270" y="2339975"/>
+            <a:ext cx="2176780" cy="2754630"/>
+          </a:xfrm>
+          <a:prstGeom prst="straightConnector1">
+            <a:avLst/>
+          </a:prstGeom>
+          <a:ln>
+            <a:tailEnd type="arrow"/>
+          </a:ln>
+        </p:spPr>
+        <p:style>
+          <a:lnRef idx="1">
+            <a:schemeClr val="accent1"/>
+          </a:lnRef>
+          <a:fillRef idx="0">
+            <a:schemeClr val="accent1"/>
+          </a:fillRef>
+          <a:effectRef idx="0">
+            <a:schemeClr val="accent1"/>
+          </a:effectRef>
+          <a:fontRef idx="minor">
+            <a:schemeClr val="tx1"/>
+          </a:fontRef>
+        </p:style>
+      </p:cxnSp>
+      <p:cxnSp>
+        <p:nvCxnSpPr>
+          <p:cNvPr id="43" name="直接箭头连接符 42"/>
+          <p:cNvCxnSpPr/>
+          <p:nvPr/>
+        </p:nvCxnSpPr>
+        <p:spPr>
+          <a:xfrm flipV="1">
+            <a:off x="4845685" y="2357120"/>
+            <a:ext cx="1819275" cy="1615440"/>
+          </a:xfrm>
+          <a:prstGeom prst="straightConnector1">
+            <a:avLst/>
+          </a:prstGeom>
+          <a:ln>
+            <a:headEnd type="arrow"/>
+            <a:tailEnd type="arrow"/>
+          </a:ln>
+        </p:spPr>
+        <p:style>
+          <a:lnRef idx="1">
+            <a:schemeClr val="accent1"/>
+          </a:lnRef>
+          <a:fillRef idx="0">
+            <a:schemeClr val="accent1"/>
+          </a:fillRef>
+          <a:effectRef idx="0">
+            <a:schemeClr val="accent1"/>
+          </a:effectRef>
+          <a:fontRef idx="minor">
+            <a:schemeClr val="tx1"/>
+          </a:fontRef>
+        </p:style>
+      </p:cxnSp>
     </p:spTree>
   </p:cSld>
   <p:clrMapOvr>
@@ -4170,126 +5600,41 @@
           </a:bodyPr>
           <a:p>
             <a:r>
-              <a:rPr lang="en-US" altLang="zh-CN"/>
-              <a:t>Event-Driven Design</a:t>
-            </a:r>
-            <a:endParaRPr lang="en-US" altLang="zh-CN"/>
-          </a:p>
-        </p:txBody>
-      </p:sp>
-      <p:sp>
-        <p:nvSpPr>
-          <p:cNvPr id="3" name="内容占位符 2"/>
-          <p:cNvSpPr>
-            <a:spLocks noGrp="1"/>
-          </p:cNvSpPr>
+              <a:rPr lang="en-US" altLang="zh-CN">
+                <a:sym typeface="+mn-ea"/>
+              </a:rPr>
+              <a:t>Reactor Design</a:t>
+            </a:r>
+            <a:endParaRPr lang="zh-CN" altLang="en-US"/>
+          </a:p>
+        </p:txBody>
+      </p:sp>
+      <p:pic>
+        <p:nvPicPr>
+          <p:cNvPr id="5" name="内容占位符 4"/>
+          <p:cNvPicPr>
+            <a:picLocks noChangeAspect="1"/>
+          </p:cNvPicPr>
           <p:nvPr>
             <p:ph idx="1"/>
           </p:nvPr>
-        </p:nvSpPr>
-        <p:spPr/>
-        <p:txBody>
-          <a:bodyPr/>
-          <a:p>
-            <a:r>
-              <a:rPr lang="en-US" altLang="zh-CN"/>
-              <a:t>Efficient</a:t>
-            </a:r>
-            <a:endParaRPr lang="en-US" altLang="zh-CN"/>
-          </a:p>
-          <a:p>
-            <a:pPr lvl="1"/>
-            <a:r>
-              <a:rPr lang="en-US" altLang="zh-CN"/>
-              <a:t>Fewer R</a:t>
-            </a:r>
-            <a:r>
-              <a:rPr lang="en-US" altLang="zh-CN"/>
-              <a:t>esources</a:t>
-            </a:r>
-            <a:endParaRPr lang="en-US" altLang="zh-CN"/>
-          </a:p>
-          <a:p>
-            <a:pPr marL="914400" lvl="2" indent="0">
-              <a:buNone/>
-            </a:pPr>
-            <a:r>
-              <a:rPr lang="en-US" altLang="zh-CN"/>
-              <a:t>Do not need a thread per client</a:t>
-            </a:r>
-            <a:endParaRPr lang="en-US" altLang="zh-CN"/>
-          </a:p>
-          <a:p>
-            <a:pPr lvl="1"/>
-            <a:r>
-              <a:rPr lang="en-US" altLang="zh-CN"/>
-              <a:t>Less Overhead</a:t>
-            </a:r>
-            <a:endParaRPr lang="en-US" altLang="zh-CN"/>
-          </a:p>
-          <a:p>
-            <a:pPr marL="914400" lvl="2" indent="0">
-              <a:buNone/>
-            </a:pPr>
-            <a:r>
-              <a:rPr lang="zh-CN" altLang="en-US"/>
-              <a:t>上下文切换少了，锁少了</a:t>
-            </a:r>
-            <a:endParaRPr lang="en-US" altLang="zh-CN"/>
-          </a:p>
-          <a:p>
-            <a:r>
-              <a:rPr lang="en-US" altLang="zh-CN"/>
-              <a:t>Harder to program</a:t>
-            </a:r>
-            <a:endParaRPr lang="en-US" altLang="zh-CN"/>
-          </a:p>
-          <a:p>
-            <a:pPr lvl="1"/>
-            <a:r>
-              <a:rPr lang="en-US" altLang="zh-CN"/>
-              <a:t>Break up  into non-blocking actions</a:t>
-            </a:r>
-            <a:endParaRPr lang="en-US" altLang="zh-CN"/>
-          </a:p>
-          <a:p>
-            <a:pPr marL="457200" lvl="1" indent="0">
-              <a:buNone/>
-            </a:pPr>
-            <a:r>
-              <a:rPr lang="en-US" altLang="zh-CN"/>
-              <a:t>	</a:t>
-            </a:r>
-            <a:r>
-              <a:rPr lang="zh-CN" altLang="en-US"/>
-              <a:t>拆分的力度</a:t>
-            </a:r>
-            <a:endParaRPr lang="zh-CN" altLang="en-US"/>
-          </a:p>
-          <a:p>
-            <a:pPr marL="457200" lvl="1" indent="0">
-              <a:buNone/>
-            </a:pPr>
-            <a:r>
-              <a:rPr lang="en-US" altLang="zh-CN"/>
-              <a:t>	</a:t>
-            </a:r>
-            <a:r>
-              <a:rPr lang="zh-CN" altLang="en-US"/>
-              <a:t>实际上并不能消除所有的阻塞</a:t>
-            </a:r>
-            <a:endParaRPr lang="en-US" altLang="zh-CN"/>
-          </a:p>
-          <a:p>
-            <a:pPr lvl="1"/>
-            <a:r>
-              <a:rPr lang="en-US" altLang="zh-CN"/>
-              <a:t>Keep track of logical state</a:t>
-            </a:r>
-            <a:endParaRPr lang="en-US" altLang="zh-CN"/>
-          </a:p>
-        </p:txBody>
-      </p:sp>
+        </p:nvPicPr>
+        <p:blipFill>
+          <a:blip r:embed="rId1"/>
+          <a:stretch>
+            <a:fillRect/>
+          </a:stretch>
+        </p:blipFill>
+        <p:spPr>
+          <a:xfrm>
+            <a:off x="838200" y="1691005"/>
+            <a:ext cx="6378575" cy="4351655"/>
+          </a:xfrm>
+          <a:prstGeom prst="rect">
+            <a:avLst/>
+          </a:prstGeom>
+        </p:spPr>
+      </p:pic>
     </p:spTree>
   </p:cSld>
   <p:clrMapOvr>
@@ -4324,11 +5669,11 @@
           <a:p>
             <a:r>
               <a:rPr lang="en-US" altLang="zh-CN"/>
-              <a:t>Java NIO</a:t>
-            </a:r>
-            <a:r>
-              <a:rPr lang="zh-CN" altLang="en-US"/>
-              <a:t>提供的功能</a:t>
+              <a:t>Divide and Conquer/</a:t>
+            </a:r>
+            <a:r>
+              <a:rPr lang="zh-CN" altLang="en-US"/>
+              <a:t>分治</a:t>
             </a:r>
             <a:endParaRPr lang="zh-CN" altLang="en-US"/>
           </a:p>
@@ -4349,83 +5694,141 @@
           <a:bodyPr/>
           <a:p>
             <a:r>
-              <a:rPr lang="en-US" altLang="zh-CN"/>
-              <a:t>Channel</a:t>
-            </a:r>
-            <a:endParaRPr lang="en-US" altLang="zh-CN"/>
-          </a:p>
-          <a:p>
-            <a:pPr lvl="1"/>
-            <a:r>
-              <a:rPr lang="zh-CN" altLang="en-US" sz="2400"/>
-              <a:t>支持非阻塞读写、指向硬盘 </a:t>
-            </a:r>
-            <a:r>
-              <a:rPr lang="en-US" altLang="zh-CN" sz="2400"/>
-              <a:t>Socket</a:t>
-            </a:r>
-            <a:r>
-              <a:rPr lang="zh-CN" altLang="en-US" sz="2400"/>
-              <a:t>的连接</a:t>
-            </a:r>
-            <a:endParaRPr lang="en-US" altLang="zh-CN"/>
-          </a:p>
-          <a:p>
-            <a:r>
-              <a:rPr lang="en-US" altLang="zh-CN"/>
-              <a:t>Buffers</a:t>
-            </a:r>
-            <a:endParaRPr lang="en-US" altLang="zh-CN"/>
-          </a:p>
-          <a:p>
-            <a:pPr lvl="1"/>
-            <a:r>
-              <a:rPr lang="en-US" altLang="zh-CN" sz="2400"/>
-              <a:t>Channels</a:t>
-            </a:r>
-            <a:r>
-              <a:rPr lang="zh-CN" altLang="en-US" sz="2400"/>
-              <a:t>可以对其进行读写 </a:t>
-            </a:r>
-            <a:endParaRPr lang="en-US" altLang="zh-CN"/>
-          </a:p>
-          <a:p>
-            <a:r>
-              <a:rPr lang="en-US" altLang="zh-CN"/>
-              <a:t>Selectors</a:t>
-            </a:r>
-            <a:endParaRPr lang="en-US" altLang="zh-CN"/>
-          </a:p>
-          <a:p>
-            <a:pPr lvl="1"/>
-            <a:r>
-              <a:rPr lang="en-US" altLang="zh-CN" sz="2400"/>
-              <a:t>IO</a:t>
-            </a:r>
-            <a:r>
-              <a:rPr lang="zh-CN" altLang="en-US" sz="2400"/>
-              <a:t>多路服用功能的实际实现者</a:t>
-            </a:r>
-            <a:endParaRPr lang="en-US" altLang="zh-CN"/>
-          </a:p>
-          <a:p>
-            <a:r>
-              <a:rPr lang="en-US" altLang="zh-CN"/>
-              <a:t>SelectionKeys</a:t>
-            </a:r>
-            <a:endParaRPr lang="en-US" altLang="zh-CN"/>
-          </a:p>
-          <a:p>
-            <a:pPr lvl="1"/>
-            <a:r>
-              <a:rPr lang="en-US" altLang="zh-CN"/>
-              <a:t>IO</a:t>
-            </a:r>
-            <a:r>
-              <a:rPr lang="zh-CN" altLang="en-US"/>
+              <a:rPr lang="zh-CN" altLang="en-US"/>
+              <a:t>原本在一个线程中完成的 </a:t>
+            </a:r>
+            <a:endParaRPr lang="zh-CN" altLang="en-US"/>
+          </a:p>
+          <a:p>
+            <a:pPr marL="0" indent="0">
+              <a:buNone/>
+            </a:pPr>
+            <a:r>
+              <a:rPr lang="en-US" altLang="zh-CN"/>
+              <a:t>	read</a:t>
+            </a:r>
+            <a:r>
+              <a:rPr lang="en-US" altLang="zh-CN">
+                <a:sym typeface="+mn-ea"/>
+              </a:rPr>
+              <a:t>-&gt;decode-&gt;compute-&gt;encode-&gt;write</a:t>
+            </a:r>
+            <a:endParaRPr lang="en-US" altLang="zh-CN">
+              <a:sym typeface="+mn-ea"/>
+            </a:endParaRPr>
+          </a:p>
+          <a:p>
+            <a:pPr marL="0" indent="0">
+              <a:buNone/>
+            </a:pPr>
+            <a:r>
+              <a:rPr lang="zh-CN" altLang="en-US">
+                <a:sym typeface="+mn-ea"/>
+              </a:rPr>
+              <a:t>   拆分成不同的</a:t>
+            </a:r>
+            <a:r>
+              <a:rPr lang="en-US" altLang="zh-CN">
+                <a:sym typeface="+mn-ea"/>
+              </a:rPr>
+              <a:t>handler</a:t>
+            </a:r>
+            <a:r>
+              <a:rPr lang="zh-CN" altLang="en-US">
+                <a:sym typeface="+mn-ea"/>
+              </a:rPr>
+              <a:t>，每一个</a:t>
+            </a:r>
+            <a:r>
+              <a:rPr lang="en-US" altLang="zh-CN">
+                <a:sym typeface="+mn-ea"/>
+              </a:rPr>
+              <a:t>handler</a:t>
+            </a:r>
+            <a:r>
+              <a:rPr lang="zh-CN" altLang="en-US">
+                <a:sym typeface="+mn-ea"/>
+              </a:rPr>
+              <a:t>保证非阻塞地执行；</a:t>
+            </a:r>
+            <a:endParaRPr lang="zh-CN" altLang="en-US">
+              <a:sym typeface="+mn-ea"/>
+            </a:endParaRPr>
+          </a:p>
+          <a:p>
+            <a:pPr marL="0" indent="0">
+              <a:buNone/>
+            </a:pPr>
+            <a:endParaRPr lang="zh-CN" altLang="en-US">
+              <a:sym typeface="+mn-ea"/>
+            </a:endParaRPr>
+          </a:p>
+          <a:p>
+            <a:r>
+              <a:rPr lang="zh-CN" altLang="en-US">
+                <a:sym typeface="+mn-ea"/>
+              </a:rPr>
+              <a:t>一个</a:t>
+            </a:r>
+            <a:r>
+              <a:rPr lang="en-US" altLang="zh-CN">
+                <a:sym typeface="+mn-ea"/>
+              </a:rPr>
+              <a:t>handler</a:t>
+            </a:r>
+            <a:r>
+              <a:rPr lang="zh-CN" altLang="en-US">
+                <a:sym typeface="+mn-ea"/>
+              </a:rPr>
+              <a:t>一完成，就发出</a:t>
+            </a:r>
+            <a:r>
+              <a:rPr lang="en-US" altLang="zh-CN">
+                <a:sym typeface="+mn-ea"/>
+              </a:rPr>
+              <a:t>“</a:t>
+            </a:r>
+            <a:r>
+              <a:rPr lang="zh-CN" altLang="en-US">
+                <a:sym typeface="+mn-ea"/>
+              </a:rPr>
               <a:t>事件</a:t>
             </a:r>
-            <a:endParaRPr lang="zh-CN" altLang="en-US"/>
+            <a:r>
+              <a:rPr lang="en-US" altLang="zh-CN">
+                <a:sym typeface="+mn-ea"/>
+              </a:rPr>
+              <a:t>”</a:t>
+            </a:r>
+            <a:r>
+              <a:rPr lang="zh-CN" altLang="en-US">
+                <a:sym typeface="+mn-ea"/>
+              </a:rPr>
+              <a:t>，触发下一个</a:t>
+            </a:r>
+            <a:r>
+              <a:rPr lang="en-US" altLang="zh-CN">
+                <a:sym typeface="+mn-ea"/>
+              </a:rPr>
+              <a:t>handler</a:t>
+            </a:r>
+            <a:r>
+              <a:rPr lang="zh-CN" altLang="en-US">
+                <a:sym typeface="+mn-ea"/>
+              </a:rPr>
+              <a:t>的执行；</a:t>
+            </a:r>
+            <a:endParaRPr lang="zh-CN" altLang="en-US">
+              <a:sym typeface="+mn-ea"/>
+            </a:endParaRPr>
+          </a:p>
+          <a:p>
+            <a:pPr marL="0" indent="0">
+              <a:buNone/>
+            </a:pPr>
+            <a:endParaRPr lang="zh-CN" altLang="en-US">
+              <a:sym typeface="+mn-ea"/>
+            </a:endParaRPr>
           </a:p>
         </p:txBody>
       </p:sp>
@@ -4459,11 +5862,13 @@
         </p:nvSpPr>
         <p:spPr/>
         <p:txBody>
-          <a:bodyPr/>
-          <a:p>
-            <a:r>
-              <a:rPr lang="en-US" altLang="zh-CN"/>
-              <a:t>Netty</a:t>
+          <a:bodyPr>
+            <a:normAutofit/>
+          </a:bodyPr>
+          <a:p>
+            <a:r>
+              <a:rPr lang="en-US" altLang="zh-CN"/>
+              <a:t>Event-Driven Design</a:t>
             </a:r>
             <a:endParaRPr lang="en-US" altLang="zh-CN"/>
           </a:p>
@@ -4483,7 +5888,102 @@
         <p:txBody>
           <a:bodyPr/>
           <a:p>
-            <a:endParaRPr lang="zh-CN" altLang="en-US"/>
+            <a:r>
+              <a:rPr lang="en-US" altLang="zh-CN"/>
+              <a:t>Efficient</a:t>
+            </a:r>
+            <a:endParaRPr lang="en-US" altLang="zh-CN"/>
+          </a:p>
+          <a:p>
+            <a:pPr lvl="1"/>
+            <a:r>
+              <a:rPr lang="en-US" altLang="zh-CN"/>
+              <a:t>Fewer R</a:t>
+            </a:r>
+            <a:r>
+              <a:rPr lang="en-US" altLang="zh-CN"/>
+              <a:t>esources</a:t>
+            </a:r>
+            <a:endParaRPr lang="en-US" altLang="zh-CN"/>
+          </a:p>
+          <a:p>
+            <a:pPr marL="914400" lvl="2" indent="0">
+              <a:buNone/>
+            </a:pPr>
+            <a:r>
+              <a:rPr lang="en-US" altLang="zh-CN"/>
+              <a:t>Do not need a thread per client</a:t>
+            </a:r>
+            <a:endParaRPr lang="en-US" altLang="zh-CN"/>
+          </a:p>
+          <a:p>
+            <a:pPr lvl="1"/>
+            <a:r>
+              <a:rPr lang="en-US" altLang="zh-CN"/>
+              <a:t>Less Overhead</a:t>
+            </a:r>
+            <a:endParaRPr lang="en-US" altLang="zh-CN"/>
+          </a:p>
+          <a:p>
+            <a:pPr marL="914400" lvl="2" indent="0">
+              <a:buNone/>
+            </a:pPr>
+            <a:r>
+              <a:rPr lang="zh-CN" altLang="en-US"/>
+              <a:t>上下文切换少了，锁少了</a:t>
+            </a:r>
+            <a:endParaRPr lang="en-US" altLang="zh-CN"/>
+          </a:p>
+          <a:p>
+            <a:r>
+              <a:rPr lang="en-US" altLang="zh-CN"/>
+              <a:t>Harder to program</a:t>
+            </a:r>
+            <a:endParaRPr lang="en-US" altLang="zh-CN"/>
+          </a:p>
+          <a:p>
+            <a:pPr lvl="1"/>
+            <a:r>
+              <a:rPr lang="en-US" altLang="zh-CN"/>
+              <a:t>Break up  into non-blocking actions</a:t>
+            </a:r>
+            <a:endParaRPr lang="en-US" altLang="zh-CN"/>
+          </a:p>
+          <a:p>
+            <a:pPr marL="457200" lvl="1" indent="0">
+              <a:buNone/>
+            </a:pPr>
+            <a:r>
+              <a:rPr lang="en-US" altLang="zh-CN"/>
+              <a:t>	</a:t>
+            </a:r>
+            <a:r>
+              <a:rPr lang="zh-CN" altLang="en-US"/>
+              <a:t>拆分的力度</a:t>
+            </a:r>
+            <a:endParaRPr lang="zh-CN" altLang="en-US"/>
+          </a:p>
+          <a:p>
+            <a:pPr marL="457200" lvl="1" indent="0">
+              <a:buNone/>
+            </a:pPr>
+            <a:r>
+              <a:rPr lang="en-US" altLang="zh-CN"/>
+              <a:t>	</a:t>
+            </a:r>
+            <a:r>
+              <a:rPr lang="zh-CN" altLang="en-US"/>
+              <a:t>实际上并不能消除所有的阻塞</a:t>
+            </a:r>
+            <a:endParaRPr lang="en-US" altLang="zh-CN"/>
+          </a:p>
+          <a:p>
+            <a:pPr lvl="1"/>
+            <a:r>
+              <a:rPr lang="en-US" altLang="zh-CN"/>
+              <a:t>Keep track of logical state</a:t>
+            </a:r>
+            <a:endParaRPr lang="en-US" altLang="zh-CN"/>
           </a:p>
         </p:txBody>
       </p:sp>
@@ -4496,7 +5996,7 @@
 </file>
 
 <file path=ppt/slides/slide14.xml><?xml version="1.0" encoding="utf-8"?>
-<p:sld xmlns:a="http://schemas.openxmlformats.org/drawingml/2006/main" xmlns:r="http://schemas.openxmlformats.org/officeDocument/2006/relationships" xmlns:p="http://schemas.openxmlformats.org/presentationml/2006/main" show="0">
+<p:sld xmlns:a="http://schemas.openxmlformats.org/drawingml/2006/main" xmlns:r="http://schemas.openxmlformats.org/officeDocument/2006/relationships" xmlns:p="http://schemas.openxmlformats.org/presentationml/2006/main">
   <p:cSld>
     <p:spTree>
       <p:nvGrpSpPr>
@@ -4521,9 +6021,13 @@
           <a:p>
             <a:r>
               <a:rPr lang="en-US" altLang="zh-CN"/>
-              <a:t>Reactor Implement</a:t>
-            </a:r>
-            <a:endParaRPr lang="en-US" altLang="zh-CN"/>
+              <a:t>Java NIO</a:t>
+            </a:r>
+            <a:r>
+              <a:rPr lang="zh-CN" altLang="en-US"/>
+              <a:t>提供的能力</a:t>
+            </a:r>
+            <a:endParaRPr lang="zh-CN" altLang="en-US"/>
           </a:p>
         </p:txBody>
       </p:sp>
@@ -4543,137 +6047,82 @@
           <a:p>
             <a:r>
               <a:rPr lang="en-US" altLang="zh-CN"/>
-              <a:t>Setup</a:t>
+              <a:t>Channel</a:t>
             </a:r>
             <a:endParaRPr lang="en-US" altLang="zh-CN"/>
           </a:p>
           <a:p>
             <a:pPr lvl="1"/>
             <a:r>
-              <a:rPr lang="zh-CN" altLang="en-US" sz="2000"/>
-              <a:t>指定需要监听的端口、</a:t>
-            </a:r>
-            <a:r>
-              <a:rPr lang="en-US" altLang="zh-CN" sz="2000"/>
-              <a:t>Channel</a:t>
-            </a:r>
-            <a:r>
-              <a:rPr lang="zh-CN" altLang="en-US" sz="2000"/>
-              <a:t>的配置并</a:t>
-            </a:r>
-            <a:r>
-              <a:rPr lang="zh-CN" altLang="en-US" sz="2000"/>
-              <a:t>注册</a:t>
-            </a:r>
-            <a:r>
-              <a:rPr lang="en-US" altLang="zh-CN" sz="2000"/>
-              <a:t>Selector</a:t>
-            </a:r>
-            <a:r>
-              <a:rPr lang="zh-CN" altLang="en-US" sz="2000"/>
-              <a:t>和感兴趣的事件</a:t>
-            </a:r>
-            <a:r>
-              <a:rPr lang="en-US" altLang="zh-CN" sz="2000"/>
-              <a:t>(demo</a:t>
-            </a:r>
-            <a:r>
-              <a:rPr lang="zh-CN" altLang="en-US" sz="2000"/>
-              <a:t>是</a:t>
-            </a:r>
-            <a:r>
-              <a:rPr lang="en-US" altLang="zh-CN" sz="2000"/>
-              <a:t>OP_ACCEPT)</a:t>
-            </a:r>
-            <a:r>
-              <a:rPr lang="zh-CN" altLang="en-US" sz="2000"/>
-              <a:t>、</a:t>
-            </a:r>
-            <a:r>
-              <a:rPr lang="en-US" altLang="zh-CN" sz="2000"/>
-              <a:t>Acceptor</a:t>
-            </a:r>
-            <a:r>
-              <a:rPr lang="zh-CN" altLang="en-US" sz="2000"/>
-              <a:t>等</a:t>
+              <a:rPr lang="zh-CN" altLang="en-US" sz="2400"/>
+              <a:t>支持非阻塞读写、指向硬盘 </a:t>
+            </a:r>
+            <a:r>
+              <a:rPr lang="en-US" altLang="zh-CN" sz="2400"/>
+              <a:t>Socket</a:t>
+            </a:r>
+            <a:r>
+              <a:rPr lang="zh-CN" altLang="en-US" sz="2400"/>
+              <a:t>的连接</a:t>
             </a:r>
             <a:endParaRPr lang="en-US" altLang="zh-CN"/>
           </a:p>
           <a:p>
             <a:r>
               <a:rPr lang="en-US" altLang="zh-CN"/>
-              <a:t>Dispatch Loop</a:t>
+              <a:t>Buffers</a:t>
             </a:r>
             <a:endParaRPr lang="en-US" altLang="zh-CN"/>
           </a:p>
           <a:p>
             <a:pPr lvl="1"/>
             <a:r>
+              <a:rPr lang="en-US" altLang="zh-CN" sz="2400"/>
+              <a:t>Channels</a:t>
+            </a:r>
+            <a:r>
               <a:rPr lang="zh-CN" altLang="en-US" sz="2400"/>
-              <a:t>循环；</a:t>
-            </a:r>
+              <a:t>可以对其进行读写 </a:t>
+            </a:r>
+            <a:endParaRPr lang="en-US" altLang="zh-CN"/>
+          </a:p>
+          <a:p>
+            <a:r>
+              <a:rPr lang="en-US" altLang="zh-CN"/>
+              <a:t>Selectors</a:t>
+            </a:r>
+            <a:endParaRPr lang="en-US" altLang="zh-CN"/>
+          </a:p>
+          <a:p>
+            <a:pPr lvl="1"/>
             <a:r>
               <a:rPr lang="en-US" altLang="zh-CN" sz="2400"/>
-              <a:t>Selector</a:t>
+              <a:t>IO</a:t>
             </a:r>
             <a:r>
               <a:rPr lang="zh-CN" altLang="en-US" sz="2400"/>
-              <a:t>检查是否有</a:t>
-            </a:r>
-            <a:r>
-              <a:rPr lang="en-US" altLang="zh-CN" sz="2400"/>
-              <a:t>accept </a:t>
-            </a:r>
-            <a:r>
-              <a:rPr lang="zh-CN" altLang="en-US" sz="2400"/>
-              <a:t>请求</a:t>
-            </a:r>
-            <a:r>
-              <a:rPr lang="zh-CN" altLang="en-US" sz="2400"/>
-              <a:t>，</a:t>
-            </a:r>
-            <a:r>
-              <a:rPr lang="en-US" altLang="zh-CN" sz="2400"/>
-              <a:t>Dispatch</a:t>
-            </a:r>
-            <a:r>
-              <a:rPr lang="zh-CN" altLang="en-US" sz="2400"/>
-              <a:t>给</a:t>
-            </a:r>
-            <a:r>
-              <a:rPr lang="en-US" altLang="zh-CN" sz="2400"/>
-              <a:t>Acceptor</a:t>
+              <a:t>多路服用功能的实际实现者</a:t>
             </a:r>
             <a:endParaRPr lang="en-US" altLang="zh-CN"/>
           </a:p>
           <a:p>
             <a:r>
               <a:rPr lang="en-US" altLang="zh-CN"/>
-              <a:t>Acceptor</a:t>
+              <a:t>SelectionKeys</a:t>
             </a:r>
             <a:endParaRPr lang="en-US" altLang="zh-CN"/>
           </a:p>
           <a:p>
             <a:pPr lvl="1"/>
             <a:r>
-              <a:rPr lang="en-US" altLang="zh-CN" sz="2400"/>
-              <a:t>accept</a:t>
-            </a:r>
-            <a:endParaRPr lang="en-US" altLang="zh-CN"/>
-          </a:p>
-          <a:p>
-            <a:r>
-              <a:rPr lang="en-US" altLang="zh-CN"/>
-              <a:t>Handler Setup</a:t>
-            </a:r>
-            <a:endParaRPr lang="en-US" altLang="zh-CN"/>
-          </a:p>
-          <a:p>
-            <a:r>
-              <a:rPr lang="en-US" altLang="zh-CN"/>
-              <a:t>Request Handling</a:t>
-            </a:r>
-            <a:endParaRPr lang="en-US" altLang="zh-CN"/>
+              <a:rPr lang="en-US" altLang="zh-CN"/>
+              <a:t>IO</a:t>
+            </a:r>
+            <a:r>
+              <a:rPr lang="zh-CN" altLang="en-US"/>
+              <a:t>事件</a:t>
+            </a:r>
+            <a:endParaRPr lang="zh-CN" altLang="en-US"/>
           </a:p>
         </p:txBody>
       </p:sp>
@@ -4682,7 +6131,6 @@
   <p:clrMapOvr>
     <a:masterClrMapping/>
   </p:clrMapOvr>
-  <p:transition/>
 </p:sld>
 </file>
 
@@ -4711,10 +6159,14 @@
           <a:bodyPr/>
           <a:p>
             <a:r>
-              <a:rPr lang="zh-CN" altLang="en-US"/>
-              <a:t>参考</a:t>
-            </a:r>
-            <a:endParaRPr lang="zh-CN" altLang="en-US"/>
+              <a:rPr lang="en-US" altLang="zh-CN"/>
+              <a:t>Reactor Design</a:t>
+            </a:r>
+            <a:r>
+              <a:rPr lang="zh-CN" altLang="en-US"/>
+              <a:t>的变化</a:t>
+            </a:r>
+            <a:endParaRPr lang="en-US" altLang="zh-CN"/>
           </a:p>
         </p:txBody>
       </p:sp>
@@ -4732,80 +6184,76 @@
         <p:txBody>
           <a:bodyPr/>
           <a:p>
-            <a:r>
-              <a:rPr lang="en-US" altLang="zh-CN"/>
-              <a:t>Scalable IO in Java</a:t>
-            </a:r>
-            <a:endParaRPr lang="zh-CN" altLang="en-US"/>
-          </a:p>
-          <a:p>
-            <a:pPr marL="457200" lvl="1" indent="0">
+            <a:pPr marL="0" indent="0">
               <a:buNone/>
             </a:pPr>
             <a:r>
-              <a:rPr lang="zh-CN" altLang="en-US"/>
-              <a:t>http://gee.cs.oswego.edu/dl/cpjslides/nio.pdf</a:t>
-            </a:r>
-            <a:endParaRPr lang="zh-CN" altLang="en-US"/>
-          </a:p>
-          <a:p>
-            <a:r>
-              <a:rPr lang="zh-CN" altLang="en-US"/>
-              <a:t>有人要将</a:t>
-            </a:r>
-            <a:r>
-              <a:rPr lang="en-US" altLang="zh-CN"/>
-              <a:t>“</a:t>
-            </a:r>
-            <a:r>
-              <a:rPr lang="zh-CN" altLang="en-US"/>
-              <a:t>高并发</a:t>
-            </a:r>
-            <a:r>
-              <a:rPr lang="en-US" altLang="zh-CN"/>
-              <a:t>”</a:t>
-            </a:r>
-            <a:r>
-              <a:rPr lang="zh-CN" altLang="en-US"/>
-              <a:t>拉下</a:t>
-            </a:r>
-            <a:r>
-              <a:rPr lang="en-US" altLang="zh-CN"/>
-              <a:t>“</a:t>
-            </a:r>
-            <a:r>
-              <a:rPr lang="zh-CN" altLang="en-US"/>
-              <a:t>神坛</a:t>
-            </a:r>
-            <a:r>
-              <a:rPr lang="en-US" altLang="zh-CN"/>
-              <a:t>”</a:t>
-            </a:r>
-            <a:endParaRPr lang="en-US" altLang="zh-CN"/>
-          </a:p>
-          <a:p>
-            <a:pPr marL="457200" lvl="1" indent="0">
+              <a:rPr lang="zh-CN" altLang="en-US" sz="3200" b="1"/>
+              <a:t>疑问：</a:t>
+            </a:r>
+            <a:r>
+              <a:rPr lang="zh-CN" altLang="en-US" sz="3200" b="1"/>
+              <a:t>线程数是不是设置得越多越好？</a:t>
+            </a:r>
+            <a:endParaRPr lang="zh-CN" altLang="en-US"/>
+          </a:p>
+          <a:p>
+            <a:pPr marL="0" indent="0">
               <a:buNone/>
             </a:pPr>
             <a:r>
               <a:rPr lang="zh-CN" altLang="en-US"/>
-              <a:t>https://mp.weixin.qq.com/s/KXBcWmO1MMPmQ_nytCBRkQ</a:t>
-            </a:r>
-            <a:endParaRPr lang="zh-CN" altLang="en-US"/>
-          </a:p>
-          <a:p>
-            <a:pPr marL="457200" lvl="1" indent="0">
+              <a:t>结论：</a:t>
+            </a:r>
+            <a:endParaRPr lang="zh-CN" altLang="en-US"/>
+          </a:p>
+          <a:p>
+            <a:pPr marL="0" indent="0">
               <a:buNone/>
             </a:pPr>
-            <a:endParaRPr lang="zh-CN" altLang="en-US"/>
-          </a:p>
-          <a:p>
-            <a:pPr marL="457200" lvl="1" indent="0">
+            <a:r>
+              <a:rPr lang="zh-CN" altLang="en-US"/>
+              <a:t>N核服务器，通过执行业务的单线程分析出本地计算时间为x，等待时间为y，则工作线程数（线程池线程数）设置为N*(x+y)/x，能让CPU的利用率最大化。</a:t>
+            </a:r>
+            <a:endParaRPr lang="zh-CN" altLang="en-US"/>
+          </a:p>
+          <a:p>
+            <a:pPr marL="0" indent="0">
               <a:buNone/>
             </a:pPr>
-            <a:r>
-              <a:rPr lang="zh-CN" altLang="en-US"/>
-              <a:t>https://stackoverflow.com/questions/35688553/does-a-thread-waiting-on-io-also-block-a-core</a:t>
+            <a:endParaRPr lang="zh-CN" altLang="en-US"/>
+          </a:p>
+          <a:p>
+            <a:pPr marL="0" indent="0">
+              <a:buNone/>
+            </a:pPr>
+            <a:r>
+              <a:rPr lang="zh-CN" altLang="en-US"/>
+              <a:t>简单的说，就是</a:t>
+            </a:r>
+            <a:r>
+              <a:rPr lang="zh-CN" altLang="en-US"/>
+              <a:t>合理配置 </a:t>
+            </a:r>
+            <a:r>
+              <a:rPr lang="en-US" altLang="zh-CN" sz="3200" b="1"/>
+              <a:t>IO</a:t>
+            </a:r>
+            <a:r>
+              <a:rPr lang="zh-CN" altLang="en-US" sz="3200" b="1"/>
+              <a:t>线程</a:t>
+            </a:r>
+            <a:r>
+              <a:rPr lang="zh-CN" altLang="en-US"/>
+              <a:t> 和 </a:t>
+            </a:r>
+            <a:r>
+              <a:rPr lang="en-US" altLang="zh-CN" sz="3200" b="1"/>
+              <a:t>计算线程 </a:t>
+            </a:r>
+            <a:r>
+              <a:rPr lang="zh-CN" altLang="en-US"/>
+              <a:t>的比例。</a:t>
             </a:r>
             <a:endParaRPr lang="zh-CN" altLang="en-US"/>
           </a:p>
@@ -4820,2209 +6268,6 @@
 </file>
 
 <file path=ppt/slides/slide16.xml><?xml version="1.0" encoding="utf-8"?>
-<p:sld xmlns:a="http://schemas.openxmlformats.org/drawingml/2006/main" xmlns:r="http://schemas.openxmlformats.org/officeDocument/2006/relationships" xmlns:p="http://schemas.openxmlformats.org/presentationml/2006/main">
-  <p:cSld>
-    <p:spTree>
-      <p:nvGrpSpPr>
-        <p:cNvPr id="1" name=""/>
-        <p:cNvGrpSpPr/>
-        <p:nvPr/>
-      </p:nvGrpSpPr>
-      <p:grpSpPr/>
-      <p:sp>
-        <p:nvSpPr>
-          <p:cNvPr id="2" name="标题 1"/>
-          <p:cNvSpPr>
-            <a:spLocks noGrp="1"/>
-          </p:cNvSpPr>
-          <p:nvPr>
-            <p:ph type="title"/>
-          </p:nvPr>
-        </p:nvSpPr>
-        <p:spPr/>
-        <p:txBody>
-          <a:bodyPr/>
-          <a:p>
-            <a:r>
-              <a:rPr lang="en-US" altLang="zh-CN"/>
-              <a:t>Content</a:t>
-            </a:r>
-            <a:endParaRPr lang="en-US" altLang="zh-CN"/>
-          </a:p>
-        </p:txBody>
-      </p:sp>
-      <p:sp>
-        <p:nvSpPr>
-          <p:cNvPr id="3" name="内容占位符 2"/>
-          <p:cNvSpPr>
-            <a:spLocks noGrp="1"/>
-          </p:cNvSpPr>
-          <p:nvPr>
-            <p:ph idx="1"/>
-          </p:nvPr>
-        </p:nvSpPr>
-        <p:spPr/>
-        <p:txBody>
-          <a:bodyPr/>
-          <a:p>
-            <a:r>
-              <a:rPr lang="en-US" altLang="zh-CN"/>
-              <a:t>BIO</a:t>
-            </a:r>
-            <a:endParaRPr lang="en-US" altLang="zh-CN"/>
-          </a:p>
-        </p:txBody>
-      </p:sp>
-    </p:spTree>
-  </p:cSld>
-  <p:clrMapOvr>
-    <a:masterClrMapping/>
-  </p:clrMapOvr>
-</p:sld>
-</file>
-
-<file path=ppt/slides/slide2.xml><?xml version="1.0" encoding="utf-8"?>
-<p:sld xmlns:a="http://schemas.openxmlformats.org/drawingml/2006/main" xmlns:r="http://schemas.openxmlformats.org/officeDocument/2006/relationships" xmlns:p="http://schemas.openxmlformats.org/presentationml/2006/main">
-  <p:cSld>
-    <p:spTree>
-      <p:nvGrpSpPr>
-        <p:cNvPr id="1" name=""/>
-        <p:cNvGrpSpPr/>
-        <p:nvPr/>
-      </p:nvGrpSpPr>
-      <p:grpSpPr/>
-      <p:sp>
-        <p:nvSpPr>
-          <p:cNvPr id="2" name="标题 1"/>
-          <p:cNvSpPr>
-            <a:spLocks noGrp="1"/>
-          </p:cNvSpPr>
-          <p:nvPr>
-            <p:ph type="title"/>
-          </p:nvPr>
-        </p:nvSpPr>
-        <p:spPr/>
-        <p:txBody>
-          <a:bodyPr/>
-          <a:p>
-            <a:r>
-              <a:rPr lang="zh-CN" altLang="en-US"/>
-              <a:t>问题域</a:t>
-            </a:r>
-            <a:endParaRPr lang="zh-CN" altLang="en-US"/>
-          </a:p>
-        </p:txBody>
-      </p:sp>
-      <p:sp>
-        <p:nvSpPr>
-          <p:cNvPr id="3" name="内容占位符 2"/>
-          <p:cNvSpPr>
-            <a:spLocks noGrp="1"/>
-          </p:cNvSpPr>
-          <p:nvPr>
-            <p:ph idx="1"/>
-          </p:nvPr>
-        </p:nvSpPr>
-        <p:spPr/>
-        <p:txBody>
-          <a:bodyPr/>
-          <a:p>
-            <a:pPr marL="0" indent="0">
-              <a:buNone/>
-            </a:pPr>
-            <a:r>
-              <a:rPr lang="en-US" altLang="zh-CN"/>
-              <a:t>Netty is an asynchronous event-driven network application framework for rapid development of mantainable high performance protocol servers &amp; clients.</a:t>
-            </a:r>
-            <a:endParaRPr lang="en-US" altLang="zh-CN"/>
-          </a:p>
-          <a:p>
-            <a:pPr marL="0" indent="0">
-              <a:buNone/>
-            </a:pPr>
-            <a:endParaRPr lang="zh-CN" altLang="en-US"/>
-          </a:p>
-          <a:p>
-            <a:r>
-              <a:rPr lang="en-US" altLang="zh-CN">
-                <a:sym typeface="+mn-ea"/>
-              </a:rPr>
-              <a:t>asynchronous ?</a:t>
-            </a:r>
-            <a:endParaRPr lang="en-US" altLang="zh-CN">
-              <a:sym typeface="+mn-ea"/>
-            </a:endParaRPr>
-          </a:p>
-          <a:p>
-            <a:r>
-              <a:rPr lang="en-US" altLang="zh-CN">
-                <a:sym typeface="+mn-ea"/>
-              </a:rPr>
-              <a:t>event-driven ?</a:t>
-            </a:r>
-            <a:endParaRPr lang="en-US" altLang="zh-CN">
-              <a:sym typeface="+mn-ea"/>
-            </a:endParaRPr>
-          </a:p>
-          <a:p>
-            <a:r>
-              <a:rPr lang="zh-CN" altLang="en-US"/>
-              <a:t>高性能的原理</a:t>
-            </a:r>
-            <a:r>
-              <a:rPr lang="zh-CN" altLang="en-US"/>
-              <a:t>？</a:t>
-            </a:r>
-            <a:endParaRPr lang="zh-CN" altLang="en-US"/>
-          </a:p>
-          <a:p>
-            <a:r>
-              <a:rPr lang="en-US" altLang="zh-CN"/>
-              <a:t>quick &amp; easy</a:t>
-            </a:r>
-            <a:r>
-              <a:rPr lang="zh-CN" altLang="en-US"/>
-              <a:t>？</a:t>
-            </a:r>
-            <a:endParaRPr lang="zh-CN" altLang="en-US"/>
-          </a:p>
-        </p:txBody>
-      </p:sp>
-      <p:sp>
-        <p:nvSpPr>
-          <p:cNvPr id="6" name="圆角矩形标注 5"/>
-          <p:cNvSpPr/>
-          <p:nvPr/>
-        </p:nvSpPr>
-        <p:spPr>
-          <a:xfrm>
-            <a:off x="5527040" y="3616960"/>
-            <a:ext cx="5488940" cy="1833245"/>
-          </a:xfrm>
-          <a:prstGeom prst="wedgeRoundRectCallout">
-            <a:avLst/>
-          </a:prstGeom>
-        </p:spPr>
-        <p:style>
-          <a:lnRef idx="2">
-            <a:schemeClr val="accent1">
-              <a:shade val="50000"/>
-            </a:schemeClr>
-          </a:lnRef>
-          <a:fillRef idx="1">
-            <a:schemeClr val="accent1"/>
-          </a:fillRef>
-          <a:effectRef idx="0">
-            <a:schemeClr val="accent1"/>
-          </a:effectRef>
-          <a:fontRef idx="minor">
-            <a:schemeClr val="lt1"/>
-          </a:fontRef>
-        </p:style>
-        <p:txBody>
-          <a:bodyPr rtlCol="0" anchor="ctr"/>
-          <a:p>
-            <a:pPr algn="ctr"/>
-            <a:r>
-              <a:rPr lang="zh-CN" altLang="en-US">
-                <a:sym typeface="+mn-ea"/>
-              </a:rPr>
-              <a:t>它们是什么？</a:t>
-            </a:r>
-            <a:endParaRPr lang="zh-CN" altLang="en-US">
-              <a:sym typeface="+mn-ea"/>
-            </a:endParaRPr>
-          </a:p>
-          <a:p>
-            <a:pPr algn="ctr"/>
-            <a:r>
-              <a:rPr lang="zh-CN" altLang="en-US">
-                <a:sym typeface="+mn-ea"/>
-              </a:rPr>
-              <a:t>为什么要这么设计？</a:t>
-            </a:r>
-            <a:endParaRPr lang="zh-CN" altLang="en-US">
-              <a:sym typeface="+mn-ea"/>
-            </a:endParaRPr>
-          </a:p>
-          <a:p>
-            <a:pPr algn="ctr"/>
-            <a:r>
-              <a:rPr lang="zh-CN" altLang="en-US">
-                <a:sym typeface="+mn-ea"/>
-              </a:rPr>
-              <a:t>如何实现？</a:t>
-            </a:r>
-            <a:endParaRPr lang="zh-CN" altLang="en-US">
-              <a:sym typeface="+mn-ea"/>
-            </a:endParaRPr>
-          </a:p>
-          <a:p>
-            <a:pPr algn="ctr"/>
-            <a:r>
-              <a:rPr lang="zh-CN" altLang="en-US">
-                <a:sym typeface="+mn-ea"/>
-              </a:rPr>
-              <a:t>怎么着就比其他的实现性能更好了？</a:t>
-            </a:r>
-            <a:endParaRPr lang="zh-CN" altLang="en-US">
-              <a:sym typeface="+mn-ea"/>
-            </a:endParaRPr>
-          </a:p>
-          <a:p>
-            <a:pPr algn="ctr"/>
-            <a:r>
-              <a:rPr lang="en-US" altLang="zh-CN">
-                <a:sym typeface="+mn-ea"/>
-              </a:rPr>
-              <a:t>Netty</a:t>
-            </a:r>
-            <a:r>
-              <a:rPr lang="zh-CN" altLang="en-US">
-                <a:sym typeface="+mn-ea"/>
-              </a:rPr>
-              <a:t>怎么让我们可以很快很简单地实现需求了</a:t>
-            </a:r>
-            <a:r>
-              <a:rPr lang="zh-CN" altLang="en-US">
-                <a:sym typeface="+mn-ea"/>
-              </a:rPr>
-              <a:t>？</a:t>
-            </a:r>
-            <a:endParaRPr lang="zh-CN" altLang="en-US">
-              <a:sym typeface="+mn-ea"/>
-            </a:endParaRPr>
-          </a:p>
-        </p:txBody>
-      </p:sp>
-    </p:spTree>
-  </p:cSld>
-  <p:clrMapOvr>
-    <a:masterClrMapping/>
-  </p:clrMapOvr>
-</p:sld>
-</file>
-
-<file path=ppt/slides/slide3.xml><?xml version="1.0" encoding="utf-8"?>
-<p:sld xmlns:a="http://schemas.openxmlformats.org/drawingml/2006/main" xmlns:r="http://schemas.openxmlformats.org/officeDocument/2006/relationships" xmlns:p="http://schemas.openxmlformats.org/presentationml/2006/main">
-  <p:cSld>
-    <p:spTree>
-      <p:nvGrpSpPr>
-        <p:cNvPr id="1" name=""/>
-        <p:cNvGrpSpPr/>
-        <p:nvPr/>
-      </p:nvGrpSpPr>
-      <p:grpSpPr/>
-      <p:sp>
-        <p:nvSpPr>
-          <p:cNvPr id="15" name="矩形 14"/>
-          <p:cNvSpPr/>
-          <p:nvPr/>
-        </p:nvSpPr>
-        <p:spPr>
-          <a:xfrm>
-            <a:off x="5983605" y="1397635"/>
-            <a:ext cx="5930265" cy="1043940"/>
-          </a:xfrm>
-          <a:prstGeom prst="rect">
-            <a:avLst/>
-          </a:prstGeom>
-          <a:ln w="38100">
-            <a:solidFill>
-              <a:schemeClr val="tx1"/>
-            </a:solidFill>
-          </a:ln>
-        </p:spPr>
-        <p:style>
-          <a:lnRef idx="2">
-            <a:schemeClr val="accent4"/>
-          </a:lnRef>
-          <a:fillRef idx="1">
-            <a:schemeClr val="lt1"/>
-          </a:fillRef>
-          <a:effectRef idx="0">
-            <a:schemeClr val="accent4"/>
-          </a:effectRef>
-          <a:fontRef idx="minor">
-            <a:schemeClr val="dk1"/>
-          </a:fontRef>
-        </p:style>
-        <p:txBody>
-          <a:bodyPr rtlCol="0" anchor="ctr"/>
-          <a:p>
-            <a:pPr algn="ctr"/>
-            <a:endParaRPr lang="zh-CN" altLang="en-US"/>
-          </a:p>
-        </p:txBody>
-      </p:sp>
-      <p:sp>
-        <p:nvSpPr>
-          <p:cNvPr id="2" name="标题 1"/>
-          <p:cNvSpPr>
-            <a:spLocks noGrp="1"/>
-          </p:cNvSpPr>
-          <p:nvPr>
-            <p:ph type="title"/>
-          </p:nvPr>
-        </p:nvSpPr>
-        <p:spPr>
-          <a:xfrm>
-            <a:off x="838200" y="379730"/>
-            <a:ext cx="10515600" cy="1325563"/>
-          </a:xfrm>
-        </p:spPr>
-        <p:txBody>
-          <a:bodyPr/>
-          <a:p>
-            <a:r>
-              <a:rPr lang="en-US" altLang="zh-CN"/>
-              <a:t>BIO Model</a:t>
-            </a:r>
-            <a:endParaRPr lang="en-US" altLang="zh-CN"/>
-          </a:p>
-        </p:txBody>
-      </p:sp>
-      <p:sp>
-        <p:nvSpPr>
-          <p:cNvPr id="4" name="椭圆 3"/>
-          <p:cNvSpPr/>
-          <p:nvPr/>
-        </p:nvSpPr>
-        <p:spPr>
-          <a:xfrm>
-            <a:off x="1009650" y="2019300"/>
-            <a:ext cx="1342390" cy="596900"/>
-          </a:xfrm>
-          <a:prstGeom prst="ellipse">
-            <a:avLst/>
-          </a:prstGeom>
-        </p:spPr>
-        <p:style>
-          <a:lnRef idx="2">
-            <a:schemeClr val="accent1">
-              <a:shade val="50000"/>
-            </a:schemeClr>
-          </a:lnRef>
-          <a:fillRef idx="1">
-            <a:schemeClr val="accent1"/>
-          </a:fillRef>
-          <a:effectRef idx="0">
-            <a:schemeClr val="accent1"/>
-          </a:effectRef>
-          <a:fontRef idx="minor">
-            <a:schemeClr val="lt1"/>
-          </a:fontRef>
-        </p:style>
-        <p:txBody>
-          <a:bodyPr rtlCol="0" anchor="ctr"/>
-          <a:p>
-            <a:pPr algn="ctr"/>
-            <a:r>
-              <a:rPr lang="en-US" altLang="zh-CN"/>
-              <a:t>client</a:t>
-            </a:r>
-            <a:endParaRPr lang="en-US" altLang="zh-CN"/>
-          </a:p>
-        </p:txBody>
-      </p:sp>
-      <p:sp>
-        <p:nvSpPr>
-          <p:cNvPr id="5" name="椭圆 4"/>
-          <p:cNvSpPr/>
-          <p:nvPr/>
-        </p:nvSpPr>
-        <p:spPr>
-          <a:xfrm>
-            <a:off x="1009650" y="4114800"/>
-            <a:ext cx="1342390" cy="596900"/>
-          </a:xfrm>
-          <a:prstGeom prst="ellipse">
-            <a:avLst/>
-          </a:prstGeom>
-        </p:spPr>
-        <p:style>
-          <a:lnRef idx="2">
-            <a:schemeClr val="accent1">
-              <a:shade val="50000"/>
-            </a:schemeClr>
-          </a:lnRef>
-          <a:fillRef idx="1">
-            <a:schemeClr val="accent1"/>
-          </a:fillRef>
-          <a:effectRef idx="0">
-            <a:schemeClr val="accent1"/>
-          </a:effectRef>
-          <a:fontRef idx="minor">
-            <a:schemeClr val="lt1"/>
-          </a:fontRef>
-        </p:style>
-        <p:txBody>
-          <a:bodyPr rtlCol="0" anchor="ctr"/>
-          <a:p>
-            <a:pPr algn="ctr"/>
-            <a:r>
-              <a:rPr lang="en-US" altLang="zh-CN"/>
-              <a:t>client</a:t>
-            </a:r>
-            <a:endParaRPr lang="en-US" altLang="zh-CN"/>
-          </a:p>
-        </p:txBody>
-      </p:sp>
-      <p:sp>
-        <p:nvSpPr>
-          <p:cNvPr id="6" name="椭圆 5"/>
-          <p:cNvSpPr/>
-          <p:nvPr/>
-        </p:nvSpPr>
-        <p:spPr>
-          <a:xfrm>
-            <a:off x="1009650" y="3045460"/>
-            <a:ext cx="1342390" cy="596900"/>
-          </a:xfrm>
-          <a:prstGeom prst="ellipse">
-            <a:avLst/>
-          </a:prstGeom>
-        </p:spPr>
-        <p:style>
-          <a:lnRef idx="2">
-            <a:schemeClr val="accent1">
-              <a:shade val="50000"/>
-            </a:schemeClr>
-          </a:lnRef>
-          <a:fillRef idx="1">
-            <a:schemeClr val="accent1"/>
-          </a:fillRef>
-          <a:effectRef idx="0">
-            <a:schemeClr val="accent1"/>
-          </a:effectRef>
-          <a:fontRef idx="minor">
-            <a:schemeClr val="lt1"/>
-          </a:fontRef>
-        </p:style>
-        <p:txBody>
-          <a:bodyPr rtlCol="0" anchor="ctr"/>
-          <a:p>
-            <a:pPr algn="ctr"/>
-            <a:r>
-              <a:rPr lang="en-US" altLang="zh-CN"/>
-              <a:t>client</a:t>
-            </a:r>
-            <a:endParaRPr lang="en-US" altLang="zh-CN"/>
-          </a:p>
-        </p:txBody>
-      </p:sp>
-      <p:sp>
-        <p:nvSpPr>
-          <p:cNvPr id="7" name="椭圆 6"/>
-          <p:cNvSpPr/>
-          <p:nvPr/>
-        </p:nvSpPr>
-        <p:spPr>
-          <a:xfrm>
-            <a:off x="3379470" y="2582545"/>
-            <a:ext cx="1822450" cy="1409065"/>
-          </a:xfrm>
-          <a:prstGeom prst="ellipse">
-            <a:avLst/>
-          </a:prstGeom>
-          <a:solidFill>
-            <a:schemeClr val="accent2">
-              <a:lumMod val="75000"/>
-            </a:schemeClr>
-          </a:solidFill>
-        </p:spPr>
-        <p:style>
-          <a:lnRef idx="2">
-            <a:schemeClr val="accent1">
-              <a:shade val="50000"/>
-            </a:schemeClr>
-          </a:lnRef>
-          <a:fillRef idx="1">
-            <a:schemeClr val="accent1"/>
-          </a:fillRef>
-          <a:effectRef idx="0">
-            <a:schemeClr val="accent1"/>
-          </a:effectRef>
-          <a:fontRef idx="minor">
-            <a:schemeClr val="lt1"/>
-          </a:fontRef>
-        </p:style>
-        <p:txBody>
-          <a:bodyPr rtlCol="0" anchor="ctr"/>
-          <a:p>
-            <a:pPr algn="ctr"/>
-            <a:r>
-              <a:rPr lang="en-US" altLang="zh-CN"/>
-              <a:t>Server</a:t>
-            </a:r>
-            <a:endParaRPr lang="en-US" altLang="zh-CN"/>
-          </a:p>
-          <a:p>
-            <a:pPr algn="ctr"/>
-            <a:endParaRPr lang="en-US" altLang="zh-CN"/>
-          </a:p>
-          <a:p>
-            <a:pPr algn="ctr"/>
-            <a:r>
-              <a:rPr lang="en-US" altLang="zh-CN"/>
-              <a:t>accept()</a:t>
-            </a:r>
-            <a:endParaRPr lang="zh-CN" altLang="en-US"/>
-          </a:p>
-        </p:txBody>
-      </p:sp>
-      <p:sp>
-        <p:nvSpPr>
-          <p:cNvPr id="9" name="圆角矩形 8"/>
-          <p:cNvSpPr/>
-          <p:nvPr/>
-        </p:nvSpPr>
-        <p:spPr>
-          <a:xfrm>
-            <a:off x="6076950" y="1679575"/>
-            <a:ext cx="983615" cy="529590"/>
-          </a:xfrm>
-          <a:prstGeom prst="roundRect">
-            <a:avLst/>
-          </a:prstGeom>
-        </p:spPr>
-        <p:style>
-          <a:lnRef idx="2">
-            <a:schemeClr val="accent1">
-              <a:shade val="50000"/>
-            </a:schemeClr>
-          </a:lnRef>
-          <a:fillRef idx="1">
-            <a:schemeClr val="accent1"/>
-          </a:fillRef>
-          <a:effectRef idx="0">
-            <a:schemeClr val="accent1"/>
-          </a:effectRef>
-          <a:fontRef idx="minor">
-            <a:schemeClr val="lt1"/>
-          </a:fontRef>
-        </p:style>
-        <p:txBody>
-          <a:bodyPr rtlCol="0" anchor="ctr"/>
-          <a:p>
-            <a:pPr algn="ctr"/>
-            <a:r>
-              <a:rPr lang="en-US" altLang="zh-CN"/>
-              <a:t>read</a:t>
-            </a:r>
-            <a:endParaRPr lang="en-US" altLang="zh-CN"/>
-          </a:p>
-        </p:txBody>
-      </p:sp>
-      <p:sp>
-        <p:nvSpPr>
-          <p:cNvPr id="10" name="圆角矩形 9"/>
-          <p:cNvSpPr/>
-          <p:nvPr/>
-        </p:nvSpPr>
-        <p:spPr>
-          <a:xfrm>
-            <a:off x="7252970" y="1679575"/>
-            <a:ext cx="944880" cy="529590"/>
-          </a:xfrm>
-          <a:prstGeom prst="roundRect">
-            <a:avLst/>
-          </a:prstGeom>
-        </p:spPr>
-        <p:style>
-          <a:lnRef idx="2">
-            <a:schemeClr val="accent1">
-              <a:shade val="50000"/>
-            </a:schemeClr>
-          </a:lnRef>
-          <a:fillRef idx="1">
-            <a:schemeClr val="accent1"/>
-          </a:fillRef>
-          <a:effectRef idx="0">
-            <a:schemeClr val="accent1"/>
-          </a:effectRef>
-          <a:fontRef idx="minor">
-            <a:schemeClr val="lt1"/>
-          </a:fontRef>
-        </p:style>
-        <p:txBody>
-          <a:bodyPr rtlCol="0" anchor="ctr"/>
-          <a:p>
-            <a:pPr algn="ctr"/>
-            <a:r>
-              <a:rPr lang="en-US" altLang="zh-CN"/>
-              <a:t>decode</a:t>
-            </a:r>
-            <a:endParaRPr lang="en-US" altLang="zh-CN"/>
-          </a:p>
-        </p:txBody>
-      </p:sp>
-      <p:sp>
-        <p:nvSpPr>
-          <p:cNvPr id="11" name="圆角矩形 10"/>
-          <p:cNvSpPr/>
-          <p:nvPr/>
-        </p:nvSpPr>
-        <p:spPr>
-          <a:xfrm>
-            <a:off x="8357235" y="1679575"/>
-            <a:ext cx="1143000" cy="529590"/>
-          </a:xfrm>
-          <a:prstGeom prst="roundRect">
-            <a:avLst/>
-          </a:prstGeom>
-        </p:spPr>
-        <p:style>
-          <a:lnRef idx="2">
-            <a:schemeClr val="accent1">
-              <a:shade val="50000"/>
-            </a:schemeClr>
-          </a:lnRef>
-          <a:fillRef idx="1">
-            <a:schemeClr val="accent1"/>
-          </a:fillRef>
-          <a:effectRef idx="0">
-            <a:schemeClr val="accent1"/>
-          </a:effectRef>
-          <a:fontRef idx="minor">
-            <a:schemeClr val="lt1"/>
-          </a:fontRef>
-        </p:style>
-        <p:txBody>
-          <a:bodyPr rtlCol="0" anchor="ctr"/>
-          <a:p>
-            <a:pPr algn="ctr"/>
-            <a:r>
-              <a:rPr lang="en-US" altLang="zh-CN"/>
-              <a:t>compute</a:t>
-            </a:r>
-            <a:endParaRPr lang="en-US" altLang="zh-CN"/>
-          </a:p>
-        </p:txBody>
-      </p:sp>
-      <p:sp>
-        <p:nvSpPr>
-          <p:cNvPr id="13" name="圆角矩形 12"/>
-          <p:cNvSpPr/>
-          <p:nvPr/>
-        </p:nvSpPr>
-        <p:spPr>
-          <a:xfrm>
-            <a:off x="9649460" y="1679575"/>
-            <a:ext cx="944880" cy="529590"/>
-          </a:xfrm>
-          <a:prstGeom prst="roundRect">
-            <a:avLst/>
-          </a:prstGeom>
-        </p:spPr>
-        <p:style>
-          <a:lnRef idx="2">
-            <a:schemeClr val="accent1">
-              <a:shade val="50000"/>
-            </a:schemeClr>
-          </a:lnRef>
-          <a:fillRef idx="1">
-            <a:schemeClr val="accent1"/>
-          </a:fillRef>
-          <a:effectRef idx="0">
-            <a:schemeClr val="accent1"/>
-          </a:effectRef>
-          <a:fontRef idx="minor">
-            <a:schemeClr val="lt1"/>
-          </a:fontRef>
-        </p:style>
-        <p:txBody>
-          <a:bodyPr rtlCol="0" anchor="ctr"/>
-          <a:p>
-            <a:pPr algn="ctr"/>
-            <a:r>
-              <a:rPr lang="en-US" altLang="zh-CN"/>
-              <a:t>encode</a:t>
-            </a:r>
-            <a:endParaRPr lang="en-US" altLang="zh-CN"/>
-          </a:p>
-        </p:txBody>
-      </p:sp>
-      <p:sp>
-        <p:nvSpPr>
-          <p:cNvPr id="14" name="圆角矩形 13"/>
-          <p:cNvSpPr/>
-          <p:nvPr/>
-        </p:nvSpPr>
-        <p:spPr>
-          <a:xfrm>
-            <a:off x="10786745" y="1679575"/>
-            <a:ext cx="944880" cy="529590"/>
-          </a:xfrm>
-          <a:prstGeom prst="roundRect">
-            <a:avLst/>
-          </a:prstGeom>
-        </p:spPr>
-        <p:style>
-          <a:lnRef idx="2">
-            <a:schemeClr val="accent1">
-              <a:shade val="50000"/>
-            </a:schemeClr>
-          </a:lnRef>
-          <a:fillRef idx="1">
-            <a:schemeClr val="accent1"/>
-          </a:fillRef>
-          <a:effectRef idx="0">
-            <a:schemeClr val="accent1"/>
-          </a:effectRef>
-          <a:fontRef idx="minor">
-            <a:schemeClr val="lt1"/>
-          </a:fontRef>
-        </p:style>
-        <p:txBody>
-          <a:bodyPr rtlCol="0" anchor="ctr"/>
-          <a:p>
-            <a:pPr algn="ctr"/>
-            <a:r>
-              <a:rPr lang="en-US" altLang="zh-CN"/>
-              <a:t>send</a:t>
-            </a:r>
-            <a:endParaRPr lang="en-US" altLang="zh-CN"/>
-          </a:p>
-        </p:txBody>
-      </p:sp>
-      <p:sp>
-        <p:nvSpPr>
-          <p:cNvPr id="16" name="矩形 15"/>
-          <p:cNvSpPr/>
-          <p:nvPr/>
-        </p:nvSpPr>
-        <p:spPr>
-          <a:xfrm>
-            <a:off x="5989320" y="2749550"/>
-            <a:ext cx="5930265" cy="1043940"/>
-          </a:xfrm>
-          <a:prstGeom prst="rect">
-            <a:avLst/>
-          </a:prstGeom>
-          <a:ln w="38100">
-            <a:solidFill>
-              <a:schemeClr val="tx1"/>
-            </a:solidFill>
-          </a:ln>
-        </p:spPr>
-        <p:style>
-          <a:lnRef idx="2">
-            <a:schemeClr val="accent4"/>
-          </a:lnRef>
-          <a:fillRef idx="1">
-            <a:schemeClr val="lt1"/>
-          </a:fillRef>
-          <a:effectRef idx="0">
-            <a:schemeClr val="accent4"/>
-          </a:effectRef>
-          <a:fontRef idx="minor">
-            <a:schemeClr val="dk1"/>
-          </a:fontRef>
-        </p:style>
-        <p:txBody>
-          <a:bodyPr rtlCol="0" anchor="ctr"/>
-          <a:p>
-            <a:pPr algn="ctr"/>
-            <a:endParaRPr lang="zh-CN" altLang="en-US"/>
-          </a:p>
-        </p:txBody>
-      </p:sp>
-      <p:sp>
-        <p:nvSpPr>
-          <p:cNvPr id="17" name="圆角矩形 16"/>
-          <p:cNvSpPr/>
-          <p:nvPr/>
-        </p:nvSpPr>
-        <p:spPr>
-          <a:xfrm>
-            <a:off x="6082665" y="3031490"/>
-            <a:ext cx="983615" cy="529590"/>
-          </a:xfrm>
-          <a:prstGeom prst="roundRect">
-            <a:avLst/>
-          </a:prstGeom>
-        </p:spPr>
-        <p:style>
-          <a:lnRef idx="2">
-            <a:schemeClr val="accent1">
-              <a:shade val="50000"/>
-            </a:schemeClr>
-          </a:lnRef>
-          <a:fillRef idx="1">
-            <a:schemeClr val="accent1"/>
-          </a:fillRef>
-          <a:effectRef idx="0">
-            <a:schemeClr val="accent1"/>
-          </a:effectRef>
-          <a:fontRef idx="minor">
-            <a:schemeClr val="lt1"/>
-          </a:fontRef>
-        </p:style>
-        <p:txBody>
-          <a:bodyPr rtlCol="0" anchor="ctr"/>
-          <a:p>
-            <a:pPr algn="ctr"/>
-            <a:r>
-              <a:rPr lang="en-US" altLang="zh-CN"/>
-              <a:t>read</a:t>
-            </a:r>
-            <a:endParaRPr lang="en-US" altLang="zh-CN"/>
-          </a:p>
-        </p:txBody>
-      </p:sp>
-      <p:sp>
-        <p:nvSpPr>
-          <p:cNvPr id="18" name="圆角矩形 17"/>
-          <p:cNvSpPr/>
-          <p:nvPr/>
-        </p:nvSpPr>
-        <p:spPr>
-          <a:xfrm>
-            <a:off x="7258685" y="3031490"/>
-            <a:ext cx="944880" cy="529590"/>
-          </a:xfrm>
-          <a:prstGeom prst="roundRect">
-            <a:avLst/>
-          </a:prstGeom>
-        </p:spPr>
-        <p:style>
-          <a:lnRef idx="2">
-            <a:schemeClr val="accent1">
-              <a:shade val="50000"/>
-            </a:schemeClr>
-          </a:lnRef>
-          <a:fillRef idx="1">
-            <a:schemeClr val="accent1"/>
-          </a:fillRef>
-          <a:effectRef idx="0">
-            <a:schemeClr val="accent1"/>
-          </a:effectRef>
-          <a:fontRef idx="minor">
-            <a:schemeClr val="lt1"/>
-          </a:fontRef>
-        </p:style>
-        <p:txBody>
-          <a:bodyPr rtlCol="0" anchor="ctr"/>
-          <a:p>
-            <a:pPr algn="ctr"/>
-            <a:r>
-              <a:rPr lang="en-US" altLang="zh-CN"/>
-              <a:t>decode</a:t>
-            </a:r>
-            <a:endParaRPr lang="en-US" altLang="zh-CN"/>
-          </a:p>
-        </p:txBody>
-      </p:sp>
-      <p:sp>
-        <p:nvSpPr>
-          <p:cNvPr id="19" name="圆角矩形 18"/>
-          <p:cNvSpPr/>
-          <p:nvPr/>
-        </p:nvSpPr>
-        <p:spPr>
-          <a:xfrm>
-            <a:off x="8362950" y="3031490"/>
-            <a:ext cx="1143000" cy="529590"/>
-          </a:xfrm>
-          <a:prstGeom prst="roundRect">
-            <a:avLst/>
-          </a:prstGeom>
-        </p:spPr>
-        <p:style>
-          <a:lnRef idx="2">
-            <a:schemeClr val="accent1">
-              <a:shade val="50000"/>
-            </a:schemeClr>
-          </a:lnRef>
-          <a:fillRef idx="1">
-            <a:schemeClr val="accent1"/>
-          </a:fillRef>
-          <a:effectRef idx="0">
-            <a:schemeClr val="accent1"/>
-          </a:effectRef>
-          <a:fontRef idx="minor">
-            <a:schemeClr val="lt1"/>
-          </a:fontRef>
-        </p:style>
-        <p:txBody>
-          <a:bodyPr rtlCol="0" anchor="ctr"/>
-          <a:p>
-            <a:pPr algn="ctr"/>
-            <a:r>
-              <a:rPr lang="en-US" altLang="zh-CN"/>
-              <a:t>compute</a:t>
-            </a:r>
-            <a:endParaRPr lang="en-US" altLang="zh-CN"/>
-          </a:p>
-        </p:txBody>
-      </p:sp>
-      <p:sp>
-        <p:nvSpPr>
-          <p:cNvPr id="20" name="圆角矩形 19"/>
-          <p:cNvSpPr/>
-          <p:nvPr/>
-        </p:nvSpPr>
-        <p:spPr>
-          <a:xfrm>
-            <a:off x="9655175" y="3031490"/>
-            <a:ext cx="944880" cy="529590"/>
-          </a:xfrm>
-          <a:prstGeom prst="roundRect">
-            <a:avLst/>
-          </a:prstGeom>
-        </p:spPr>
-        <p:style>
-          <a:lnRef idx="2">
-            <a:schemeClr val="accent1">
-              <a:shade val="50000"/>
-            </a:schemeClr>
-          </a:lnRef>
-          <a:fillRef idx="1">
-            <a:schemeClr val="accent1"/>
-          </a:fillRef>
-          <a:effectRef idx="0">
-            <a:schemeClr val="accent1"/>
-          </a:effectRef>
-          <a:fontRef idx="minor">
-            <a:schemeClr val="lt1"/>
-          </a:fontRef>
-        </p:style>
-        <p:txBody>
-          <a:bodyPr rtlCol="0" anchor="ctr"/>
-          <a:p>
-            <a:pPr algn="ctr"/>
-            <a:r>
-              <a:rPr lang="en-US" altLang="zh-CN"/>
-              <a:t>encode</a:t>
-            </a:r>
-            <a:endParaRPr lang="en-US" altLang="zh-CN"/>
-          </a:p>
-        </p:txBody>
-      </p:sp>
-      <p:sp>
-        <p:nvSpPr>
-          <p:cNvPr id="21" name="圆角矩形 20"/>
-          <p:cNvSpPr/>
-          <p:nvPr/>
-        </p:nvSpPr>
-        <p:spPr>
-          <a:xfrm>
-            <a:off x="10792460" y="3031490"/>
-            <a:ext cx="944880" cy="529590"/>
-          </a:xfrm>
-          <a:prstGeom prst="roundRect">
-            <a:avLst/>
-          </a:prstGeom>
-        </p:spPr>
-        <p:style>
-          <a:lnRef idx="2">
-            <a:schemeClr val="accent1">
-              <a:shade val="50000"/>
-            </a:schemeClr>
-          </a:lnRef>
-          <a:fillRef idx="1">
-            <a:schemeClr val="accent1"/>
-          </a:fillRef>
-          <a:effectRef idx="0">
-            <a:schemeClr val="accent1"/>
-          </a:effectRef>
-          <a:fontRef idx="minor">
-            <a:schemeClr val="lt1"/>
-          </a:fontRef>
-        </p:style>
-        <p:txBody>
-          <a:bodyPr rtlCol="0" anchor="ctr"/>
-          <a:p>
-            <a:pPr algn="ctr"/>
-            <a:r>
-              <a:rPr lang="en-US" altLang="zh-CN"/>
-              <a:t>send</a:t>
-            </a:r>
-            <a:endParaRPr lang="en-US" altLang="zh-CN"/>
-          </a:p>
-        </p:txBody>
-      </p:sp>
-      <p:sp>
-        <p:nvSpPr>
-          <p:cNvPr id="28" name="矩形 27"/>
-          <p:cNvSpPr/>
-          <p:nvPr/>
-        </p:nvSpPr>
-        <p:spPr>
-          <a:xfrm>
-            <a:off x="5989320" y="4090670"/>
-            <a:ext cx="5930265" cy="1043940"/>
-          </a:xfrm>
-          <a:prstGeom prst="rect">
-            <a:avLst/>
-          </a:prstGeom>
-          <a:ln w="38100">
-            <a:solidFill>
-              <a:schemeClr val="tx1"/>
-            </a:solidFill>
-          </a:ln>
-        </p:spPr>
-        <p:style>
-          <a:lnRef idx="2">
-            <a:schemeClr val="accent4"/>
-          </a:lnRef>
-          <a:fillRef idx="1">
-            <a:schemeClr val="lt1"/>
-          </a:fillRef>
-          <a:effectRef idx="0">
-            <a:schemeClr val="accent4"/>
-          </a:effectRef>
-          <a:fontRef idx="minor">
-            <a:schemeClr val="dk1"/>
-          </a:fontRef>
-        </p:style>
-        <p:txBody>
-          <a:bodyPr rtlCol="0" anchor="ctr"/>
-          <a:p>
-            <a:pPr algn="ctr"/>
-            <a:endParaRPr lang="zh-CN" altLang="en-US"/>
-          </a:p>
-        </p:txBody>
-      </p:sp>
-      <p:sp>
-        <p:nvSpPr>
-          <p:cNvPr id="29" name="圆角矩形 28"/>
-          <p:cNvSpPr/>
-          <p:nvPr/>
-        </p:nvSpPr>
-        <p:spPr>
-          <a:xfrm>
-            <a:off x="6082665" y="4372610"/>
-            <a:ext cx="983615" cy="529590"/>
-          </a:xfrm>
-          <a:prstGeom prst="roundRect">
-            <a:avLst/>
-          </a:prstGeom>
-        </p:spPr>
-        <p:style>
-          <a:lnRef idx="2">
-            <a:schemeClr val="accent1">
-              <a:shade val="50000"/>
-            </a:schemeClr>
-          </a:lnRef>
-          <a:fillRef idx="1">
-            <a:schemeClr val="accent1"/>
-          </a:fillRef>
-          <a:effectRef idx="0">
-            <a:schemeClr val="accent1"/>
-          </a:effectRef>
-          <a:fontRef idx="minor">
-            <a:schemeClr val="lt1"/>
-          </a:fontRef>
-        </p:style>
-        <p:txBody>
-          <a:bodyPr rtlCol="0" anchor="ctr"/>
-          <a:p>
-            <a:pPr algn="ctr"/>
-            <a:r>
-              <a:rPr lang="en-US" altLang="zh-CN"/>
-              <a:t>read</a:t>
-            </a:r>
-            <a:endParaRPr lang="en-US" altLang="zh-CN"/>
-          </a:p>
-        </p:txBody>
-      </p:sp>
-      <p:sp>
-        <p:nvSpPr>
-          <p:cNvPr id="30" name="圆角矩形 29"/>
-          <p:cNvSpPr/>
-          <p:nvPr/>
-        </p:nvSpPr>
-        <p:spPr>
-          <a:xfrm>
-            <a:off x="7258685" y="4372610"/>
-            <a:ext cx="944880" cy="529590"/>
-          </a:xfrm>
-          <a:prstGeom prst="roundRect">
-            <a:avLst/>
-          </a:prstGeom>
-        </p:spPr>
-        <p:style>
-          <a:lnRef idx="2">
-            <a:schemeClr val="accent1">
-              <a:shade val="50000"/>
-            </a:schemeClr>
-          </a:lnRef>
-          <a:fillRef idx="1">
-            <a:schemeClr val="accent1"/>
-          </a:fillRef>
-          <a:effectRef idx="0">
-            <a:schemeClr val="accent1"/>
-          </a:effectRef>
-          <a:fontRef idx="minor">
-            <a:schemeClr val="lt1"/>
-          </a:fontRef>
-        </p:style>
-        <p:txBody>
-          <a:bodyPr rtlCol="0" anchor="ctr"/>
-          <a:p>
-            <a:pPr algn="ctr"/>
-            <a:r>
-              <a:rPr lang="en-US" altLang="zh-CN"/>
-              <a:t>decode</a:t>
-            </a:r>
-            <a:endParaRPr lang="en-US" altLang="zh-CN"/>
-          </a:p>
-        </p:txBody>
-      </p:sp>
-      <p:sp>
-        <p:nvSpPr>
-          <p:cNvPr id="31" name="圆角矩形 30"/>
-          <p:cNvSpPr/>
-          <p:nvPr/>
-        </p:nvSpPr>
-        <p:spPr>
-          <a:xfrm>
-            <a:off x="8362950" y="4372610"/>
-            <a:ext cx="1143000" cy="529590"/>
-          </a:xfrm>
-          <a:prstGeom prst="roundRect">
-            <a:avLst/>
-          </a:prstGeom>
-        </p:spPr>
-        <p:style>
-          <a:lnRef idx="2">
-            <a:schemeClr val="accent1">
-              <a:shade val="50000"/>
-            </a:schemeClr>
-          </a:lnRef>
-          <a:fillRef idx="1">
-            <a:schemeClr val="accent1"/>
-          </a:fillRef>
-          <a:effectRef idx="0">
-            <a:schemeClr val="accent1"/>
-          </a:effectRef>
-          <a:fontRef idx="minor">
-            <a:schemeClr val="lt1"/>
-          </a:fontRef>
-        </p:style>
-        <p:txBody>
-          <a:bodyPr rtlCol="0" anchor="ctr"/>
-          <a:p>
-            <a:pPr algn="ctr"/>
-            <a:r>
-              <a:rPr lang="en-US" altLang="zh-CN"/>
-              <a:t>compute</a:t>
-            </a:r>
-            <a:endParaRPr lang="en-US" altLang="zh-CN"/>
-          </a:p>
-        </p:txBody>
-      </p:sp>
-      <p:sp>
-        <p:nvSpPr>
-          <p:cNvPr id="32" name="圆角矩形 31"/>
-          <p:cNvSpPr/>
-          <p:nvPr/>
-        </p:nvSpPr>
-        <p:spPr>
-          <a:xfrm>
-            <a:off x="9655175" y="4372610"/>
-            <a:ext cx="944880" cy="529590"/>
-          </a:xfrm>
-          <a:prstGeom prst="roundRect">
-            <a:avLst/>
-          </a:prstGeom>
-        </p:spPr>
-        <p:style>
-          <a:lnRef idx="2">
-            <a:schemeClr val="accent1">
-              <a:shade val="50000"/>
-            </a:schemeClr>
-          </a:lnRef>
-          <a:fillRef idx="1">
-            <a:schemeClr val="accent1"/>
-          </a:fillRef>
-          <a:effectRef idx="0">
-            <a:schemeClr val="accent1"/>
-          </a:effectRef>
-          <a:fontRef idx="minor">
-            <a:schemeClr val="lt1"/>
-          </a:fontRef>
-        </p:style>
-        <p:txBody>
-          <a:bodyPr rtlCol="0" anchor="ctr"/>
-          <a:p>
-            <a:pPr algn="ctr"/>
-            <a:r>
-              <a:rPr lang="en-US" altLang="zh-CN"/>
-              <a:t>encode</a:t>
-            </a:r>
-            <a:endParaRPr lang="en-US" altLang="zh-CN"/>
-          </a:p>
-        </p:txBody>
-      </p:sp>
-      <p:sp>
-        <p:nvSpPr>
-          <p:cNvPr id="33" name="圆角矩形 32"/>
-          <p:cNvSpPr/>
-          <p:nvPr/>
-        </p:nvSpPr>
-        <p:spPr>
-          <a:xfrm>
-            <a:off x="10792460" y="4372610"/>
-            <a:ext cx="944880" cy="529590"/>
-          </a:xfrm>
-          <a:prstGeom prst="roundRect">
-            <a:avLst/>
-          </a:prstGeom>
-        </p:spPr>
-        <p:style>
-          <a:lnRef idx="2">
-            <a:schemeClr val="accent1">
-              <a:shade val="50000"/>
-            </a:schemeClr>
-          </a:lnRef>
-          <a:fillRef idx="1">
-            <a:schemeClr val="accent1"/>
-          </a:fillRef>
-          <a:effectRef idx="0">
-            <a:schemeClr val="accent1"/>
-          </a:effectRef>
-          <a:fontRef idx="minor">
-            <a:schemeClr val="lt1"/>
-          </a:fontRef>
-        </p:style>
-        <p:txBody>
-          <a:bodyPr rtlCol="0" anchor="ctr"/>
-          <a:p>
-            <a:pPr algn="ctr"/>
-            <a:r>
-              <a:rPr lang="en-US" altLang="zh-CN"/>
-              <a:t>send</a:t>
-            </a:r>
-            <a:endParaRPr lang="en-US" altLang="zh-CN"/>
-          </a:p>
-        </p:txBody>
-      </p:sp>
-      <p:cxnSp>
-        <p:nvCxnSpPr>
-          <p:cNvPr id="34" name="直接箭头连接符 33"/>
-          <p:cNvCxnSpPr>
-            <a:stCxn id="4" idx="6"/>
-          </p:cNvCxnSpPr>
-          <p:nvPr/>
-        </p:nvCxnSpPr>
-        <p:spPr>
-          <a:xfrm>
-            <a:off x="2352040" y="2334260"/>
-            <a:ext cx="1043305" cy="646430"/>
-          </a:xfrm>
-          <a:prstGeom prst="straightConnector1">
-            <a:avLst/>
-          </a:prstGeom>
-          <a:ln>
-            <a:tailEnd type="arrow"/>
-          </a:ln>
-        </p:spPr>
-        <p:style>
-          <a:lnRef idx="1">
-            <a:schemeClr val="accent1"/>
-          </a:lnRef>
-          <a:fillRef idx="0">
-            <a:schemeClr val="accent1"/>
-          </a:fillRef>
-          <a:effectRef idx="0">
-            <a:schemeClr val="accent1"/>
-          </a:effectRef>
-          <a:fontRef idx="minor">
-            <a:schemeClr val="tx1"/>
-          </a:fontRef>
-        </p:style>
-      </p:cxnSp>
-      <p:cxnSp>
-        <p:nvCxnSpPr>
-          <p:cNvPr id="35" name="直接箭头连接符 34"/>
-          <p:cNvCxnSpPr/>
-          <p:nvPr/>
-        </p:nvCxnSpPr>
-        <p:spPr>
-          <a:xfrm flipV="1">
-            <a:off x="2352040" y="3576955"/>
-            <a:ext cx="993140" cy="876935"/>
-          </a:xfrm>
-          <a:prstGeom prst="straightConnector1">
-            <a:avLst/>
-          </a:prstGeom>
-          <a:ln>
-            <a:tailEnd type="arrow"/>
-          </a:ln>
-        </p:spPr>
-        <p:style>
-          <a:lnRef idx="1">
-            <a:schemeClr val="accent1"/>
-          </a:lnRef>
-          <a:fillRef idx="0">
-            <a:schemeClr val="accent1"/>
-          </a:fillRef>
-          <a:effectRef idx="0">
-            <a:schemeClr val="accent1"/>
-          </a:effectRef>
-          <a:fontRef idx="minor">
-            <a:schemeClr val="tx1"/>
-          </a:fontRef>
-        </p:style>
-      </p:cxnSp>
-      <p:cxnSp>
-        <p:nvCxnSpPr>
-          <p:cNvPr id="36" name="直接箭头连接符 35"/>
-          <p:cNvCxnSpPr/>
-          <p:nvPr/>
-        </p:nvCxnSpPr>
-        <p:spPr>
-          <a:xfrm>
-            <a:off x="2352040" y="3324860"/>
-            <a:ext cx="1026795" cy="4445"/>
-          </a:xfrm>
-          <a:prstGeom prst="straightConnector1">
-            <a:avLst/>
-          </a:prstGeom>
-          <a:ln>
-            <a:tailEnd type="arrow"/>
-          </a:ln>
-        </p:spPr>
-        <p:style>
-          <a:lnRef idx="1">
-            <a:schemeClr val="accent1"/>
-          </a:lnRef>
-          <a:fillRef idx="0">
-            <a:schemeClr val="accent1"/>
-          </a:fillRef>
-          <a:effectRef idx="0">
-            <a:schemeClr val="accent1"/>
-          </a:effectRef>
-          <a:fontRef idx="minor">
-            <a:schemeClr val="tx1"/>
-          </a:fontRef>
-        </p:style>
-      </p:cxnSp>
-      <p:cxnSp>
-        <p:nvCxnSpPr>
-          <p:cNvPr id="37" name="直接箭头连接符 36"/>
-          <p:cNvCxnSpPr/>
-          <p:nvPr/>
-        </p:nvCxnSpPr>
-        <p:spPr>
-          <a:xfrm flipV="1">
-            <a:off x="4934585" y="1919605"/>
-            <a:ext cx="949960" cy="829945"/>
-          </a:xfrm>
-          <a:prstGeom prst="straightConnector1">
-            <a:avLst/>
-          </a:prstGeom>
-          <a:ln>
-            <a:tailEnd type="arrow"/>
-          </a:ln>
-        </p:spPr>
-        <p:style>
-          <a:lnRef idx="1">
-            <a:schemeClr val="accent1"/>
-          </a:lnRef>
-          <a:fillRef idx="0">
-            <a:schemeClr val="accent1"/>
-          </a:fillRef>
-          <a:effectRef idx="0">
-            <a:schemeClr val="accent1"/>
-          </a:effectRef>
-          <a:fontRef idx="minor">
-            <a:schemeClr val="tx1"/>
-          </a:fontRef>
-        </p:style>
-      </p:cxnSp>
-      <p:cxnSp>
-        <p:nvCxnSpPr>
-          <p:cNvPr id="38" name="直接箭头连接符 37"/>
-          <p:cNvCxnSpPr>
-            <a:stCxn id="7" idx="5"/>
-          </p:cNvCxnSpPr>
-          <p:nvPr/>
-        </p:nvCxnSpPr>
-        <p:spPr>
-          <a:xfrm>
-            <a:off x="4935220" y="3785235"/>
-            <a:ext cx="932815" cy="770255"/>
-          </a:xfrm>
-          <a:prstGeom prst="straightConnector1">
-            <a:avLst/>
-          </a:prstGeom>
-          <a:ln>
-            <a:tailEnd type="arrow"/>
-          </a:ln>
-        </p:spPr>
-        <p:style>
-          <a:lnRef idx="1">
-            <a:schemeClr val="accent1"/>
-          </a:lnRef>
-          <a:fillRef idx="0">
-            <a:schemeClr val="accent1"/>
-          </a:fillRef>
-          <a:effectRef idx="0">
-            <a:schemeClr val="accent1"/>
-          </a:effectRef>
-          <a:fontRef idx="minor">
-            <a:schemeClr val="tx1"/>
-          </a:fontRef>
-        </p:style>
-      </p:cxnSp>
-      <p:cxnSp>
-        <p:nvCxnSpPr>
-          <p:cNvPr id="39" name="直接箭头连接符 38"/>
-          <p:cNvCxnSpPr/>
-          <p:nvPr/>
-        </p:nvCxnSpPr>
-        <p:spPr>
-          <a:xfrm flipV="1">
-            <a:off x="5201920" y="3312160"/>
-            <a:ext cx="628650" cy="8255"/>
-          </a:xfrm>
-          <a:prstGeom prst="straightConnector1">
-            <a:avLst/>
-          </a:prstGeom>
-          <a:ln>
-            <a:tailEnd type="arrow"/>
-          </a:ln>
-        </p:spPr>
-        <p:style>
-          <a:lnRef idx="1">
-            <a:schemeClr val="accent1"/>
-          </a:lnRef>
-          <a:fillRef idx="0">
-            <a:schemeClr val="accent1"/>
-          </a:fillRef>
-          <a:effectRef idx="0">
-            <a:schemeClr val="accent1"/>
-          </a:effectRef>
-          <a:fontRef idx="minor">
-            <a:schemeClr val="tx1"/>
-          </a:fontRef>
-        </p:style>
-      </p:cxnSp>
-      <p:sp>
-        <p:nvSpPr>
-          <p:cNvPr id="40" name="文本框 39"/>
-          <p:cNvSpPr txBox="1"/>
-          <p:nvPr/>
-        </p:nvSpPr>
-        <p:spPr>
-          <a:xfrm>
-            <a:off x="8451215" y="2133600"/>
-            <a:ext cx="898525" cy="368300"/>
-          </a:xfrm>
-          <a:prstGeom prst="rect">
-            <a:avLst/>
-          </a:prstGeom>
-          <a:noFill/>
-        </p:spPr>
-        <p:txBody>
-          <a:bodyPr wrap="none" rtlCol="0">
-            <a:spAutoFit/>
-          </a:bodyPr>
-          <a:p>
-            <a:r>
-              <a:rPr lang="en-US" altLang="zh-CN"/>
-              <a:t>handler</a:t>
-            </a:r>
-            <a:endParaRPr lang="en-US" altLang="zh-CN"/>
-          </a:p>
-        </p:txBody>
-      </p:sp>
-      <p:sp>
-        <p:nvSpPr>
-          <p:cNvPr id="41" name="文本框 40"/>
-          <p:cNvSpPr txBox="1"/>
-          <p:nvPr/>
-        </p:nvSpPr>
-        <p:spPr>
-          <a:xfrm>
-            <a:off x="8479155" y="3495040"/>
-            <a:ext cx="898525" cy="368300"/>
-          </a:xfrm>
-          <a:prstGeom prst="rect">
-            <a:avLst/>
-          </a:prstGeom>
-          <a:noFill/>
-        </p:spPr>
-        <p:txBody>
-          <a:bodyPr wrap="none" rtlCol="0">
-            <a:spAutoFit/>
-          </a:bodyPr>
-          <a:p>
-            <a:r>
-              <a:rPr lang="en-US" altLang="zh-CN"/>
-              <a:t>handler</a:t>
-            </a:r>
-            <a:endParaRPr lang="en-US" altLang="zh-CN"/>
-          </a:p>
-        </p:txBody>
-      </p:sp>
-      <p:sp>
-        <p:nvSpPr>
-          <p:cNvPr id="42" name="文本框 41"/>
-          <p:cNvSpPr txBox="1"/>
-          <p:nvPr/>
-        </p:nvSpPr>
-        <p:spPr>
-          <a:xfrm>
-            <a:off x="8505190" y="4815840"/>
-            <a:ext cx="898525" cy="368300"/>
-          </a:xfrm>
-          <a:prstGeom prst="rect">
-            <a:avLst/>
-          </a:prstGeom>
-          <a:noFill/>
-        </p:spPr>
-        <p:txBody>
-          <a:bodyPr wrap="none" rtlCol="0">
-            <a:spAutoFit/>
-          </a:bodyPr>
-          <a:p>
-            <a:r>
-              <a:rPr lang="en-US" altLang="zh-CN"/>
-              <a:t>handler</a:t>
-            </a:r>
-            <a:endParaRPr lang="en-US" altLang="zh-CN"/>
-          </a:p>
-        </p:txBody>
-      </p:sp>
-    </p:spTree>
-  </p:cSld>
-  <p:clrMapOvr>
-    <a:masterClrMapping/>
-  </p:clrMapOvr>
-</p:sld>
-</file>
-
-<file path=ppt/slides/slide4.xml><?xml version="1.0" encoding="utf-8"?>
-<p:sld xmlns:a="http://schemas.openxmlformats.org/drawingml/2006/main" xmlns:r="http://schemas.openxmlformats.org/officeDocument/2006/relationships" xmlns:p="http://schemas.openxmlformats.org/presentationml/2006/main">
-  <p:cSld>
-    <p:spTree>
-      <p:nvGrpSpPr>
-        <p:cNvPr id="1" name=""/>
-        <p:cNvGrpSpPr/>
-        <p:nvPr/>
-      </p:nvGrpSpPr>
-      <p:grpSpPr/>
-      <p:sp>
-        <p:nvSpPr>
-          <p:cNvPr id="2" name="标题 1"/>
-          <p:cNvSpPr>
-            <a:spLocks noGrp="1"/>
-          </p:cNvSpPr>
-          <p:nvPr>
-            <p:ph type="title"/>
-          </p:nvPr>
-        </p:nvSpPr>
-        <p:spPr/>
-        <p:txBody>
-          <a:bodyPr/>
-          <a:p>
-            <a:r>
-              <a:rPr lang="en-US" altLang="zh-CN"/>
-              <a:t>BIO Code</a:t>
-            </a:r>
-            <a:endParaRPr lang="en-US" altLang="zh-CN"/>
-          </a:p>
-        </p:txBody>
-      </p:sp>
-      <p:pic>
-        <p:nvPicPr>
-          <p:cNvPr id="8" name="内容占位符 7" descr="屏幕快照 2018-09-01 下午3.24.30"/>
-          <p:cNvPicPr>
-            <a:picLocks noChangeAspect="1"/>
-          </p:cNvPicPr>
-          <p:nvPr>
-            <p:ph idx="1"/>
-          </p:nvPr>
-        </p:nvPicPr>
-        <p:blipFill>
-          <a:blip r:embed="rId1"/>
-          <a:stretch>
-            <a:fillRect/>
-          </a:stretch>
-        </p:blipFill>
-        <p:spPr>
-          <a:xfrm>
-            <a:off x="838200" y="1859915"/>
-            <a:ext cx="5507990" cy="4351655"/>
-          </a:xfrm>
-          <a:prstGeom prst="rect">
-            <a:avLst/>
-          </a:prstGeom>
-        </p:spPr>
-      </p:pic>
-      <p:sp>
-        <p:nvSpPr>
-          <p:cNvPr id="9" name="文本框 8"/>
-          <p:cNvSpPr txBox="1"/>
-          <p:nvPr/>
-        </p:nvSpPr>
-        <p:spPr>
-          <a:xfrm>
-            <a:off x="6724650" y="1859915"/>
-            <a:ext cx="4754245" cy="2122805"/>
-          </a:xfrm>
-          <a:prstGeom prst="rect">
-            <a:avLst/>
-          </a:prstGeom>
-          <a:noFill/>
-        </p:spPr>
-        <p:txBody>
-          <a:bodyPr wrap="square" rtlCol="0">
-            <a:spAutoFit/>
-          </a:bodyPr>
-          <a:p>
-            <a:pPr indent="0">
-              <a:buFont typeface="Arial" panose="020B0604020202020204" pitchFamily="34" charset="0"/>
-              <a:buNone/>
-            </a:pPr>
-            <a:r>
-              <a:rPr lang="en-US" altLang="zh-CN" sz="2400"/>
-              <a:t>两类线程/Runnable</a:t>
-            </a:r>
-            <a:endParaRPr lang="en-US" altLang="zh-CN"/>
-          </a:p>
-          <a:p>
-            <a:pPr marL="285750" indent="-285750">
-              <a:buFont typeface="Arial" panose="020B0604020202020204" pitchFamily="34" charset="0"/>
-              <a:buChar char="•"/>
-            </a:pPr>
-            <a:r>
-              <a:rPr lang="en-US" altLang="zh-CN"/>
-              <a:t>BasicServer</a:t>
-            </a:r>
-            <a:endParaRPr lang="en-US" altLang="zh-CN"/>
-          </a:p>
-          <a:p>
-            <a:pPr marL="742950" lvl="1" indent="-285750">
-              <a:buFont typeface="Arial" panose="020B0604020202020204" pitchFamily="34" charset="0"/>
-              <a:buChar char="•"/>
-            </a:pPr>
-            <a:r>
-              <a:rPr lang="zh-CN" altLang="en-US"/>
-              <a:t>绑定端口</a:t>
-            </a:r>
-            <a:endParaRPr lang="zh-CN" altLang="en-US"/>
-          </a:p>
-          <a:p>
-            <a:pPr marL="742950" lvl="1" indent="-285750">
-              <a:buFont typeface="Arial" panose="020B0604020202020204" pitchFamily="34" charset="0"/>
-              <a:buChar char="•"/>
-            </a:pPr>
-            <a:r>
-              <a:rPr lang="zh-CN" altLang="en-US"/>
-              <a:t>监听请求</a:t>
-            </a:r>
-            <a:r>
-              <a:rPr lang="en-US" altLang="zh-CN"/>
-              <a:t>/</a:t>
-            </a:r>
-            <a:r>
-              <a:rPr lang="zh-CN" altLang="en-US"/>
-              <a:t>连接</a:t>
-            </a:r>
-            <a:endParaRPr lang="zh-CN" altLang="en-US"/>
-          </a:p>
-          <a:p>
-            <a:pPr marL="742950" lvl="1" indent="-285750">
-              <a:buFont typeface="Arial" panose="020B0604020202020204" pitchFamily="34" charset="0"/>
-              <a:buChar char="•"/>
-            </a:pPr>
-            <a:r>
-              <a:rPr lang="zh-CN" altLang="en-US"/>
-              <a:t>有请求了就把它丢给</a:t>
-            </a:r>
-            <a:r>
-              <a:rPr lang="en-US" altLang="zh-CN"/>
-              <a:t>Handler</a:t>
-            </a:r>
-            <a:r>
-              <a:rPr lang="zh-CN" altLang="en-US"/>
-              <a:t>去处理</a:t>
-            </a:r>
-            <a:endParaRPr lang="en-US" altLang="zh-CN"/>
-          </a:p>
-          <a:p>
-            <a:pPr marL="285750" indent="-285750">
-              <a:buFont typeface="Arial" panose="020B0604020202020204" pitchFamily="34" charset="0"/>
-              <a:buChar char="•"/>
-            </a:pPr>
-            <a:r>
-              <a:rPr lang="en-US" altLang="zh-CN"/>
-              <a:t>Handler</a:t>
-            </a:r>
-            <a:endParaRPr lang="en-US" altLang="zh-CN"/>
-          </a:p>
-          <a:p>
-            <a:pPr lvl="2" indent="-285750">
-              <a:buFont typeface="Arial" panose="020B0604020202020204" pitchFamily="34" charset="0"/>
-              <a:buChar char="•"/>
-            </a:pPr>
-            <a:r>
-              <a:rPr lang="en-US" altLang="zh-CN"/>
-              <a:t>Read</a:t>
-            </a:r>
-            <a:r>
-              <a:rPr lang="en-US" altLang="zh-CN">
-                <a:sym typeface="+mn-ea"/>
-              </a:rPr>
-              <a:t>-&gt;</a:t>
-            </a:r>
-            <a:r>
-              <a:rPr lang="en-US" altLang="zh-CN"/>
-              <a:t>Decode-&gt;</a:t>
-            </a:r>
-            <a:r>
-              <a:rPr lang="zh-CN" altLang="en-US"/>
-              <a:t>业务</a:t>
-            </a:r>
-            <a:r>
-              <a:rPr lang="en-US" altLang="zh-CN">
-                <a:sym typeface="+mn-ea"/>
-              </a:rPr>
-              <a:t>-&gt;Encode-&gt;Write</a:t>
-            </a:r>
-            <a:endParaRPr lang="en-US" altLang="zh-CN">
-              <a:sym typeface="+mn-ea"/>
-            </a:endParaRPr>
-          </a:p>
-        </p:txBody>
-      </p:sp>
-      <p:sp>
-        <p:nvSpPr>
-          <p:cNvPr id="10" name="文本框 9"/>
-          <p:cNvSpPr txBox="1"/>
-          <p:nvPr/>
-        </p:nvSpPr>
-        <p:spPr>
-          <a:xfrm>
-            <a:off x="6773545" y="4530090"/>
-            <a:ext cx="4705350" cy="1291590"/>
-          </a:xfrm>
-          <a:prstGeom prst="rect">
-            <a:avLst/>
-          </a:prstGeom>
-          <a:noFill/>
-        </p:spPr>
-        <p:txBody>
-          <a:bodyPr wrap="square" rtlCol="0">
-            <a:spAutoFit/>
-          </a:bodyPr>
-          <a:p>
-            <a:r>
-              <a:rPr lang="en-US" altLang="zh-CN" sz="2400"/>
-              <a:t>Block</a:t>
-            </a:r>
-            <a:r>
-              <a:rPr lang="zh-CN" altLang="en-US" sz="2400"/>
-              <a:t>行为</a:t>
-            </a:r>
-            <a:endParaRPr lang="zh-CN" altLang="en-US"/>
-          </a:p>
-          <a:p>
-            <a:pPr marL="285750" indent="-285750">
-              <a:buFont typeface="Arial" panose="020B0604020202020204" pitchFamily="34" charset="0"/>
-              <a:buChar char="•"/>
-            </a:pPr>
-            <a:r>
-              <a:rPr lang="en-US" altLang="zh-CN"/>
-              <a:t>ServerSocket.accept()</a:t>
-            </a:r>
-            <a:endParaRPr lang="en-US" altLang="zh-CN"/>
-          </a:p>
-          <a:p>
-            <a:pPr marL="285750" indent="-285750">
-              <a:buFont typeface="Arial" panose="020B0604020202020204" pitchFamily="34" charset="0"/>
-              <a:buChar char="•"/>
-            </a:pPr>
-            <a:r>
-              <a:rPr lang="en-US" altLang="zh-CN"/>
-              <a:t>IO</a:t>
-            </a:r>
-            <a:r>
-              <a:rPr lang="zh-CN" altLang="en-US"/>
-              <a:t>操作</a:t>
-            </a:r>
-            <a:r>
-              <a:rPr lang="en-US" altLang="zh-CN"/>
-              <a:t>InputStream</a:t>
-            </a:r>
-            <a:r>
-              <a:rPr lang="zh-CN" altLang="en-US"/>
-              <a:t>的</a:t>
-            </a:r>
-            <a:r>
-              <a:rPr lang="en-US" altLang="zh-CN"/>
-              <a:t>read</a:t>
-            </a:r>
-            <a:r>
-              <a:rPr lang="zh-CN" altLang="en-US"/>
-              <a:t>和</a:t>
-            </a:r>
-            <a:r>
-              <a:rPr lang="en-US" altLang="zh-CN"/>
-              <a:t>OutputStream</a:t>
-            </a:r>
-            <a:r>
-              <a:rPr lang="zh-CN" altLang="en-US"/>
-              <a:t>的</a:t>
-            </a:r>
-            <a:r>
-              <a:rPr lang="en-US" altLang="zh-CN"/>
-              <a:t>write</a:t>
-            </a:r>
-            <a:endParaRPr lang="en-US" altLang="zh-CN"/>
-          </a:p>
-        </p:txBody>
-      </p:sp>
-    </p:spTree>
-  </p:cSld>
-  <p:clrMapOvr>
-    <a:masterClrMapping/>
-  </p:clrMapOvr>
-</p:sld>
-</file>
-
-<file path=ppt/slides/slide5.xml><?xml version="1.0" encoding="utf-8"?>
-<p:sld xmlns:a="http://schemas.openxmlformats.org/drawingml/2006/main" xmlns:r="http://schemas.openxmlformats.org/officeDocument/2006/relationships" xmlns:p="http://schemas.openxmlformats.org/presentationml/2006/main">
-  <p:cSld>
-    <p:spTree>
-      <p:nvGrpSpPr>
-        <p:cNvPr id="1" name=""/>
-        <p:cNvGrpSpPr/>
-        <p:nvPr/>
-      </p:nvGrpSpPr>
-      <p:grpSpPr/>
-      <p:sp>
-        <p:nvSpPr>
-          <p:cNvPr id="2" name="标题 1"/>
-          <p:cNvSpPr>
-            <a:spLocks noGrp="1"/>
-          </p:cNvSpPr>
-          <p:nvPr>
-            <p:ph type="title"/>
-          </p:nvPr>
-        </p:nvSpPr>
-        <p:spPr/>
-        <p:txBody>
-          <a:bodyPr/>
-          <a:p>
-            <a:r>
-              <a:rPr lang="en-US" altLang="zh-CN"/>
-              <a:t>Blocking/</a:t>
-            </a:r>
-            <a:r>
-              <a:rPr lang="zh-CN" altLang="en-US"/>
-              <a:t>阻塞</a:t>
-            </a:r>
-            <a:endParaRPr lang="zh-CN" altLang="en-US"/>
-          </a:p>
-        </p:txBody>
-      </p:sp>
-      <p:pic>
-        <p:nvPicPr>
-          <p:cNvPr id="4" name="图片 3" descr="屏幕快照 2018-09-01 下午3.48.27"/>
-          <p:cNvPicPr>
-            <a:picLocks noChangeAspect="1"/>
-          </p:cNvPicPr>
-          <p:nvPr/>
-        </p:nvPicPr>
-        <p:blipFill>
-          <a:blip r:embed="rId1"/>
-          <a:stretch>
-            <a:fillRect/>
-          </a:stretch>
-        </p:blipFill>
-        <p:spPr>
-          <a:xfrm>
-            <a:off x="5939790" y="455930"/>
-            <a:ext cx="5586095" cy="5946140"/>
-          </a:xfrm>
-          <a:prstGeom prst="rect">
-            <a:avLst/>
-          </a:prstGeom>
-        </p:spPr>
-      </p:pic>
-      <p:pic>
-        <p:nvPicPr>
-          <p:cNvPr id="5" name="图片 4" descr="屏幕快照 2018-09-01 下午3.50.28"/>
-          <p:cNvPicPr>
-            <a:picLocks noChangeAspect="1"/>
-          </p:cNvPicPr>
-          <p:nvPr/>
-        </p:nvPicPr>
-        <p:blipFill>
-          <a:blip r:embed="rId2"/>
-          <a:stretch>
-            <a:fillRect/>
-          </a:stretch>
-        </p:blipFill>
-        <p:spPr>
-          <a:xfrm>
-            <a:off x="544830" y="1691005"/>
-            <a:ext cx="5427980" cy="2371725"/>
-          </a:xfrm>
-          <a:prstGeom prst="rect">
-            <a:avLst/>
-          </a:prstGeom>
-        </p:spPr>
-      </p:pic>
-      <p:cxnSp>
-        <p:nvCxnSpPr>
-          <p:cNvPr id="6" name="直接连接符 5"/>
-          <p:cNvCxnSpPr/>
-          <p:nvPr/>
-        </p:nvCxnSpPr>
-        <p:spPr>
-          <a:xfrm>
-            <a:off x="4777740" y="2433320"/>
-            <a:ext cx="833120" cy="0"/>
-          </a:xfrm>
-          <a:prstGeom prst="line">
-            <a:avLst/>
-          </a:prstGeom>
-          <a:ln w="38100">
-            <a:solidFill>
-              <a:schemeClr val="tx1"/>
-            </a:solidFill>
-          </a:ln>
-        </p:spPr>
-        <p:style>
-          <a:lnRef idx="3">
-            <a:schemeClr val="dk1"/>
-          </a:lnRef>
-          <a:fillRef idx="0">
-            <a:schemeClr val="dk1"/>
-          </a:fillRef>
-          <a:effectRef idx="2">
-            <a:schemeClr val="dk1"/>
-          </a:effectRef>
-          <a:fontRef idx="minor">
-            <a:schemeClr val="tx1"/>
-          </a:fontRef>
-        </p:style>
-      </p:cxnSp>
-      <p:cxnSp>
-        <p:nvCxnSpPr>
-          <p:cNvPr id="7" name="直接连接符 6"/>
-          <p:cNvCxnSpPr/>
-          <p:nvPr/>
-        </p:nvCxnSpPr>
-        <p:spPr>
-          <a:xfrm flipV="1">
-            <a:off x="838200" y="2603500"/>
-            <a:ext cx="4908550" cy="8255"/>
-          </a:xfrm>
-          <a:prstGeom prst="line">
-            <a:avLst/>
-          </a:prstGeom>
-          <a:ln w="38100">
-            <a:solidFill>
-              <a:schemeClr val="tx1"/>
-            </a:solidFill>
-          </a:ln>
-        </p:spPr>
-        <p:style>
-          <a:lnRef idx="3">
-            <a:schemeClr val="dk1"/>
-          </a:lnRef>
-          <a:fillRef idx="0">
-            <a:schemeClr val="dk1"/>
-          </a:fillRef>
-          <a:effectRef idx="2">
-            <a:schemeClr val="dk1"/>
-          </a:effectRef>
-          <a:fontRef idx="minor">
-            <a:schemeClr val="tx1"/>
-          </a:fontRef>
-        </p:style>
-      </p:cxnSp>
-      <p:cxnSp>
-        <p:nvCxnSpPr>
-          <p:cNvPr id="8" name="直接连接符 7"/>
-          <p:cNvCxnSpPr/>
-          <p:nvPr/>
-        </p:nvCxnSpPr>
-        <p:spPr>
-          <a:xfrm flipV="1">
-            <a:off x="854710" y="2773680"/>
-            <a:ext cx="1899285" cy="15240"/>
-          </a:xfrm>
-          <a:prstGeom prst="line">
-            <a:avLst/>
-          </a:prstGeom>
-          <a:ln w="38100">
-            <a:solidFill>
-              <a:schemeClr val="tx1"/>
-            </a:solidFill>
-          </a:ln>
-        </p:spPr>
-        <p:style>
-          <a:lnRef idx="3">
-            <a:schemeClr val="dk1"/>
-          </a:lnRef>
-          <a:fillRef idx="0">
-            <a:schemeClr val="dk1"/>
-          </a:fillRef>
-          <a:effectRef idx="2">
-            <a:schemeClr val="dk1"/>
-          </a:effectRef>
-          <a:fontRef idx="minor">
-            <a:schemeClr val="tx1"/>
-          </a:fontRef>
-        </p:style>
-      </p:cxnSp>
-      <p:cxnSp>
-        <p:nvCxnSpPr>
-          <p:cNvPr id="9" name="直接连接符 8"/>
-          <p:cNvCxnSpPr/>
-          <p:nvPr/>
-        </p:nvCxnSpPr>
-        <p:spPr>
-          <a:xfrm flipV="1">
-            <a:off x="6559550" y="1022350"/>
-            <a:ext cx="3285490" cy="13335"/>
-          </a:xfrm>
-          <a:prstGeom prst="line">
-            <a:avLst/>
-          </a:prstGeom>
-          <a:ln w="38100">
-            <a:solidFill>
-              <a:schemeClr val="tx1"/>
-            </a:solidFill>
-          </a:ln>
-        </p:spPr>
-        <p:style>
-          <a:lnRef idx="3">
-            <a:schemeClr val="dk1"/>
-          </a:lnRef>
-          <a:fillRef idx="0">
-            <a:schemeClr val="dk1"/>
-          </a:fillRef>
-          <a:effectRef idx="2">
-            <a:schemeClr val="dk1"/>
-          </a:effectRef>
-          <a:fontRef idx="minor">
-            <a:schemeClr val="tx1"/>
-          </a:fontRef>
-        </p:style>
-      </p:cxnSp>
-    </p:spTree>
-  </p:cSld>
-  <p:clrMapOvr>
-    <a:masterClrMapping/>
-  </p:clrMapOvr>
-</p:sld>
-</file>
-
-<file path=ppt/slides/slide6.xml><?xml version="1.0" encoding="utf-8"?>
-<p:sld xmlns:a="http://schemas.openxmlformats.org/drawingml/2006/main" xmlns:r="http://schemas.openxmlformats.org/officeDocument/2006/relationships" xmlns:p="http://schemas.openxmlformats.org/presentationml/2006/main">
-  <p:cSld>
-    <p:spTree>
-      <p:nvGrpSpPr>
-        <p:cNvPr id="1" name=""/>
-        <p:cNvGrpSpPr/>
-        <p:nvPr/>
-      </p:nvGrpSpPr>
-      <p:grpSpPr/>
-      <p:sp>
-        <p:nvSpPr>
-          <p:cNvPr id="2" name="标题 1"/>
-          <p:cNvSpPr>
-            <a:spLocks noGrp="1"/>
-          </p:cNvSpPr>
-          <p:nvPr>
-            <p:ph type="title"/>
-          </p:nvPr>
-        </p:nvSpPr>
-        <p:spPr/>
-        <p:txBody>
-          <a:bodyPr>
-            <a:normAutofit/>
-          </a:bodyPr>
-          <a:p>
-            <a:r>
-              <a:rPr lang="en-US" altLang="zh-CN">
-                <a:sym typeface="+mn-ea"/>
-              </a:rPr>
-              <a:t>Blocking/</a:t>
-            </a:r>
-            <a:r>
-              <a:rPr lang="zh-CN" altLang="en-US">
-                <a:sym typeface="+mn-ea"/>
-              </a:rPr>
-              <a:t>阻塞</a:t>
-            </a:r>
-            <a:endParaRPr lang="zh-CN" altLang="en-US"/>
-          </a:p>
-        </p:txBody>
-      </p:sp>
-      <p:sp>
-        <p:nvSpPr>
-          <p:cNvPr id="3" name="内容占位符 2"/>
-          <p:cNvSpPr>
-            <a:spLocks noGrp="1"/>
-          </p:cNvSpPr>
-          <p:nvPr>
-            <p:ph idx="1"/>
-          </p:nvPr>
-        </p:nvSpPr>
-        <p:spPr/>
-        <p:txBody>
-          <a:bodyPr/>
-          <a:p>
-            <a:pPr marL="0" indent="0">
-              <a:buNone/>
-            </a:pPr>
-            <a:r>
-              <a:rPr lang="zh-CN" altLang="en-US"/>
-              <a:t>假设我有十个快递，而且一定要收齐了才算是达到我的目的</a:t>
-            </a:r>
-            <a:r>
-              <a:rPr lang="en-US" altLang="zh-CN"/>
-              <a:t>...</a:t>
-            </a:r>
-            <a:endParaRPr lang="en-US" altLang="zh-CN"/>
-          </a:p>
-        </p:txBody>
-      </p:sp>
-      <p:pic>
-        <p:nvPicPr>
-          <p:cNvPr id="4" name="图片 3" descr="屏幕快照 2018-09-01 下午4.55.54"/>
-          <p:cNvPicPr>
-            <a:picLocks noChangeAspect="1"/>
-          </p:cNvPicPr>
-          <p:nvPr/>
-        </p:nvPicPr>
-        <p:blipFill>
-          <a:blip r:embed="rId1"/>
-          <a:stretch>
-            <a:fillRect/>
-          </a:stretch>
-        </p:blipFill>
-        <p:spPr>
-          <a:xfrm>
-            <a:off x="2846070" y="3013710"/>
-            <a:ext cx="6108700" cy="1739900"/>
-          </a:xfrm>
-          <a:prstGeom prst="rect">
-            <a:avLst/>
-          </a:prstGeom>
-        </p:spPr>
-      </p:pic>
-    </p:spTree>
-  </p:cSld>
-  <p:clrMapOvr>
-    <a:masterClrMapping/>
-  </p:clrMapOvr>
-</p:sld>
-</file>
-
-<file path=ppt/slides/slide7.xml><?xml version="1.0" encoding="utf-8"?>
 <p:sld xmlns:a="http://schemas.openxmlformats.org/drawingml/2006/main" xmlns:r="http://schemas.openxmlformats.org/officeDocument/2006/relationships" xmlns:p="http://schemas.openxmlformats.org/presentationml/2006/main">
   <p:cSld>
     <p:spTree>
@@ -7048,8 +6293,8 @@
         </p:blipFill>
         <p:spPr>
           <a:xfrm>
-            <a:off x="156845" y="1096010"/>
-            <a:ext cx="6047740" cy="4665345"/>
+            <a:off x="346710" y="3836035"/>
+            <a:ext cx="5721350" cy="1856105"/>
           </a:xfrm>
           <a:prstGeom prst="rect">
             <a:avLst/>
@@ -7072,17 +6317,41 @@
         </p:blipFill>
         <p:spPr>
           <a:xfrm>
-            <a:off x="5913755" y="1096010"/>
-            <a:ext cx="6047105" cy="4665345"/>
+            <a:off x="323850" y="1304290"/>
+            <a:ext cx="5744210" cy="2251710"/>
           </a:xfrm>
           <a:prstGeom prst="rect">
             <a:avLst/>
           </a:prstGeom>
         </p:spPr>
       </p:pic>
-      <p:sp>
-        <p:nvSpPr>
-          <p:cNvPr id="6" name="标题 5"/>
+      <p:pic>
+        <p:nvPicPr>
+          <p:cNvPr id="6" name="图片 5"/>
+          <p:cNvPicPr>
+            <a:picLocks noChangeAspect="1"/>
+          </p:cNvPicPr>
+          <p:nvPr/>
+        </p:nvPicPr>
+        <p:blipFill>
+          <a:blip r:embed="rId3"/>
+          <a:stretch>
+            <a:fillRect/>
+          </a:stretch>
+        </p:blipFill>
+        <p:spPr>
+          <a:xfrm>
+            <a:off x="5981065" y="1466850"/>
+            <a:ext cx="6043930" cy="3924300"/>
+          </a:xfrm>
+          <a:prstGeom prst="rect">
+            <a:avLst/>
+          </a:prstGeom>
+        </p:spPr>
+      </p:pic>
+      <p:sp>
+        <p:nvSpPr>
+          <p:cNvPr id="8" name="标题 7"/>
           <p:cNvSpPr>
             <a:spLocks noGrp="1"/>
           </p:cNvSpPr>
@@ -7095,27 +6364,305 @@
           <a:bodyPr/>
           <a:p>
             <a:r>
-              <a:rPr lang="zh-CN" altLang="en-US"/>
-              <a:t>相关</a:t>
-            </a:r>
-            <a:r>
-              <a:rPr lang="en-US" altLang="zh-CN"/>
-              <a:t>1</a:t>
+              <a:rPr lang="en-US" altLang="zh-CN"/>
+              <a:t>Reactor Design</a:t>
+            </a:r>
+            <a:r>
+              <a:rPr lang="zh-CN" altLang="en-US"/>
+              <a:t>的变化</a:t>
+            </a:r>
+            <a:endParaRPr lang="zh-CN" altLang="en-US"/>
+          </a:p>
+        </p:txBody>
+      </p:sp>
+      <p:cxnSp>
+        <p:nvCxnSpPr>
+          <p:cNvPr id="9" name="直接连接符 8"/>
+          <p:cNvCxnSpPr/>
+          <p:nvPr/>
+        </p:nvCxnSpPr>
+        <p:spPr>
+          <a:xfrm>
+            <a:off x="6075680" y="1459865"/>
+            <a:ext cx="0" cy="4289425"/>
+          </a:xfrm>
+          <a:prstGeom prst="line">
+            <a:avLst/>
+          </a:prstGeom>
+          <a:ln w="38100"/>
+        </p:spPr>
+        <p:style>
+          <a:lnRef idx="1">
+            <a:schemeClr val="dk1"/>
+          </a:lnRef>
+          <a:fillRef idx="0">
+            <a:schemeClr val="dk1"/>
+          </a:fillRef>
+          <a:effectRef idx="0">
+            <a:schemeClr val="dk1"/>
+          </a:effectRef>
+          <a:fontRef idx="minor">
+            <a:schemeClr val="tx1"/>
+          </a:fontRef>
+        </p:style>
+      </p:cxnSp>
+      <p:cxnSp>
+        <p:nvCxnSpPr>
+          <p:cNvPr id="10" name="直接连接符 9"/>
+          <p:cNvCxnSpPr/>
+          <p:nvPr/>
+        </p:nvCxnSpPr>
+        <p:spPr>
+          <a:xfrm flipH="1">
+            <a:off x="481965" y="3702050"/>
+            <a:ext cx="5580380" cy="0"/>
+          </a:xfrm>
+          <a:prstGeom prst="line">
+            <a:avLst/>
+          </a:prstGeom>
+          <a:ln w="38100"/>
+        </p:spPr>
+        <p:style>
+          <a:lnRef idx="1">
+            <a:schemeClr val="accent1"/>
+          </a:lnRef>
+          <a:fillRef idx="0">
+            <a:schemeClr val="accent1"/>
+          </a:fillRef>
+          <a:effectRef idx="0">
+            <a:schemeClr val="accent1"/>
+          </a:effectRef>
+          <a:fontRef idx="minor">
+            <a:schemeClr val="tx1"/>
+          </a:fontRef>
+        </p:style>
+      </p:cxnSp>
+    </p:spTree>
+  </p:cSld>
+  <p:clrMapOvr>
+    <a:masterClrMapping/>
+  </p:clrMapOvr>
+</p:sld>
+</file>
+
+<file path=ppt/slides/slide17.xml><?xml version="1.0" encoding="utf-8"?>
+<p:sld xmlns:a="http://schemas.openxmlformats.org/drawingml/2006/main" xmlns:r="http://schemas.openxmlformats.org/officeDocument/2006/relationships" xmlns:p="http://schemas.openxmlformats.org/presentationml/2006/main">
+  <p:cSld>
+    <p:spTree>
+      <p:nvGrpSpPr>
+        <p:cNvPr id="1" name=""/>
+        <p:cNvGrpSpPr/>
+        <p:nvPr/>
+      </p:nvGrpSpPr>
+      <p:grpSpPr/>
+      <p:sp>
+        <p:nvSpPr>
+          <p:cNvPr id="2" name="标题 1"/>
+          <p:cNvSpPr>
+            <a:spLocks noGrp="1"/>
+          </p:cNvSpPr>
+          <p:nvPr>
+            <p:ph type="title"/>
+          </p:nvPr>
+        </p:nvSpPr>
+        <p:spPr/>
+        <p:txBody>
+          <a:bodyPr/>
+          <a:p>
+            <a:r>
+              <a:rPr lang="zh-CN" altLang="en-US"/>
+              <a:t>参考</a:t>
+            </a:r>
+            <a:endParaRPr lang="zh-CN" altLang="en-US"/>
+          </a:p>
+        </p:txBody>
+      </p:sp>
+      <p:sp>
+        <p:nvSpPr>
+          <p:cNvPr id="3" name="内容占位符 2"/>
+          <p:cNvSpPr>
+            <a:spLocks noGrp="1"/>
+          </p:cNvSpPr>
+          <p:nvPr>
+            <p:ph idx="1"/>
+          </p:nvPr>
+        </p:nvSpPr>
+        <p:spPr/>
+        <p:txBody>
+          <a:bodyPr/>
+          <a:p>
+            <a:r>
+              <a:rPr lang="en-US" altLang="zh-CN"/>
+              <a:t>Scalable IO in Java</a:t>
+            </a:r>
+            <a:r>
+              <a:rPr lang="zh-CN" altLang="en-US">
+                <a:sym typeface="+mn-ea"/>
+              </a:rPr>
+              <a:t>，</a:t>
+            </a:r>
+            <a:r>
+              <a:rPr lang="en-US" altLang="zh-CN">
+                <a:sym typeface="+mn-ea"/>
+              </a:rPr>
+              <a:t>Doug Lea</a:t>
+            </a:r>
+            <a:endParaRPr lang="zh-CN" altLang="en-US"/>
+          </a:p>
+          <a:p>
+            <a:pPr marL="457200" lvl="1" indent="0">
+              <a:buNone/>
+            </a:pPr>
+            <a:r>
+              <a:rPr lang="zh-CN" altLang="en-US"/>
+              <a:t>http://gee.cs.oswego.edu/dl/cpjslides/nio.pdf</a:t>
+            </a:r>
+            <a:endParaRPr lang="zh-CN" altLang="en-US"/>
+          </a:p>
+          <a:p>
+            <a:r>
+              <a:rPr lang="zh-CN" altLang="en-US"/>
+              <a:t>有人要将</a:t>
+            </a:r>
+            <a:r>
+              <a:rPr lang="en-US" altLang="zh-CN"/>
+              <a:t>“</a:t>
+            </a:r>
+            <a:r>
+              <a:rPr lang="zh-CN" altLang="en-US"/>
+              <a:t>高并发</a:t>
+            </a:r>
+            <a:r>
+              <a:rPr lang="en-US" altLang="zh-CN"/>
+              <a:t>”</a:t>
+            </a:r>
+            <a:r>
+              <a:rPr lang="zh-CN" altLang="en-US"/>
+              <a:t>拉下</a:t>
+            </a:r>
+            <a:r>
+              <a:rPr lang="en-US" altLang="zh-CN"/>
+              <a:t>“</a:t>
+            </a:r>
+            <a:r>
+              <a:rPr lang="zh-CN" altLang="en-US"/>
+              <a:t>神坛</a:t>
+            </a:r>
+            <a:r>
+              <a:rPr lang="en-US" altLang="zh-CN"/>
+              <a:t>”</a:t>
             </a:r>
             <a:endParaRPr lang="en-US" altLang="zh-CN"/>
           </a:p>
-        </p:txBody>
-      </p:sp>
-      <p:sp>
-        <p:nvSpPr>
-          <p:cNvPr id="7" name="文本框 6"/>
+          <a:p>
+            <a:pPr marL="457200" lvl="1" indent="0">
+              <a:buNone/>
+            </a:pPr>
+            <a:r>
+              <a:rPr lang="zh-CN" altLang="en-US"/>
+              <a:t>https://mp.weixin.qq.com/s/KXBcWmO1MMPmQ_nytCBRkQ</a:t>
+            </a:r>
+            <a:endParaRPr lang="zh-CN" altLang="en-US"/>
+          </a:p>
+          <a:p>
+            <a:r>
+              <a:rPr lang="zh-CN" altLang="en-US" sz="2800"/>
+              <a:t>Netty系列之Netty高性能之道，李林峰</a:t>
+            </a:r>
+            <a:endParaRPr lang="zh-CN" altLang="en-US" sz="2800"/>
+          </a:p>
+          <a:p>
+            <a:pPr lvl="1"/>
+            <a:r>
+              <a:rPr lang="zh-CN" altLang="en-US"/>
+              <a:t>http://www.infoq.com/cn/articles/netty-high-performance</a:t>
+            </a:r>
+            <a:endParaRPr lang="zh-CN" altLang="en-US"/>
+          </a:p>
+          <a:p>
+            <a:r>
+              <a:rPr lang="en-US" altLang="zh-CN">
+                <a:solidFill>
+                  <a:schemeClr val="bg1"/>
+                </a:solidFill>
+              </a:rPr>
+              <a:t>todo</a:t>
+            </a:r>
+            <a:endParaRPr lang="en-US" altLang="zh-CN">
+              <a:solidFill>
+                <a:schemeClr val="bg1"/>
+              </a:solidFill>
+            </a:endParaRPr>
+          </a:p>
+          <a:p>
+            <a:r>
+              <a:rPr lang="zh-CN" altLang="en-US">
+                <a:solidFill>
+                  <a:schemeClr val="tx1"/>
+                </a:solidFill>
+              </a:rPr>
+              <a:t>代码</a:t>
+            </a:r>
+            <a:r>
+              <a:rPr lang="en-US" altLang="zh-CN">
+                <a:solidFill>
+                  <a:schemeClr val="tx1"/>
+                </a:solidFill>
+              </a:rPr>
+              <a:t>demo</a:t>
+            </a:r>
+            <a:r>
+              <a:rPr lang="zh-CN" altLang="en-US">
+                <a:solidFill>
+                  <a:schemeClr val="tx1"/>
+                </a:solidFill>
+              </a:rPr>
+              <a:t>：</a:t>
+            </a:r>
+            <a:r>
+              <a:rPr lang="en-US" altLang="zh-CN">
+                <a:solidFill>
+                  <a:schemeClr val="tx1"/>
+                </a:solidFill>
+              </a:rPr>
+              <a:t>https://github.com/zy475459736/progress/tree/master/io</a:t>
+            </a:r>
+            <a:endParaRPr lang="en-US" altLang="zh-CN">
+              <a:solidFill>
+                <a:schemeClr val="tx1"/>
+              </a:solidFill>
+            </a:endParaRPr>
+          </a:p>
+        </p:txBody>
+      </p:sp>
+    </p:spTree>
+  </p:cSld>
+  <p:clrMapOvr>
+    <a:masterClrMapping/>
+  </p:clrMapOvr>
+</p:sld>
+</file>
+
+<file path=ppt/slides/slide18.xml><?xml version="1.0" encoding="utf-8"?>
+<p:sld xmlns:a="http://schemas.openxmlformats.org/drawingml/2006/main" xmlns:r="http://schemas.openxmlformats.org/officeDocument/2006/relationships" xmlns:p="http://schemas.openxmlformats.org/presentationml/2006/main">
+  <p:cSld>
+    <p:spTree>
+      <p:nvGrpSpPr>
+        <p:cNvPr id="1" name=""/>
+        <p:cNvGrpSpPr/>
+        <p:nvPr/>
+      </p:nvGrpSpPr>
+      <p:grpSpPr/>
+      <p:sp>
+        <p:nvSpPr>
+          <p:cNvPr id="4" name="文本框 3"/>
           <p:cNvSpPr txBox="1"/>
           <p:nvPr/>
         </p:nvSpPr>
         <p:spPr>
           <a:xfrm>
-            <a:off x="838200" y="5656580"/>
-            <a:ext cx="10767695" cy="368300"/>
+            <a:off x="5320030" y="2646045"/>
+            <a:ext cx="1551940" cy="768350"/>
           </a:xfrm>
           <a:prstGeom prst="rect">
             <a:avLst/>
@@ -7123,20 +6670,2435 @@
           <a:noFill/>
         </p:spPr>
         <p:txBody>
-          <a:bodyPr wrap="none" rtlCol="0" anchor="t">
+          <a:bodyPr wrap="square" rtlCol="0">
             <a:spAutoFit/>
           </a:bodyPr>
           <a:p>
+            <a:r>
+              <a:rPr lang="zh-CN" altLang="en-US" sz="4400"/>
+              <a:t>谢 谢</a:t>
+            </a:r>
+            <a:endParaRPr lang="zh-CN" altLang="en-US" sz="4400"/>
+          </a:p>
+        </p:txBody>
+      </p:sp>
+    </p:spTree>
+  </p:cSld>
+  <p:clrMapOvr>
+    <a:masterClrMapping/>
+  </p:clrMapOvr>
+</p:sld>
+</file>
+
+<file path=ppt/slides/slide2.xml><?xml version="1.0" encoding="utf-8"?>
+<p:sld xmlns:a="http://schemas.openxmlformats.org/drawingml/2006/main" xmlns:r="http://schemas.openxmlformats.org/officeDocument/2006/relationships" xmlns:p="http://schemas.openxmlformats.org/presentationml/2006/main">
+  <p:cSld>
+    <p:spTree>
+      <p:nvGrpSpPr>
+        <p:cNvPr id="1" name=""/>
+        <p:cNvGrpSpPr/>
+        <p:nvPr/>
+      </p:nvGrpSpPr>
+      <p:grpSpPr/>
+      <p:sp>
+        <p:nvSpPr>
+          <p:cNvPr id="2" name="标题 1"/>
+          <p:cNvSpPr>
+            <a:spLocks noGrp="1"/>
+          </p:cNvSpPr>
+          <p:nvPr>
+            <p:ph type="title"/>
+          </p:nvPr>
+        </p:nvSpPr>
+        <p:spPr/>
+        <p:txBody>
+          <a:bodyPr/>
+          <a:p>
+            <a:r>
+              <a:rPr lang="en-US" altLang="zh-CN"/>
+              <a:t>Content</a:t>
+            </a:r>
+            <a:endParaRPr lang="en-US" altLang="zh-CN"/>
+          </a:p>
+        </p:txBody>
+      </p:sp>
+      <p:sp>
+        <p:nvSpPr>
+          <p:cNvPr id="3" name="内容占位符 2"/>
+          <p:cNvSpPr>
+            <a:spLocks noGrp="1"/>
+          </p:cNvSpPr>
+          <p:nvPr>
+            <p:ph idx="1"/>
+          </p:nvPr>
+        </p:nvSpPr>
+        <p:spPr/>
+        <p:txBody>
+          <a:bodyPr>
+            <a:normAutofit lnSpcReduction="10000"/>
+          </a:bodyPr>
+          <a:p>
+            <a:r>
+              <a:rPr lang="zh-CN" altLang="en-US"/>
+              <a:t>问题域</a:t>
+            </a:r>
+            <a:endParaRPr lang="zh-CN" altLang="en-US"/>
+          </a:p>
+          <a:p>
+            <a:r>
+              <a:rPr lang="en-US" altLang="zh-CN"/>
+              <a:t>BIO Model &amp; Code</a:t>
+            </a:r>
+            <a:endParaRPr lang="en-US" altLang="zh-CN"/>
+          </a:p>
+          <a:p>
+            <a:r>
+              <a:rPr lang="zh-CN" altLang="en-US"/>
+              <a:t>阻塞</a:t>
+            </a:r>
+            <a:r>
+              <a:rPr lang="en-US" altLang="zh-CN"/>
+              <a:t>/</a:t>
+            </a:r>
+            <a:r>
+              <a:rPr lang="zh-CN" altLang="en-US"/>
+              <a:t>非阻塞 同步</a:t>
+            </a:r>
+            <a:r>
+              <a:rPr lang="en-US" altLang="zh-CN"/>
+              <a:t>/</a:t>
+            </a:r>
+            <a:r>
+              <a:rPr lang="zh-CN" altLang="en-US"/>
+              <a:t>异步的理解</a:t>
+            </a:r>
+            <a:endParaRPr lang="zh-CN" altLang="en-US"/>
+          </a:p>
+          <a:p>
+            <a:r>
+              <a:rPr lang="en-US" altLang="zh-CN"/>
+              <a:t>Reactor Pattern </a:t>
+            </a:r>
+            <a:r>
+              <a:rPr lang="zh-CN" altLang="en-US"/>
+              <a:t>的理解</a:t>
+            </a:r>
+            <a:endParaRPr lang="zh-CN" altLang="en-US"/>
+          </a:p>
+          <a:p>
+            <a:pPr lvl="1"/>
+            <a:r>
+              <a:rPr lang="en-US" altLang="zh-CN">
+                <a:sym typeface="+mn-ea"/>
+              </a:rPr>
+              <a:t>Reactor</a:t>
+            </a:r>
             <a:r>
               <a:rPr lang="zh-CN" altLang="en-US">
                 <a:sym typeface="+mn-ea"/>
               </a:rPr>
-              <a:t>网络IO，会涉及到两个系统对象，一个是调用这个IO的process（or thread），另一个是系统内核（kernel）</a:t>
-            </a:r>
-            <a:endParaRPr lang="zh-CN" altLang="en-US"/>
-          </a:p>
-        </p:txBody>
-      </p:sp>
+              <a:t>抽象 分层</a:t>
+            </a:r>
+            <a:endParaRPr lang="zh-CN" altLang="en-US"/>
+          </a:p>
+          <a:p>
+            <a:pPr lvl="1"/>
+            <a:r>
+              <a:rPr lang="zh-CN" altLang="en-US"/>
+              <a:t>分治</a:t>
+            </a:r>
+            <a:endParaRPr lang="zh-CN" altLang="en-US"/>
+          </a:p>
+          <a:p>
+            <a:pPr lvl="1"/>
+            <a:r>
+              <a:rPr lang="zh-CN" altLang="en-US"/>
+              <a:t>事件驱动设计</a:t>
+            </a:r>
+            <a:endParaRPr lang="zh-CN" altLang="en-US"/>
+          </a:p>
+          <a:p>
+            <a:pPr lvl="1"/>
+            <a:r>
+              <a:rPr lang="en-US" altLang="zh-CN"/>
+              <a:t>Java NIO</a:t>
+            </a:r>
+            <a:endParaRPr lang="en-US" altLang="zh-CN"/>
+          </a:p>
+          <a:p>
+            <a:pPr lvl="1"/>
+            <a:r>
+              <a:rPr lang="zh-CN" altLang="en-US"/>
+              <a:t>变化</a:t>
+            </a:r>
+            <a:r>
+              <a:rPr lang="en-US" altLang="zh-CN"/>
+              <a:t>/</a:t>
+            </a:r>
+            <a:r>
+              <a:rPr lang="zh-CN" altLang="en-US"/>
+              <a:t>演化</a:t>
+            </a:r>
+            <a:endParaRPr lang="zh-CN" altLang="en-US"/>
+          </a:p>
+        </p:txBody>
+      </p:sp>
+    </p:spTree>
+  </p:cSld>
+  <p:clrMapOvr>
+    <a:masterClrMapping/>
+  </p:clrMapOvr>
+</p:sld>
+</file>
+
+<file path=ppt/slides/slide3.xml><?xml version="1.0" encoding="utf-8"?>
+<p:sld xmlns:a="http://schemas.openxmlformats.org/drawingml/2006/main" xmlns:r="http://schemas.openxmlformats.org/officeDocument/2006/relationships" xmlns:p="http://schemas.openxmlformats.org/presentationml/2006/main">
+  <p:cSld>
+    <p:spTree>
+      <p:nvGrpSpPr>
+        <p:cNvPr id="1" name=""/>
+        <p:cNvGrpSpPr/>
+        <p:nvPr/>
+      </p:nvGrpSpPr>
+      <p:grpSpPr/>
+      <p:sp>
+        <p:nvSpPr>
+          <p:cNvPr id="2" name="标题 1"/>
+          <p:cNvSpPr>
+            <a:spLocks noGrp="1"/>
+          </p:cNvSpPr>
+          <p:nvPr>
+            <p:ph type="title"/>
+          </p:nvPr>
+        </p:nvSpPr>
+        <p:spPr/>
+        <p:txBody>
+          <a:bodyPr/>
+          <a:p>
+            <a:r>
+              <a:rPr lang="zh-CN" altLang="en-US"/>
+              <a:t>问题域</a:t>
+            </a:r>
+            <a:endParaRPr lang="zh-CN" altLang="en-US"/>
+          </a:p>
+        </p:txBody>
+      </p:sp>
+      <p:sp>
+        <p:nvSpPr>
+          <p:cNvPr id="3" name="内容占位符 2"/>
+          <p:cNvSpPr>
+            <a:spLocks noGrp="1"/>
+          </p:cNvSpPr>
+          <p:nvPr>
+            <p:ph idx="1"/>
+          </p:nvPr>
+        </p:nvSpPr>
+        <p:spPr/>
+        <p:txBody>
+          <a:bodyPr/>
+          <a:p>
+            <a:pPr marL="0" indent="0">
+              <a:buNone/>
+            </a:pPr>
+            <a:r>
+              <a:rPr lang="en-US" altLang="zh-CN"/>
+              <a:t>Netty is an asynchronous event-driven network application framework for rapid development of mantainable high performance protocol servers &amp; clients.</a:t>
+            </a:r>
+            <a:endParaRPr lang="en-US" altLang="zh-CN"/>
+          </a:p>
+          <a:p>
+            <a:pPr marL="0" indent="0">
+              <a:buNone/>
+            </a:pPr>
+            <a:endParaRPr lang="zh-CN" altLang="en-US"/>
+          </a:p>
+          <a:p>
+            <a:r>
+              <a:rPr lang="en-US" altLang="zh-CN">
+                <a:sym typeface="+mn-ea"/>
+              </a:rPr>
+              <a:t>asynchronous ?</a:t>
+            </a:r>
+            <a:endParaRPr lang="en-US" altLang="zh-CN">
+              <a:sym typeface="+mn-ea"/>
+            </a:endParaRPr>
+          </a:p>
+          <a:p>
+            <a:r>
+              <a:rPr lang="en-US" altLang="zh-CN">
+                <a:sym typeface="+mn-ea"/>
+              </a:rPr>
+              <a:t>event-driven ?</a:t>
+            </a:r>
+            <a:endParaRPr lang="en-US" altLang="zh-CN">
+              <a:sym typeface="+mn-ea"/>
+            </a:endParaRPr>
+          </a:p>
+          <a:p>
+            <a:r>
+              <a:rPr lang="zh-CN" altLang="en-US"/>
+              <a:t>高性能的原理</a:t>
+            </a:r>
+            <a:r>
+              <a:rPr lang="zh-CN" altLang="en-US"/>
+              <a:t>？</a:t>
+            </a:r>
+            <a:endParaRPr lang="zh-CN" altLang="en-US"/>
+          </a:p>
+          <a:p>
+            <a:r>
+              <a:rPr lang="en-US" altLang="zh-CN">
+                <a:solidFill>
+                  <a:schemeClr val="bg1">
+                    <a:lumMod val="85000"/>
+                  </a:schemeClr>
+                </a:solidFill>
+              </a:rPr>
+              <a:t>quick &amp; easy</a:t>
+            </a:r>
+            <a:r>
+              <a:rPr lang="zh-CN" altLang="en-US">
+                <a:solidFill>
+                  <a:schemeClr val="bg1">
+                    <a:lumMod val="85000"/>
+                  </a:schemeClr>
+                </a:solidFill>
+              </a:rPr>
+              <a:t>？</a:t>
+            </a:r>
+            <a:endParaRPr lang="zh-CN" altLang="en-US">
+              <a:solidFill>
+                <a:schemeClr val="bg1">
+                  <a:lumMod val="85000"/>
+                </a:schemeClr>
+              </a:solidFill>
+            </a:endParaRPr>
+          </a:p>
+        </p:txBody>
+      </p:sp>
+      <p:sp>
+        <p:nvSpPr>
+          <p:cNvPr id="6" name="圆角矩形标注 5"/>
+          <p:cNvSpPr/>
+          <p:nvPr/>
+        </p:nvSpPr>
+        <p:spPr>
+          <a:xfrm>
+            <a:off x="5527040" y="3616960"/>
+            <a:ext cx="5488940" cy="1833245"/>
+          </a:xfrm>
+          <a:prstGeom prst="wedgeRoundRectCallout">
+            <a:avLst/>
+          </a:prstGeom>
+        </p:spPr>
+        <p:style>
+          <a:lnRef idx="2">
+            <a:schemeClr val="accent1">
+              <a:shade val="50000"/>
+            </a:schemeClr>
+          </a:lnRef>
+          <a:fillRef idx="1">
+            <a:schemeClr val="accent1"/>
+          </a:fillRef>
+          <a:effectRef idx="0">
+            <a:schemeClr val="accent1"/>
+          </a:effectRef>
+          <a:fontRef idx="minor">
+            <a:schemeClr val="lt1"/>
+          </a:fontRef>
+        </p:style>
+        <p:txBody>
+          <a:bodyPr rtlCol="0" anchor="ctr"/>
+          <a:p>
+            <a:pPr algn="ctr"/>
+            <a:r>
+              <a:rPr lang="zh-CN" altLang="en-US">
+                <a:sym typeface="+mn-ea"/>
+              </a:rPr>
+              <a:t>它们是什么？</a:t>
+            </a:r>
+            <a:endParaRPr lang="zh-CN" altLang="en-US">
+              <a:sym typeface="+mn-ea"/>
+            </a:endParaRPr>
+          </a:p>
+          <a:p>
+            <a:pPr algn="ctr"/>
+            <a:r>
+              <a:rPr lang="zh-CN" altLang="en-US">
+                <a:sym typeface="+mn-ea"/>
+              </a:rPr>
+              <a:t>为什么要这么设计？</a:t>
+            </a:r>
+            <a:endParaRPr lang="zh-CN" altLang="en-US">
+              <a:sym typeface="+mn-ea"/>
+            </a:endParaRPr>
+          </a:p>
+          <a:p>
+            <a:pPr algn="ctr"/>
+            <a:r>
+              <a:rPr lang="zh-CN" altLang="en-US">
+                <a:sym typeface="+mn-ea"/>
+              </a:rPr>
+              <a:t>如何实现？</a:t>
+            </a:r>
+            <a:endParaRPr lang="zh-CN" altLang="en-US">
+              <a:sym typeface="+mn-ea"/>
+            </a:endParaRPr>
+          </a:p>
+          <a:p>
+            <a:pPr algn="ctr"/>
+            <a:r>
+              <a:rPr lang="zh-CN" altLang="en-US">
+                <a:sym typeface="+mn-ea"/>
+              </a:rPr>
+              <a:t>怎么着就比其他的实现性能更好了？</a:t>
+            </a:r>
+            <a:endParaRPr lang="zh-CN" altLang="en-US">
+              <a:sym typeface="+mn-ea"/>
+            </a:endParaRPr>
+          </a:p>
+          <a:p>
+            <a:pPr algn="ctr"/>
+            <a:r>
+              <a:rPr lang="en-US" altLang="zh-CN">
+                <a:sym typeface="+mn-ea"/>
+              </a:rPr>
+              <a:t>Netty</a:t>
+            </a:r>
+            <a:r>
+              <a:rPr lang="zh-CN" altLang="en-US">
+                <a:sym typeface="+mn-ea"/>
+              </a:rPr>
+              <a:t>怎么让我们可以很快很简单地实现需求了</a:t>
+            </a:r>
+            <a:r>
+              <a:rPr lang="zh-CN" altLang="en-US">
+                <a:sym typeface="+mn-ea"/>
+              </a:rPr>
+              <a:t>？</a:t>
+            </a:r>
+            <a:endParaRPr lang="zh-CN" altLang="en-US">
+              <a:sym typeface="+mn-ea"/>
+            </a:endParaRPr>
+          </a:p>
+        </p:txBody>
+      </p:sp>
+    </p:spTree>
+  </p:cSld>
+  <p:clrMapOvr>
+    <a:masterClrMapping/>
+  </p:clrMapOvr>
+</p:sld>
+</file>
+
+<file path=ppt/slides/slide4.xml><?xml version="1.0" encoding="utf-8"?>
+<p:sld xmlns:a="http://schemas.openxmlformats.org/drawingml/2006/main" xmlns:r="http://schemas.openxmlformats.org/officeDocument/2006/relationships" xmlns:p="http://schemas.openxmlformats.org/presentationml/2006/main">
+  <p:cSld>
+    <p:spTree>
+      <p:nvGrpSpPr>
+        <p:cNvPr id="1" name=""/>
+        <p:cNvGrpSpPr/>
+        <p:nvPr/>
+      </p:nvGrpSpPr>
+      <p:grpSpPr/>
+      <p:sp>
+        <p:nvSpPr>
+          <p:cNvPr id="15" name="矩形 14"/>
+          <p:cNvSpPr/>
+          <p:nvPr/>
+        </p:nvSpPr>
+        <p:spPr>
+          <a:xfrm>
+            <a:off x="5983605" y="1397635"/>
+            <a:ext cx="5930265" cy="1043940"/>
+          </a:xfrm>
+          <a:prstGeom prst="rect">
+            <a:avLst/>
+          </a:prstGeom>
+          <a:ln w="38100">
+            <a:solidFill>
+              <a:schemeClr val="tx1"/>
+            </a:solidFill>
+          </a:ln>
+        </p:spPr>
+        <p:style>
+          <a:lnRef idx="2">
+            <a:schemeClr val="accent4"/>
+          </a:lnRef>
+          <a:fillRef idx="1">
+            <a:schemeClr val="lt1"/>
+          </a:fillRef>
+          <a:effectRef idx="0">
+            <a:schemeClr val="accent4"/>
+          </a:effectRef>
+          <a:fontRef idx="minor">
+            <a:schemeClr val="dk1"/>
+          </a:fontRef>
+        </p:style>
+        <p:txBody>
+          <a:bodyPr rtlCol="0" anchor="ctr"/>
+          <a:p>
+            <a:pPr algn="ctr"/>
+            <a:endParaRPr lang="zh-CN" altLang="en-US"/>
+          </a:p>
+        </p:txBody>
+      </p:sp>
+      <p:sp>
+        <p:nvSpPr>
+          <p:cNvPr id="2" name="标题 1"/>
+          <p:cNvSpPr>
+            <a:spLocks noGrp="1"/>
+          </p:cNvSpPr>
+          <p:nvPr>
+            <p:ph type="title"/>
+          </p:nvPr>
+        </p:nvSpPr>
+        <p:spPr>
+          <a:xfrm>
+            <a:off x="838200" y="379730"/>
+            <a:ext cx="10515600" cy="1325563"/>
+          </a:xfrm>
+        </p:spPr>
+        <p:txBody>
+          <a:bodyPr/>
+          <a:p>
+            <a:r>
+              <a:rPr lang="en-US" altLang="zh-CN"/>
+              <a:t>BIO Model</a:t>
+            </a:r>
+            <a:endParaRPr lang="zh-CN" altLang="en-US"/>
+          </a:p>
+        </p:txBody>
+      </p:sp>
+      <p:sp>
+        <p:nvSpPr>
+          <p:cNvPr id="4" name="椭圆 3"/>
+          <p:cNvSpPr/>
+          <p:nvPr/>
+        </p:nvSpPr>
+        <p:spPr>
+          <a:xfrm>
+            <a:off x="1009650" y="2019300"/>
+            <a:ext cx="1342390" cy="596900"/>
+          </a:xfrm>
+          <a:prstGeom prst="ellipse">
+            <a:avLst/>
+          </a:prstGeom>
+        </p:spPr>
+        <p:style>
+          <a:lnRef idx="2">
+            <a:schemeClr val="accent1">
+              <a:shade val="50000"/>
+            </a:schemeClr>
+          </a:lnRef>
+          <a:fillRef idx="1">
+            <a:schemeClr val="accent1"/>
+          </a:fillRef>
+          <a:effectRef idx="0">
+            <a:schemeClr val="accent1"/>
+          </a:effectRef>
+          <a:fontRef idx="minor">
+            <a:schemeClr val="lt1"/>
+          </a:fontRef>
+        </p:style>
+        <p:txBody>
+          <a:bodyPr rtlCol="0" anchor="ctr"/>
+          <a:p>
+            <a:pPr algn="ctr"/>
+            <a:r>
+              <a:rPr lang="en-US" altLang="zh-CN"/>
+              <a:t>client</a:t>
+            </a:r>
+            <a:endParaRPr lang="en-US" altLang="zh-CN"/>
+          </a:p>
+        </p:txBody>
+      </p:sp>
+      <p:sp>
+        <p:nvSpPr>
+          <p:cNvPr id="5" name="椭圆 4"/>
+          <p:cNvSpPr/>
+          <p:nvPr/>
+        </p:nvSpPr>
+        <p:spPr>
+          <a:xfrm>
+            <a:off x="1009650" y="4114800"/>
+            <a:ext cx="1342390" cy="596900"/>
+          </a:xfrm>
+          <a:prstGeom prst="ellipse">
+            <a:avLst/>
+          </a:prstGeom>
+        </p:spPr>
+        <p:style>
+          <a:lnRef idx="2">
+            <a:schemeClr val="accent1">
+              <a:shade val="50000"/>
+            </a:schemeClr>
+          </a:lnRef>
+          <a:fillRef idx="1">
+            <a:schemeClr val="accent1"/>
+          </a:fillRef>
+          <a:effectRef idx="0">
+            <a:schemeClr val="accent1"/>
+          </a:effectRef>
+          <a:fontRef idx="minor">
+            <a:schemeClr val="lt1"/>
+          </a:fontRef>
+        </p:style>
+        <p:txBody>
+          <a:bodyPr rtlCol="0" anchor="ctr"/>
+          <a:p>
+            <a:pPr algn="ctr"/>
+            <a:r>
+              <a:rPr lang="en-US" altLang="zh-CN"/>
+              <a:t>client</a:t>
+            </a:r>
+            <a:endParaRPr lang="en-US" altLang="zh-CN"/>
+          </a:p>
+        </p:txBody>
+      </p:sp>
+      <p:sp>
+        <p:nvSpPr>
+          <p:cNvPr id="6" name="椭圆 5"/>
+          <p:cNvSpPr/>
+          <p:nvPr/>
+        </p:nvSpPr>
+        <p:spPr>
+          <a:xfrm>
+            <a:off x="1009650" y="3045460"/>
+            <a:ext cx="1342390" cy="596900"/>
+          </a:xfrm>
+          <a:prstGeom prst="ellipse">
+            <a:avLst/>
+          </a:prstGeom>
+        </p:spPr>
+        <p:style>
+          <a:lnRef idx="2">
+            <a:schemeClr val="accent1">
+              <a:shade val="50000"/>
+            </a:schemeClr>
+          </a:lnRef>
+          <a:fillRef idx="1">
+            <a:schemeClr val="accent1"/>
+          </a:fillRef>
+          <a:effectRef idx="0">
+            <a:schemeClr val="accent1"/>
+          </a:effectRef>
+          <a:fontRef idx="minor">
+            <a:schemeClr val="lt1"/>
+          </a:fontRef>
+        </p:style>
+        <p:txBody>
+          <a:bodyPr rtlCol="0" anchor="ctr"/>
+          <a:p>
+            <a:pPr algn="ctr"/>
+            <a:r>
+              <a:rPr lang="en-US" altLang="zh-CN"/>
+              <a:t>client</a:t>
+            </a:r>
+            <a:endParaRPr lang="en-US" altLang="zh-CN"/>
+          </a:p>
+        </p:txBody>
+      </p:sp>
+      <p:sp>
+        <p:nvSpPr>
+          <p:cNvPr id="7" name="椭圆 6"/>
+          <p:cNvSpPr/>
+          <p:nvPr/>
+        </p:nvSpPr>
+        <p:spPr>
+          <a:xfrm>
+            <a:off x="3379470" y="2582545"/>
+            <a:ext cx="1822450" cy="1409065"/>
+          </a:xfrm>
+          <a:prstGeom prst="ellipse">
+            <a:avLst/>
+          </a:prstGeom>
+          <a:solidFill>
+            <a:schemeClr val="accent2">
+              <a:lumMod val="75000"/>
+            </a:schemeClr>
+          </a:solidFill>
+        </p:spPr>
+        <p:style>
+          <a:lnRef idx="2">
+            <a:schemeClr val="accent1">
+              <a:shade val="50000"/>
+            </a:schemeClr>
+          </a:lnRef>
+          <a:fillRef idx="1">
+            <a:schemeClr val="accent1"/>
+          </a:fillRef>
+          <a:effectRef idx="0">
+            <a:schemeClr val="accent1"/>
+          </a:effectRef>
+          <a:fontRef idx="minor">
+            <a:schemeClr val="lt1"/>
+          </a:fontRef>
+        </p:style>
+        <p:txBody>
+          <a:bodyPr rtlCol="0" anchor="ctr"/>
+          <a:p>
+            <a:pPr algn="ctr"/>
+            <a:r>
+              <a:rPr lang="en-US" altLang="zh-CN"/>
+              <a:t>Server</a:t>
+            </a:r>
+            <a:endParaRPr lang="en-US" altLang="zh-CN"/>
+          </a:p>
+          <a:p>
+            <a:pPr algn="ctr"/>
+            <a:endParaRPr lang="en-US" altLang="zh-CN"/>
+          </a:p>
+          <a:p>
+            <a:pPr algn="ctr"/>
+            <a:r>
+              <a:rPr lang="en-US" altLang="zh-CN"/>
+              <a:t>accept()</a:t>
+            </a:r>
+            <a:endParaRPr lang="zh-CN" altLang="en-US"/>
+          </a:p>
+        </p:txBody>
+      </p:sp>
+      <p:sp>
+        <p:nvSpPr>
+          <p:cNvPr id="9" name="圆角矩形 8"/>
+          <p:cNvSpPr/>
+          <p:nvPr/>
+        </p:nvSpPr>
+        <p:spPr>
+          <a:xfrm>
+            <a:off x="6076950" y="1679575"/>
+            <a:ext cx="983615" cy="529590"/>
+          </a:xfrm>
+          <a:prstGeom prst="roundRect">
+            <a:avLst/>
+          </a:prstGeom>
+        </p:spPr>
+        <p:style>
+          <a:lnRef idx="2">
+            <a:schemeClr val="accent1">
+              <a:shade val="50000"/>
+            </a:schemeClr>
+          </a:lnRef>
+          <a:fillRef idx="1">
+            <a:schemeClr val="accent1"/>
+          </a:fillRef>
+          <a:effectRef idx="0">
+            <a:schemeClr val="accent1"/>
+          </a:effectRef>
+          <a:fontRef idx="minor">
+            <a:schemeClr val="lt1"/>
+          </a:fontRef>
+        </p:style>
+        <p:txBody>
+          <a:bodyPr rtlCol="0" anchor="ctr"/>
+          <a:p>
+            <a:pPr algn="ctr"/>
+            <a:r>
+              <a:rPr lang="en-US" altLang="zh-CN"/>
+              <a:t>read</a:t>
+            </a:r>
+            <a:endParaRPr lang="en-US" altLang="zh-CN"/>
+          </a:p>
+        </p:txBody>
+      </p:sp>
+      <p:sp>
+        <p:nvSpPr>
+          <p:cNvPr id="10" name="圆角矩形 9"/>
+          <p:cNvSpPr/>
+          <p:nvPr/>
+        </p:nvSpPr>
+        <p:spPr>
+          <a:xfrm>
+            <a:off x="7252970" y="1679575"/>
+            <a:ext cx="944880" cy="529590"/>
+          </a:xfrm>
+          <a:prstGeom prst="roundRect">
+            <a:avLst/>
+          </a:prstGeom>
+        </p:spPr>
+        <p:style>
+          <a:lnRef idx="2">
+            <a:schemeClr val="accent1">
+              <a:shade val="50000"/>
+            </a:schemeClr>
+          </a:lnRef>
+          <a:fillRef idx="1">
+            <a:schemeClr val="accent1"/>
+          </a:fillRef>
+          <a:effectRef idx="0">
+            <a:schemeClr val="accent1"/>
+          </a:effectRef>
+          <a:fontRef idx="minor">
+            <a:schemeClr val="lt1"/>
+          </a:fontRef>
+        </p:style>
+        <p:txBody>
+          <a:bodyPr rtlCol="0" anchor="ctr"/>
+          <a:p>
+            <a:pPr algn="ctr"/>
+            <a:r>
+              <a:rPr lang="en-US" altLang="zh-CN"/>
+              <a:t>decode</a:t>
+            </a:r>
+            <a:endParaRPr lang="en-US" altLang="zh-CN"/>
+          </a:p>
+        </p:txBody>
+      </p:sp>
+      <p:sp>
+        <p:nvSpPr>
+          <p:cNvPr id="11" name="圆角矩形 10"/>
+          <p:cNvSpPr/>
+          <p:nvPr/>
+        </p:nvSpPr>
+        <p:spPr>
+          <a:xfrm>
+            <a:off x="8357235" y="1679575"/>
+            <a:ext cx="1143000" cy="529590"/>
+          </a:xfrm>
+          <a:prstGeom prst="roundRect">
+            <a:avLst/>
+          </a:prstGeom>
+        </p:spPr>
+        <p:style>
+          <a:lnRef idx="2">
+            <a:schemeClr val="accent1">
+              <a:shade val="50000"/>
+            </a:schemeClr>
+          </a:lnRef>
+          <a:fillRef idx="1">
+            <a:schemeClr val="accent1"/>
+          </a:fillRef>
+          <a:effectRef idx="0">
+            <a:schemeClr val="accent1"/>
+          </a:effectRef>
+          <a:fontRef idx="minor">
+            <a:schemeClr val="lt1"/>
+          </a:fontRef>
+        </p:style>
+        <p:txBody>
+          <a:bodyPr rtlCol="0" anchor="ctr"/>
+          <a:p>
+            <a:pPr algn="ctr"/>
+            <a:r>
+              <a:rPr lang="en-US" altLang="zh-CN"/>
+              <a:t>compute</a:t>
+            </a:r>
+            <a:endParaRPr lang="en-US" altLang="zh-CN"/>
+          </a:p>
+        </p:txBody>
+      </p:sp>
+      <p:sp>
+        <p:nvSpPr>
+          <p:cNvPr id="13" name="圆角矩形 12"/>
+          <p:cNvSpPr/>
+          <p:nvPr/>
+        </p:nvSpPr>
+        <p:spPr>
+          <a:xfrm>
+            <a:off x="9649460" y="1679575"/>
+            <a:ext cx="944880" cy="529590"/>
+          </a:xfrm>
+          <a:prstGeom prst="roundRect">
+            <a:avLst/>
+          </a:prstGeom>
+        </p:spPr>
+        <p:style>
+          <a:lnRef idx="2">
+            <a:schemeClr val="accent1">
+              <a:shade val="50000"/>
+            </a:schemeClr>
+          </a:lnRef>
+          <a:fillRef idx="1">
+            <a:schemeClr val="accent1"/>
+          </a:fillRef>
+          <a:effectRef idx="0">
+            <a:schemeClr val="accent1"/>
+          </a:effectRef>
+          <a:fontRef idx="minor">
+            <a:schemeClr val="lt1"/>
+          </a:fontRef>
+        </p:style>
+        <p:txBody>
+          <a:bodyPr rtlCol="0" anchor="ctr"/>
+          <a:p>
+            <a:pPr algn="ctr"/>
+            <a:r>
+              <a:rPr lang="en-US" altLang="zh-CN"/>
+              <a:t>encode</a:t>
+            </a:r>
+            <a:endParaRPr lang="en-US" altLang="zh-CN"/>
+          </a:p>
+        </p:txBody>
+      </p:sp>
+      <p:sp>
+        <p:nvSpPr>
+          <p:cNvPr id="14" name="圆角矩形 13"/>
+          <p:cNvSpPr/>
+          <p:nvPr/>
+        </p:nvSpPr>
+        <p:spPr>
+          <a:xfrm>
+            <a:off x="10786745" y="1679575"/>
+            <a:ext cx="944880" cy="529590"/>
+          </a:xfrm>
+          <a:prstGeom prst="roundRect">
+            <a:avLst/>
+          </a:prstGeom>
+        </p:spPr>
+        <p:style>
+          <a:lnRef idx="2">
+            <a:schemeClr val="accent1">
+              <a:shade val="50000"/>
+            </a:schemeClr>
+          </a:lnRef>
+          <a:fillRef idx="1">
+            <a:schemeClr val="accent1"/>
+          </a:fillRef>
+          <a:effectRef idx="0">
+            <a:schemeClr val="accent1"/>
+          </a:effectRef>
+          <a:fontRef idx="minor">
+            <a:schemeClr val="lt1"/>
+          </a:fontRef>
+        </p:style>
+        <p:txBody>
+          <a:bodyPr rtlCol="0" anchor="ctr"/>
+          <a:p>
+            <a:pPr algn="ctr"/>
+            <a:r>
+              <a:rPr lang="en-US" altLang="zh-CN"/>
+              <a:t>send</a:t>
+            </a:r>
+            <a:endParaRPr lang="en-US" altLang="zh-CN"/>
+          </a:p>
+        </p:txBody>
+      </p:sp>
+      <p:sp>
+        <p:nvSpPr>
+          <p:cNvPr id="16" name="矩形 15"/>
+          <p:cNvSpPr/>
+          <p:nvPr/>
+        </p:nvSpPr>
+        <p:spPr>
+          <a:xfrm>
+            <a:off x="5989320" y="2749550"/>
+            <a:ext cx="5930265" cy="1043940"/>
+          </a:xfrm>
+          <a:prstGeom prst="rect">
+            <a:avLst/>
+          </a:prstGeom>
+          <a:ln w="38100">
+            <a:solidFill>
+              <a:schemeClr val="tx1"/>
+            </a:solidFill>
+          </a:ln>
+        </p:spPr>
+        <p:style>
+          <a:lnRef idx="2">
+            <a:schemeClr val="accent4"/>
+          </a:lnRef>
+          <a:fillRef idx="1">
+            <a:schemeClr val="lt1"/>
+          </a:fillRef>
+          <a:effectRef idx="0">
+            <a:schemeClr val="accent4"/>
+          </a:effectRef>
+          <a:fontRef idx="minor">
+            <a:schemeClr val="dk1"/>
+          </a:fontRef>
+        </p:style>
+        <p:txBody>
+          <a:bodyPr rtlCol="0" anchor="ctr"/>
+          <a:p>
+            <a:pPr algn="ctr"/>
+            <a:endParaRPr lang="zh-CN" altLang="en-US"/>
+          </a:p>
+        </p:txBody>
+      </p:sp>
+      <p:sp>
+        <p:nvSpPr>
+          <p:cNvPr id="17" name="圆角矩形 16"/>
+          <p:cNvSpPr/>
+          <p:nvPr/>
+        </p:nvSpPr>
+        <p:spPr>
+          <a:xfrm>
+            <a:off x="6082665" y="3031490"/>
+            <a:ext cx="983615" cy="529590"/>
+          </a:xfrm>
+          <a:prstGeom prst="roundRect">
+            <a:avLst/>
+          </a:prstGeom>
+        </p:spPr>
+        <p:style>
+          <a:lnRef idx="2">
+            <a:schemeClr val="accent1">
+              <a:shade val="50000"/>
+            </a:schemeClr>
+          </a:lnRef>
+          <a:fillRef idx="1">
+            <a:schemeClr val="accent1"/>
+          </a:fillRef>
+          <a:effectRef idx="0">
+            <a:schemeClr val="accent1"/>
+          </a:effectRef>
+          <a:fontRef idx="minor">
+            <a:schemeClr val="lt1"/>
+          </a:fontRef>
+        </p:style>
+        <p:txBody>
+          <a:bodyPr rtlCol="0" anchor="ctr"/>
+          <a:p>
+            <a:pPr algn="ctr"/>
+            <a:r>
+              <a:rPr lang="en-US" altLang="zh-CN"/>
+              <a:t>read</a:t>
+            </a:r>
+            <a:endParaRPr lang="en-US" altLang="zh-CN"/>
+          </a:p>
+        </p:txBody>
+      </p:sp>
+      <p:sp>
+        <p:nvSpPr>
+          <p:cNvPr id="18" name="圆角矩形 17"/>
+          <p:cNvSpPr/>
+          <p:nvPr/>
+        </p:nvSpPr>
+        <p:spPr>
+          <a:xfrm>
+            <a:off x="7258685" y="3031490"/>
+            <a:ext cx="944880" cy="529590"/>
+          </a:xfrm>
+          <a:prstGeom prst="roundRect">
+            <a:avLst/>
+          </a:prstGeom>
+        </p:spPr>
+        <p:style>
+          <a:lnRef idx="2">
+            <a:schemeClr val="accent1">
+              <a:shade val="50000"/>
+            </a:schemeClr>
+          </a:lnRef>
+          <a:fillRef idx="1">
+            <a:schemeClr val="accent1"/>
+          </a:fillRef>
+          <a:effectRef idx="0">
+            <a:schemeClr val="accent1"/>
+          </a:effectRef>
+          <a:fontRef idx="minor">
+            <a:schemeClr val="lt1"/>
+          </a:fontRef>
+        </p:style>
+        <p:txBody>
+          <a:bodyPr rtlCol="0" anchor="ctr"/>
+          <a:p>
+            <a:pPr algn="ctr"/>
+            <a:r>
+              <a:rPr lang="en-US" altLang="zh-CN"/>
+              <a:t>decode</a:t>
+            </a:r>
+            <a:endParaRPr lang="en-US" altLang="zh-CN"/>
+          </a:p>
+        </p:txBody>
+      </p:sp>
+      <p:sp>
+        <p:nvSpPr>
+          <p:cNvPr id="19" name="圆角矩形 18"/>
+          <p:cNvSpPr/>
+          <p:nvPr/>
+        </p:nvSpPr>
+        <p:spPr>
+          <a:xfrm>
+            <a:off x="8362950" y="3031490"/>
+            <a:ext cx="1143000" cy="529590"/>
+          </a:xfrm>
+          <a:prstGeom prst="roundRect">
+            <a:avLst/>
+          </a:prstGeom>
+        </p:spPr>
+        <p:style>
+          <a:lnRef idx="2">
+            <a:schemeClr val="accent1">
+              <a:shade val="50000"/>
+            </a:schemeClr>
+          </a:lnRef>
+          <a:fillRef idx="1">
+            <a:schemeClr val="accent1"/>
+          </a:fillRef>
+          <a:effectRef idx="0">
+            <a:schemeClr val="accent1"/>
+          </a:effectRef>
+          <a:fontRef idx="minor">
+            <a:schemeClr val="lt1"/>
+          </a:fontRef>
+        </p:style>
+        <p:txBody>
+          <a:bodyPr rtlCol="0" anchor="ctr"/>
+          <a:p>
+            <a:pPr algn="ctr"/>
+            <a:r>
+              <a:rPr lang="en-US" altLang="zh-CN"/>
+              <a:t>compute</a:t>
+            </a:r>
+            <a:endParaRPr lang="en-US" altLang="zh-CN"/>
+          </a:p>
+        </p:txBody>
+      </p:sp>
+      <p:sp>
+        <p:nvSpPr>
+          <p:cNvPr id="20" name="圆角矩形 19"/>
+          <p:cNvSpPr/>
+          <p:nvPr/>
+        </p:nvSpPr>
+        <p:spPr>
+          <a:xfrm>
+            <a:off x="9655175" y="3031490"/>
+            <a:ext cx="944880" cy="529590"/>
+          </a:xfrm>
+          <a:prstGeom prst="roundRect">
+            <a:avLst/>
+          </a:prstGeom>
+        </p:spPr>
+        <p:style>
+          <a:lnRef idx="2">
+            <a:schemeClr val="accent1">
+              <a:shade val="50000"/>
+            </a:schemeClr>
+          </a:lnRef>
+          <a:fillRef idx="1">
+            <a:schemeClr val="accent1"/>
+          </a:fillRef>
+          <a:effectRef idx="0">
+            <a:schemeClr val="accent1"/>
+          </a:effectRef>
+          <a:fontRef idx="minor">
+            <a:schemeClr val="lt1"/>
+          </a:fontRef>
+        </p:style>
+        <p:txBody>
+          <a:bodyPr rtlCol="0" anchor="ctr"/>
+          <a:p>
+            <a:pPr algn="ctr"/>
+            <a:r>
+              <a:rPr lang="en-US" altLang="zh-CN"/>
+              <a:t>encode</a:t>
+            </a:r>
+            <a:endParaRPr lang="en-US" altLang="zh-CN"/>
+          </a:p>
+        </p:txBody>
+      </p:sp>
+      <p:sp>
+        <p:nvSpPr>
+          <p:cNvPr id="21" name="圆角矩形 20"/>
+          <p:cNvSpPr/>
+          <p:nvPr/>
+        </p:nvSpPr>
+        <p:spPr>
+          <a:xfrm>
+            <a:off x="10792460" y="3031490"/>
+            <a:ext cx="944880" cy="529590"/>
+          </a:xfrm>
+          <a:prstGeom prst="roundRect">
+            <a:avLst/>
+          </a:prstGeom>
+        </p:spPr>
+        <p:style>
+          <a:lnRef idx="2">
+            <a:schemeClr val="accent1">
+              <a:shade val="50000"/>
+            </a:schemeClr>
+          </a:lnRef>
+          <a:fillRef idx="1">
+            <a:schemeClr val="accent1"/>
+          </a:fillRef>
+          <a:effectRef idx="0">
+            <a:schemeClr val="accent1"/>
+          </a:effectRef>
+          <a:fontRef idx="minor">
+            <a:schemeClr val="lt1"/>
+          </a:fontRef>
+        </p:style>
+        <p:txBody>
+          <a:bodyPr rtlCol="0" anchor="ctr"/>
+          <a:p>
+            <a:pPr algn="ctr"/>
+            <a:r>
+              <a:rPr lang="en-US" altLang="zh-CN"/>
+              <a:t>send</a:t>
+            </a:r>
+            <a:endParaRPr lang="en-US" altLang="zh-CN"/>
+          </a:p>
+        </p:txBody>
+      </p:sp>
+      <p:sp>
+        <p:nvSpPr>
+          <p:cNvPr id="28" name="矩形 27"/>
+          <p:cNvSpPr/>
+          <p:nvPr/>
+        </p:nvSpPr>
+        <p:spPr>
+          <a:xfrm>
+            <a:off x="5989320" y="4090670"/>
+            <a:ext cx="5930265" cy="1043940"/>
+          </a:xfrm>
+          <a:prstGeom prst="rect">
+            <a:avLst/>
+          </a:prstGeom>
+          <a:ln w="38100">
+            <a:solidFill>
+              <a:schemeClr val="tx1"/>
+            </a:solidFill>
+          </a:ln>
+        </p:spPr>
+        <p:style>
+          <a:lnRef idx="2">
+            <a:schemeClr val="accent4"/>
+          </a:lnRef>
+          <a:fillRef idx="1">
+            <a:schemeClr val="lt1"/>
+          </a:fillRef>
+          <a:effectRef idx="0">
+            <a:schemeClr val="accent4"/>
+          </a:effectRef>
+          <a:fontRef idx="minor">
+            <a:schemeClr val="dk1"/>
+          </a:fontRef>
+        </p:style>
+        <p:txBody>
+          <a:bodyPr rtlCol="0" anchor="ctr"/>
+          <a:p>
+            <a:pPr algn="ctr"/>
+            <a:endParaRPr lang="zh-CN" altLang="en-US"/>
+          </a:p>
+        </p:txBody>
+      </p:sp>
+      <p:sp>
+        <p:nvSpPr>
+          <p:cNvPr id="29" name="圆角矩形 28"/>
+          <p:cNvSpPr/>
+          <p:nvPr/>
+        </p:nvSpPr>
+        <p:spPr>
+          <a:xfrm>
+            <a:off x="6082665" y="4372610"/>
+            <a:ext cx="983615" cy="529590"/>
+          </a:xfrm>
+          <a:prstGeom prst="roundRect">
+            <a:avLst/>
+          </a:prstGeom>
+        </p:spPr>
+        <p:style>
+          <a:lnRef idx="2">
+            <a:schemeClr val="accent1">
+              <a:shade val="50000"/>
+            </a:schemeClr>
+          </a:lnRef>
+          <a:fillRef idx="1">
+            <a:schemeClr val="accent1"/>
+          </a:fillRef>
+          <a:effectRef idx="0">
+            <a:schemeClr val="accent1"/>
+          </a:effectRef>
+          <a:fontRef idx="minor">
+            <a:schemeClr val="lt1"/>
+          </a:fontRef>
+        </p:style>
+        <p:txBody>
+          <a:bodyPr rtlCol="0" anchor="ctr"/>
+          <a:p>
+            <a:pPr algn="ctr"/>
+            <a:r>
+              <a:rPr lang="en-US" altLang="zh-CN"/>
+              <a:t>read</a:t>
+            </a:r>
+            <a:endParaRPr lang="en-US" altLang="zh-CN"/>
+          </a:p>
+        </p:txBody>
+      </p:sp>
+      <p:sp>
+        <p:nvSpPr>
+          <p:cNvPr id="30" name="圆角矩形 29"/>
+          <p:cNvSpPr/>
+          <p:nvPr/>
+        </p:nvSpPr>
+        <p:spPr>
+          <a:xfrm>
+            <a:off x="7258685" y="4372610"/>
+            <a:ext cx="944880" cy="529590"/>
+          </a:xfrm>
+          <a:prstGeom prst="roundRect">
+            <a:avLst/>
+          </a:prstGeom>
+        </p:spPr>
+        <p:style>
+          <a:lnRef idx="2">
+            <a:schemeClr val="accent1">
+              <a:shade val="50000"/>
+            </a:schemeClr>
+          </a:lnRef>
+          <a:fillRef idx="1">
+            <a:schemeClr val="accent1"/>
+          </a:fillRef>
+          <a:effectRef idx="0">
+            <a:schemeClr val="accent1"/>
+          </a:effectRef>
+          <a:fontRef idx="minor">
+            <a:schemeClr val="lt1"/>
+          </a:fontRef>
+        </p:style>
+        <p:txBody>
+          <a:bodyPr rtlCol="0" anchor="ctr"/>
+          <a:p>
+            <a:pPr algn="ctr"/>
+            <a:r>
+              <a:rPr lang="en-US" altLang="zh-CN"/>
+              <a:t>decode</a:t>
+            </a:r>
+            <a:endParaRPr lang="en-US" altLang="zh-CN"/>
+          </a:p>
+        </p:txBody>
+      </p:sp>
+      <p:sp>
+        <p:nvSpPr>
+          <p:cNvPr id="31" name="圆角矩形 30"/>
+          <p:cNvSpPr/>
+          <p:nvPr/>
+        </p:nvSpPr>
+        <p:spPr>
+          <a:xfrm>
+            <a:off x="8362950" y="4372610"/>
+            <a:ext cx="1143000" cy="529590"/>
+          </a:xfrm>
+          <a:prstGeom prst="roundRect">
+            <a:avLst/>
+          </a:prstGeom>
+        </p:spPr>
+        <p:style>
+          <a:lnRef idx="2">
+            <a:schemeClr val="accent1">
+              <a:shade val="50000"/>
+            </a:schemeClr>
+          </a:lnRef>
+          <a:fillRef idx="1">
+            <a:schemeClr val="accent1"/>
+          </a:fillRef>
+          <a:effectRef idx="0">
+            <a:schemeClr val="accent1"/>
+          </a:effectRef>
+          <a:fontRef idx="minor">
+            <a:schemeClr val="lt1"/>
+          </a:fontRef>
+        </p:style>
+        <p:txBody>
+          <a:bodyPr rtlCol="0" anchor="ctr"/>
+          <a:p>
+            <a:pPr algn="ctr"/>
+            <a:r>
+              <a:rPr lang="en-US" altLang="zh-CN"/>
+              <a:t>compute</a:t>
+            </a:r>
+            <a:endParaRPr lang="en-US" altLang="zh-CN"/>
+          </a:p>
+        </p:txBody>
+      </p:sp>
+      <p:sp>
+        <p:nvSpPr>
+          <p:cNvPr id="32" name="圆角矩形 31"/>
+          <p:cNvSpPr/>
+          <p:nvPr/>
+        </p:nvSpPr>
+        <p:spPr>
+          <a:xfrm>
+            <a:off x="9655175" y="4372610"/>
+            <a:ext cx="944880" cy="529590"/>
+          </a:xfrm>
+          <a:prstGeom prst="roundRect">
+            <a:avLst/>
+          </a:prstGeom>
+        </p:spPr>
+        <p:style>
+          <a:lnRef idx="2">
+            <a:schemeClr val="accent1">
+              <a:shade val="50000"/>
+            </a:schemeClr>
+          </a:lnRef>
+          <a:fillRef idx="1">
+            <a:schemeClr val="accent1"/>
+          </a:fillRef>
+          <a:effectRef idx="0">
+            <a:schemeClr val="accent1"/>
+          </a:effectRef>
+          <a:fontRef idx="minor">
+            <a:schemeClr val="lt1"/>
+          </a:fontRef>
+        </p:style>
+        <p:txBody>
+          <a:bodyPr rtlCol="0" anchor="ctr"/>
+          <a:p>
+            <a:pPr algn="ctr"/>
+            <a:r>
+              <a:rPr lang="en-US" altLang="zh-CN"/>
+              <a:t>encode</a:t>
+            </a:r>
+            <a:endParaRPr lang="en-US" altLang="zh-CN"/>
+          </a:p>
+        </p:txBody>
+      </p:sp>
+      <p:sp>
+        <p:nvSpPr>
+          <p:cNvPr id="33" name="圆角矩形 32"/>
+          <p:cNvSpPr/>
+          <p:nvPr/>
+        </p:nvSpPr>
+        <p:spPr>
+          <a:xfrm>
+            <a:off x="10792460" y="4372610"/>
+            <a:ext cx="944880" cy="529590"/>
+          </a:xfrm>
+          <a:prstGeom prst="roundRect">
+            <a:avLst/>
+          </a:prstGeom>
+        </p:spPr>
+        <p:style>
+          <a:lnRef idx="2">
+            <a:schemeClr val="accent1">
+              <a:shade val="50000"/>
+            </a:schemeClr>
+          </a:lnRef>
+          <a:fillRef idx="1">
+            <a:schemeClr val="accent1"/>
+          </a:fillRef>
+          <a:effectRef idx="0">
+            <a:schemeClr val="accent1"/>
+          </a:effectRef>
+          <a:fontRef idx="minor">
+            <a:schemeClr val="lt1"/>
+          </a:fontRef>
+        </p:style>
+        <p:txBody>
+          <a:bodyPr rtlCol="0" anchor="ctr"/>
+          <a:p>
+            <a:pPr algn="ctr"/>
+            <a:r>
+              <a:rPr lang="en-US" altLang="zh-CN"/>
+              <a:t>send</a:t>
+            </a:r>
+            <a:endParaRPr lang="en-US" altLang="zh-CN"/>
+          </a:p>
+        </p:txBody>
+      </p:sp>
+      <p:cxnSp>
+        <p:nvCxnSpPr>
+          <p:cNvPr id="34" name="直接箭头连接符 33"/>
+          <p:cNvCxnSpPr>
+            <a:stCxn id="4" idx="6"/>
+          </p:cNvCxnSpPr>
+          <p:nvPr/>
+        </p:nvCxnSpPr>
+        <p:spPr>
+          <a:xfrm>
+            <a:off x="2352040" y="2334260"/>
+            <a:ext cx="1043305" cy="646430"/>
+          </a:xfrm>
+          <a:prstGeom prst="straightConnector1">
+            <a:avLst/>
+          </a:prstGeom>
+          <a:ln>
+            <a:tailEnd type="arrow"/>
+          </a:ln>
+        </p:spPr>
+        <p:style>
+          <a:lnRef idx="1">
+            <a:schemeClr val="accent1"/>
+          </a:lnRef>
+          <a:fillRef idx="0">
+            <a:schemeClr val="accent1"/>
+          </a:fillRef>
+          <a:effectRef idx="0">
+            <a:schemeClr val="accent1"/>
+          </a:effectRef>
+          <a:fontRef idx="minor">
+            <a:schemeClr val="tx1"/>
+          </a:fontRef>
+        </p:style>
+      </p:cxnSp>
+      <p:cxnSp>
+        <p:nvCxnSpPr>
+          <p:cNvPr id="35" name="直接箭头连接符 34"/>
+          <p:cNvCxnSpPr/>
+          <p:nvPr/>
+        </p:nvCxnSpPr>
+        <p:spPr>
+          <a:xfrm flipV="1">
+            <a:off x="2352040" y="3576955"/>
+            <a:ext cx="993140" cy="876935"/>
+          </a:xfrm>
+          <a:prstGeom prst="straightConnector1">
+            <a:avLst/>
+          </a:prstGeom>
+          <a:ln>
+            <a:tailEnd type="arrow"/>
+          </a:ln>
+        </p:spPr>
+        <p:style>
+          <a:lnRef idx="1">
+            <a:schemeClr val="accent1"/>
+          </a:lnRef>
+          <a:fillRef idx="0">
+            <a:schemeClr val="accent1"/>
+          </a:fillRef>
+          <a:effectRef idx="0">
+            <a:schemeClr val="accent1"/>
+          </a:effectRef>
+          <a:fontRef idx="minor">
+            <a:schemeClr val="tx1"/>
+          </a:fontRef>
+        </p:style>
+      </p:cxnSp>
+      <p:cxnSp>
+        <p:nvCxnSpPr>
+          <p:cNvPr id="36" name="直接箭头连接符 35"/>
+          <p:cNvCxnSpPr/>
+          <p:nvPr/>
+        </p:nvCxnSpPr>
+        <p:spPr>
+          <a:xfrm>
+            <a:off x="2352040" y="3324860"/>
+            <a:ext cx="1026795" cy="4445"/>
+          </a:xfrm>
+          <a:prstGeom prst="straightConnector1">
+            <a:avLst/>
+          </a:prstGeom>
+          <a:ln>
+            <a:tailEnd type="arrow"/>
+          </a:ln>
+        </p:spPr>
+        <p:style>
+          <a:lnRef idx="1">
+            <a:schemeClr val="accent1"/>
+          </a:lnRef>
+          <a:fillRef idx="0">
+            <a:schemeClr val="accent1"/>
+          </a:fillRef>
+          <a:effectRef idx="0">
+            <a:schemeClr val="accent1"/>
+          </a:effectRef>
+          <a:fontRef idx="minor">
+            <a:schemeClr val="tx1"/>
+          </a:fontRef>
+        </p:style>
+      </p:cxnSp>
+      <p:cxnSp>
+        <p:nvCxnSpPr>
+          <p:cNvPr id="37" name="直接箭头连接符 36"/>
+          <p:cNvCxnSpPr/>
+          <p:nvPr/>
+        </p:nvCxnSpPr>
+        <p:spPr>
+          <a:xfrm flipV="1">
+            <a:off x="4934585" y="1919605"/>
+            <a:ext cx="949960" cy="829945"/>
+          </a:xfrm>
+          <a:prstGeom prst="straightConnector1">
+            <a:avLst/>
+          </a:prstGeom>
+          <a:ln>
+            <a:tailEnd type="arrow"/>
+          </a:ln>
+        </p:spPr>
+        <p:style>
+          <a:lnRef idx="1">
+            <a:schemeClr val="accent1"/>
+          </a:lnRef>
+          <a:fillRef idx="0">
+            <a:schemeClr val="accent1"/>
+          </a:fillRef>
+          <a:effectRef idx="0">
+            <a:schemeClr val="accent1"/>
+          </a:effectRef>
+          <a:fontRef idx="minor">
+            <a:schemeClr val="tx1"/>
+          </a:fontRef>
+        </p:style>
+      </p:cxnSp>
+      <p:cxnSp>
+        <p:nvCxnSpPr>
+          <p:cNvPr id="38" name="直接箭头连接符 37"/>
+          <p:cNvCxnSpPr>
+            <a:stCxn id="7" idx="5"/>
+          </p:cNvCxnSpPr>
+          <p:nvPr/>
+        </p:nvCxnSpPr>
+        <p:spPr>
+          <a:xfrm>
+            <a:off x="4935220" y="3785235"/>
+            <a:ext cx="932815" cy="770255"/>
+          </a:xfrm>
+          <a:prstGeom prst="straightConnector1">
+            <a:avLst/>
+          </a:prstGeom>
+          <a:ln>
+            <a:tailEnd type="arrow"/>
+          </a:ln>
+        </p:spPr>
+        <p:style>
+          <a:lnRef idx="1">
+            <a:schemeClr val="accent1"/>
+          </a:lnRef>
+          <a:fillRef idx="0">
+            <a:schemeClr val="accent1"/>
+          </a:fillRef>
+          <a:effectRef idx="0">
+            <a:schemeClr val="accent1"/>
+          </a:effectRef>
+          <a:fontRef idx="minor">
+            <a:schemeClr val="tx1"/>
+          </a:fontRef>
+        </p:style>
+      </p:cxnSp>
+      <p:cxnSp>
+        <p:nvCxnSpPr>
+          <p:cNvPr id="39" name="直接箭头连接符 38"/>
+          <p:cNvCxnSpPr/>
+          <p:nvPr/>
+        </p:nvCxnSpPr>
+        <p:spPr>
+          <a:xfrm flipV="1">
+            <a:off x="5201920" y="3312160"/>
+            <a:ext cx="628650" cy="8255"/>
+          </a:xfrm>
+          <a:prstGeom prst="straightConnector1">
+            <a:avLst/>
+          </a:prstGeom>
+          <a:ln>
+            <a:tailEnd type="arrow"/>
+          </a:ln>
+        </p:spPr>
+        <p:style>
+          <a:lnRef idx="1">
+            <a:schemeClr val="accent1"/>
+          </a:lnRef>
+          <a:fillRef idx="0">
+            <a:schemeClr val="accent1"/>
+          </a:fillRef>
+          <a:effectRef idx="0">
+            <a:schemeClr val="accent1"/>
+          </a:effectRef>
+          <a:fontRef idx="minor">
+            <a:schemeClr val="tx1"/>
+          </a:fontRef>
+        </p:style>
+      </p:cxnSp>
+      <p:sp>
+        <p:nvSpPr>
+          <p:cNvPr id="40" name="文本框 39"/>
+          <p:cNvSpPr txBox="1"/>
+          <p:nvPr/>
+        </p:nvSpPr>
+        <p:spPr>
+          <a:xfrm>
+            <a:off x="8451215" y="2133600"/>
+            <a:ext cx="898525" cy="368300"/>
+          </a:xfrm>
+          <a:prstGeom prst="rect">
+            <a:avLst/>
+          </a:prstGeom>
+          <a:noFill/>
+        </p:spPr>
+        <p:txBody>
+          <a:bodyPr wrap="none" rtlCol="0">
+            <a:spAutoFit/>
+          </a:bodyPr>
+          <a:p>
+            <a:r>
+              <a:rPr lang="en-US" altLang="zh-CN"/>
+              <a:t>handler</a:t>
+            </a:r>
+            <a:endParaRPr lang="en-US" altLang="zh-CN"/>
+          </a:p>
+        </p:txBody>
+      </p:sp>
+      <p:sp>
+        <p:nvSpPr>
+          <p:cNvPr id="41" name="文本框 40"/>
+          <p:cNvSpPr txBox="1"/>
+          <p:nvPr/>
+        </p:nvSpPr>
+        <p:spPr>
+          <a:xfrm>
+            <a:off x="8479155" y="3495040"/>
+            <a:ext cx="898525" cy="368300"/>
+          </a:xfrm>
+          <a:prstGeom prst="rect">
+            <a:avLst/>
+          </a:prstGeom>
+          <a:noFill/>
+        </p:spPr>
+        <p:txBody>
+          <a:bodyPr wrap="none" rtlCol="0">
+            <a:spAutoFit/>
+          </a:bodyPr>
+          <a:p>
+            <a:r>
+              <a:rPr lang="en-US" altLang="zh-CN"/>
+              <a:t>handler</a:t>
+            </a:r>
+            <a:endParaRPr lang="en-US" altLang="zh-CN"/>
+          </a:p>
+        </p:txBody>
+      </p:sp>
+      <p:sp>
+        <p:nvSpPr>
+          <p:cNvPr id="42" name="文本框 41"/>
+          <p:cNvSpPr txBox="1"/>
+          <p:nvPr/>
+        </p:nvSpPr>
+        <p:spPr>
+          <a:xfrm>
+            <a:off x="8505190" y="4815840"/>
+            <a:ext cx="898525" cy="368300"/>
+          </a:xfrm>
+          <a:prstGeom prst="rect">
+            <a:avLst/>
+          </a:prstGeom>
+          <a:noFill/>
+        </p:spPr>
+        <p:txBody>
+          <a:bodyPr wrap="none" rtlCol="0">
+            <a:spAutoFit/>
+          </a:bodyPr>
+          <a:p>
+            <a:r>
+              <a:rPr lang="en-US" altLang="zh-CN"/>
+              <a:t>handler</a:t>
+            </a:r>
+            <a:endParaRPr lang="en-US" altLang="zh-CN"/>
+          </a:p>
+        </p:txBody>
+      </p:sp>
+    </p:spTree>
+  </p:cSld>
+  <p:clrMapOvr>
+    <a:masterClrMapping/>
+  </p:clrMapOvr>
+</p:sld>
+</file>
+
+<file path=ppt/slides/slide5.xml><?xml version="1.0" encoding="utf-8"?>
+<p:sld xmlns:a="http://schemas.openxmlformats.org/drawingml/2006/main" xmlns:r="http://schemas.openxmlformats.org/officeDocument/2006/relationships" xmlns:p="http://schemas.openxmlformats.org/presentationml/2006/main">
+  <p:cSld>
+    <p:spTree>
+      <p:nvGrpSpPr>
+        <p:cNvPr id="1" name=""/>
+        <p:cNvGrpSpPr/>
+        <p:nvPr/>
+      </p:nvGrpSpPr>
+      <p:grpSpPr/>
+      <p:sp>
+        <p:nvSpPr>
+          <p:cNvPr id="2" name="标题 1"/>
+          <p:cNvSpPr>
+            <a:spLocks noGrp="1"/>
+          </p:cNvSpPr>
+          <p:nvPr>
+            <p:ph type="title"/>
+          </p:nvPr>
+        </p:nvSpPr>
+        <p:spPr/>
+        <p:txBody>
+          <a:bodyPr/>
+          <a:p>
+            <a:r>
+              <a:rPr lang="en-US" altLang="zh-CN"/>
+              <a:t>BIO Code</a:t>
+            </a:r>
+            <a:endParaRPr lang="en-US" altLang="zh-CN"/>
+          </a:p>
+        </p:txBody>
+      </p:sp>
+      <p:pic>
+        <p:nvPicPr>
+          <p:cNvPr id="8" name="内容占位符 7" descr="屏幕快照 2018-09-01 下午3.24.30"/>
+          <p:cNvPicPr>
+            <a:picLocks noChangeAspect="1"/>
+          </p:cNvPicPr>
+          <p:nvPr>
+            <p:ph idx="1"/>
+          </p:nvPr>
+        </p:nvPicPr>
+        <p:blipFill>
+          <a:blip r:embed="rId1"/>
+          <a:stretch>
+            <a:fillRect/>
+          </a:stretch>
+        </p:blipFill>
+        <p:spPr>
+          <a:xfrm>
+            <a:off x="838200" y="1859915"/>
+            <a:ext cx="5507990" cy="4351655"/>
+          </a:xfrm>
+          <a:prstGeom prst="rect">
+            <a:avLst/>
+          </a:prstGeom>
+        </p:spPr>
+      </p:pic>
+      <p:sp>
+        <p:nvSpPr>
+          <p:cNvPr id="9" name="文本框 8"/>
+          <p:cNvSpPr txBox="1"/>
+          <p:nvPr/>
+        </p:nvSpPr>
+        <p:spPr>
+          <a:xfrm>
+            <a:off x="6724650" y="1859915"/>
+            <a:ext cx="4754245" cy="2122805"/>
+          </a:xfrm>
+          <a:prstGeom prst="rect">
+            <a:avLst/>
+          </a:prstGeom>
+          <a:noFill/>
+        </p:spPr>
+        <p:txBody>
+          <a:bodyPr wrap="square" rtlCol="0">
+            <a:spAutoFit/>
+          </a:bodyPr>
+          <a:p>
+            <a:pPr indent="0">
+              <a:buFont typeface="Arial" panose="020B0604020202020204" pitchFamily="34" charset="0"/>
+              <a:buNone/>
+            </a:pPr>
+            <a:r>
+              <a:rPr lang="en-US" altLang="zh-CN" sz="2400"/>
+              <a:t>两类线程/Runnable</a:t>
+            </a:r>
+            <a:endParaRPr lang="en-US" altLang="zh-CN"/>
+          </a:p>
+          <a:p>
+            <a:pPr marL="285750" indent="-285750">
+              <a:buFont typeface="Arial" panose="020B0604020202020204" pitchFamily="34" charset="0"/>
+              <a:buChar char="•"/>
+            </a:pPr>
+            <a:r>
+              <a:rPr lang="en-US" altLang="zh-CN"/>
+              <a:t>BasicServer</a:t>
+            </a:r>
+            <a:endParaRPr lang="en-US" altLang="zh-CN"/>
+          </a:p>
+          <a:p>
+            <a:pPr marL="742950" lvl="1" indent="-285750">
+              <a:buFont typeface="Arial" panose="020B0604020202020204" pitchFamily="34" charset="0"/>
+              <a:buChar char="•"/>
+            </a:pPr>
+            <a:r>
+              <a:rPr lang="zh-CN" altLang="en-US"/>
+              <a:t>绑定端口</a:t>
+            </a:r>
+            <a:endParaRPr lang="zh-CN" altLang="en-US"/>
+          </a:p>
+          <a:p>
+            <a:pPr marL="742950" lvl="1" indent="-285750">
+              <a:buFont typeface="Arial" panose="020B0604020202020204" pitchFamily="34" charset="0"/>
+              <a:buChar char="•"/>
+            </a:pPr>
+            <a:r>
+              <a:rPr lang="zh-CN" altLang="en-US"/>
+              <a:t>监听请求</a:t>
+            </a:r>
+            <a:r>
+              <a:rPr lang="en-US" altLang="zh-CN"/>
+              <a:t>/</a:t>
+            </a:r>
+            <a:r>
+              <a:rPr lang="zh-CN" altLang="en-US"/>
+              <a:t>连接</a:t>
+            </a:r>
+            <a:endParaRPr lang="zh-CN" altLang="en-US"/>
+          </a:p>
+          <a:p>
+            <a:pPr marL="742950" lvl="1" indent="-285750">
+              <a:buFont typeface="Arial" panose="020B0604020202020204" pitchFamily="34" charset="0"/>
+              <a:buChar char="•"/>
+            </a:pPr>
+            <a:r>
+              <a:rPr lang="zh-CN" altLang="en-US"/>
+              <a:t>有请求了就把它丢给</a:t>
+            </a:r>
+            <a:r>
+              <a:rPr lang="en-US" altLang="zh-CN"/>
+              <a:t>Handler</a:t>
+            </a:r>
+            <a:r>
+              <a:rPr lang="zh-CN" altLang="en-US"/>
+              <a:t>去处理</a:t>
+            </a:r>
+            <a:endParaRPr lang="en-US" altLang="zh-CN"/>
+          </a:p>
+          <a:p>
+            <a:pPr marL="285750" indent="-285750">
+              <a:buFont typeface="Arial" panose="020B0604020202020204" pitchFamily="34" charset="0"/>
+              <a:buChar char="•"/>
+            </a:pPr>
+            <a:r>
+              <a:rPr lang="en-US" altLang="zh-CN"/>
+              <a:t>Handler</a:t>
+            </a:r>
+            <a:endParaRPr lang="en-US" altLang="zh-CN"/>
+          </a:p>
+          <a:p>
+            <a:pPr lvl="2" indent="-285750">
+              <a:buFont typeface="Arial" panose="020B0604020202020204" pitchFamily="34" charset="0"/>
+              <a:buChar char="•"/>
+            </a:pPr>
+            <a:r>
+              <a:rPr lang="en-US" altLang="zh-CN"/>
+              <a:t>Read</a:t>
+            </a:r>
+            <a:r>
+              <a:rPr lang="en-US" altLang="zh-CN">
+                <a:sym typeface="+mn-ea"/>
+              </a:rPr>
+              <a:t>-&gt;</a:t>
+            </a:r>
+            <a:r>
+              <a:rPr lang="en-US" altLang="zh-CN"/>
+              <a:t>Decode-&gt;</a:t>
+            </a:r>
+            <a:r>
+              <a:rPr lang="zh-CN" altLang="en-US"/>
+              <a:t>业务</a:t>
+            </a:r>
+            <a:r>
+              <a:rPr lang="en-US" altLang="zh-CN">
+                <a:sym typeface="+mn-ea"/>
+              </a:rPr>
+              <a:t>-&gt;Encode-&gt;Write</a:t>
+            </a:r>
+            <a:endParaRPr lang="en-US" altLang="zh-CN">
+              <a:sym typeface="+mn-ea"/>
+            </a:endParaRPr>
+          </a:p>
+        </p:txBody>
+      </p:sp>
+      <p:sp>
+        <p:nvSpPr>
+          <p:cNvPr id="10" name="文本框 9"/>
+          <p:cNvSpPr txBox="1"/>
+          <p:nvPr/>
+        </p:nvSpPr>
+        <p:spPr>
+          <a:xfrm>
+            <a:off x="6773545" y="4530090"/>
+            <a:ext cx="4705350" cy="1291590"/>
+          </a:xfrm>
+          <a:prstGeom prst="rect">
+            <a:avLst/>
+          </a:prstGeom>
+          <a:noFill/>
+        </p:spPr>
+        <p:txBody>
+          <a:bodyPr wrap="square" rtlCol="0">
+            <a:spAutoFit/>
+          </a:bodyPr>
+          <a:p>
+            <a:r>
+              <a:rPr lang="en-US" altLang="zh-CN" sz="2400"/>
+              <a:t>Block</a:t>
+            </a:r>
+            <a:r>
+              <a:rPr lang="zh-CN" altLang="en-US" sz="2400"/>
+              <a:t>行为</a:t>
+            </a:r>
+            <a:endParaRPr lang="zh-CN" altLang="en-US"/>
+          </a:p>
+          <a:p>
+            <a:pPr marL="285750" indent="-285750">
+              <a:buFont typeface="Arial" panose="020B0604020202020204" pitchFamily="34" charset="0"/>
+              <a:buChar char="•"/>
+            </a:pPr>
+            <a:r>
+              <a:rPr lang="en-US" altLang="zh-CN"/>
+              <a:t>ServerSocket.accept()</a:t>
+            </a:r>
+            <a:endParaRPr lang="en-US" altLang="zh-CN"/>
+          </a:p>
+          <a:p>
+            <a:pPr marL="285750" indent="-285750">
+              <a:buFont typeface="Arial" panose="020B0604020202020204" pitchFamily="34" charset="0"/>
+              <a:buChar char="•"/>
+            </a:pPr>
+            <a:r>
+              <a:rPr lang="en-US" altLang="zh-CN"/>
+              <a:t>IO</a:t>
+            </a:r>
+            <a:r>
+              <a:rPr lang="zh-CN" altLang="en-US"/>
+              <a:t>操作</a:t>
+            </a:r>
+            <a:r>
+              <a:rPr lang="en-US" altLang="zh-CN"/>
+              <a:t>InputStream</a:t>
+            </a:r>
+            <a:r>
+              <a:rPr lang="zh-CN" altLang="en-US"/>
+              <a:t>的</a:t>
+            </a:r>
+            <a:r>
+              <a:rPr lang="en-US" altLang="zh-CN"/>
+              <a:t>read</a:t>
+            </a:r>
+            <a:r>
+              <a:rPr lang="zh-CN" altLang="en-US"/>
+              <a:t>和</a:t>
+            </a:r>
+            <a:r>
+              <a:rPr lang="en-US" altLang="zh-CN"/>
+              <a:t>OutputStream</a:t>
+            </a:r>
+            <a:r>
+              <a:rPr lang="zh-CN" altLang="en-US"/>
+              <a:t>的</a:t>
+            </a:r>
+            <a:r>
+              <a:rPr lang="en-US" altLang="zh-CN"/>
+              <a:t>write</a:t>
+            </a:r>
+            <a:endParaRPr lang="en-US" altLang="zh-CN"/>
+          </a:p>
+        </p:txBody>
+      </p:sp>
+    </p:spTree>
+  </p:cSld>
+  <p:clrMapOvr>
+    <a:masterClrMapping/>
+  </p:clrMapOvr>
+</p:sld>
+</file>
+
+<file path=ppt/slides/slide6.xml><?xml version="1.0" encoding="utf-8"?>
+<p:sld xmlns:a="http://schemas.openxmlformats.org/drawingml/2006/main" xmlns:r="http://schemas.openxmlformats.org/officeDocument/2006/relationships" xmlns:p="http://schemas.openxmlformats.org/presentationml/2006/main">
+  <p:cSld>
+    <p:spTree>
+      <p:nvGrpSpPr>
+        <p:cNvPr id="1" name=""/>
+        <p:cNvGrpSpPr/>
+        <p:nvPr/>
+      </p:nvGrpSpPr>
+      <p:grpSpPr/>
+      <p:sp>
+        <p:nvSpPr>
+          <p:cNvPr id="2" name="标题 1"/>
+          <p:cNvSpPr>
+            <a:spLocks noGrp="1"/>
+          </p:cNvSpPr>
+          <p:nvPr>
+            <p:ph type="title"/>
+          </p:nvPr>
+        </p:nvSpPr>
+        <p:spPr/>
+        <p:txBody>
+          <a:bodyPr/>
+          <a:p>
+            <a:r>
+              <a:rPr lang="en-US" altLang="zh-CN"/>
+              <a:t>Blocking/</a:t>
+            </a:r>
+            <a:r>
+              <a:rPr lang="zh-CN" altLang="en-US"/>
+              <a:t>阻塞</a:t>
+            </a:r>
+            <a:endParaRPr lang="zh-CN" altLang="en-US"/>
+          </a:p>
+        </p:txBody>
+      </p:sp>
+      <p:pic>
+        <p:nvPicPr>
+          <p:cNvPr id="4" name="图片 3" descr="屏幕快照 2018-09-01 下午3.48.27"/>
+          <p:cNvPicPr>
+            <a:picLocks noChangeAspect="1"/>
+          </p:cNvPicPr>
+          <p:nvPr/>
+        </p:nvPicPr>
+        <p:blipFill>
+          <a:blip r:embed="rId1"/>
+          <a:stretch>
+            <a:fillRect/>
+          </a:stretch>
+        </p:blipFill>
+        <p:spPr>
+          <a:xfrm>
+            <a:off x="5939790" y="455930"/>
+            <a:ext cx="5586095" cy="5946140"/>
+          </a:xfrm>
+          <a:prstGeom prst="rect">
+            <a:avLst/>
+          </a:prstGeom>
+        </p:spPr>
+      </p:pic>
+      <p:pic>
+        <p:nvPicPr>
+          <p:cNvPr id="5" name="图片 4" descr="屏幕快照 2018-09-01 下午3.50.28"/>
+          <p:cNvPicPr>
+            <a:picLocks noChangeAspect="1"/>
+          </p:cNvPicPr>
+          <p:nvPr/>
+        </p:nvPicPr>
+        <p:blipFill>
+          <a:blip r:embed="rId2"/>
+          <a:stretch>
+            <a:fillRect/>
+          </a:stretch>
+        </p:blipFill>
+        <p:spPr>
+          <a:xfrm>
+            <a:off x="544830" y="1691005"/>
+            <a:ext cx="5427980" cy="2371725"/>
+          </a:xfrm>
+          <a:prstGeom prst="rect">
+            <a:avLst/>
+          </a:prstGeom>
+        </p:spPr>
+      </p:pic>
+      <p:cxnSp>
+        <p:nvCxnSpPr>
+          <p:cNvPr id="6" name="直接连接符 5"/>
+          <p:cNvCxnSpPr/>
+          <p:nvPr/>
+        </p:nvCxnSpPr>
+        <p:spPr>
+          <a:xfrm>
+            <a:off x="4777740" y="2433320"/>
+            <a:ext cx="833120" cy="0"/>
+          </a:xfrm>
+          <a:prstGeom prst="line">
+            <a:avLst/>
+          </a:prstGeom>
+          <a:ln w="38100">
+            <a:solidFill>
+              <a:schemeClr val="tx1"/>
+            </a:solidFill>
+          </a:ln>
+        </p:spPr>
+        <p:style>
+          <a:lnRef idx="3">
+            <a:schemeClr val="dk1"/>
+          </a:lnRef>
+          <a:fillRef idx="0">
+            <a:schemeClr val="dk1"/>
+          </a:fillRef>
+          <a:effectRef idx="2">
+            <a:schemeClr val="dk1"/>
+          </a:effectRef>
+          <a:fontRef idx="minor">
+            <a:schemeClr val="tx1"/>
+          </a:fontRef>
+        </p:style>
+      </p:cxnSp>
+      <p:cxnSp>
+        <p:nvCxnSpPr>
+          <p:cNvPr id="7" name="直接连接符 6"/>
+          <p:cNvCxnSpPr/>
+          <p:nvPr/>
+        </p:nvCxnSpPr>
+        <p:spPr>
+          <a:xfrm flipV="1">
+            <a:off x="838200" y="2603500"/>
+            <a:ext cx="4908550" cy="8255"/>
+          </a:xfrm>
+          <a:prstGeom prst="line">
+            <a:avLst/>
+          </a:prstGeom>
+          <a:ln w="38100">
+            <a:solidFill>
+              <a:schemeClr val="tx1"/>
+            </a:solidFill>
+          </a:ln>
+        </p:spPr>
+        <p:style>
+          <a:lnRef idx="3">
+            <a:schemeClr val="dk1"/>
+          </a:lnRef>
+          <a:fillRef idx="0">
+            <a:schemeClr val="dk1"/>
+          </a:fillRef>
+          <a:effectRef idx="2">
+            <a:schemeClr val="dk1"/>
+          </a:effectRef>
+          <a:fontRef idx="minor">
+            <a:schemeClr val="tx1"/>
+          </a:fontRef>
+        </p:style>
+      </p:cxnSp>
+      <p:cxnSp>
+        <p:nvCxnSpPr>
+          <p:cNvPr id="8" name="直接连接符 7"/>
+          <p:cNvCxnSpPr/>
+          <p:nvPr/>
+        </p:nvCxnSpPr>
+        <p:spPr>
+          <a:xfrm flipV="1">
+            <a:off x="854710" y="2773680"/>
+            <a:ext cx="1899285" cy="15240"/>
+          </a:xfrm>
+          <a:prstGeom prst="line">
+            <a:avLst/>
+          </a:prstGeom>
+          <a:ln w="38100">
+            <a:solidFill>
+              <a:schemeClr val="tx1"/>
+            </a:solidFill>
+          </a:ln>
+        </p:spPr>
+        <p:style>
+          <a:lnRef idx="3">
+            <a:schemeClr val="dk1"/>
+          </a:lnRef>
+          <a:fillRef idx="0">
+            <a:schemeClr val="dk1"/>
+          </a:fillRef>
+          <a:effectRef idx="2">
+            <a:schemeClr val="dk1"/>
+          </a:effectRef>
+          <a:fontRef idx="minor">
+            <a:schemeClr val="tx1"/>
+          </a:fontRef>
+        </p:style>
+      </p:cxnSp>
+      <p:cxnSp>
+        <p:nvCxnSpPr>
+          <p:cNvPr id="9" name="直接连接符 8"/>
+          <p:cNvCxnSpPr/>
+          <p:nvPr/>
+        </p:nvCxnSpPr>
+        <p:spPr>
+          <a:xfrm flipV="1">
+            <a:off x="6559550" y="1022350"/>
+            <a:ext cx="3285490" cy="13335"/>
+          </a:xfrm>
+          <a:prstGeom prst="line">
+            <a:avLst/>
+          </a:prstGeom>
+          <a:ln w="38100">
+            <a:solidFill>
+              <a:schemeClr val="tx1"/>
+            </a:solidFill>
+          </a:ln>
+        </p:spPr>
+        <p:style>
+          <a:lnRef idx="3">
+            <a:schemeClr val="dk1"/>
+          </a:lnRef>
+          <a:fillRef idx="0">
+            <a:schemeClr val="dk1"/>
+          </a:fillRef>
+          <a:effectRef idx="2">
+            <a:schemeClr val="dk1"/>
+          </a:effectRef>
+          <a:fontRef idx="minor">
+            <a:schemeClr val="tx1"/>
+          </a:fontRef>
+        </p:style>
+      </p:cxnSp>
+      <p:sp>
+        <p:nvSpPr>
+          <p:cNvPr id="43" name="文本框 42"/>
+          <p:cNvSpPr txBox="1"/>
+          <p:nvPr/>
+        </p:nvSpPr>
+        <p:spPr>
+          <a:xfrm>
+            <a:off x="838200" y="4455160"/>
+            <a:ext cx="4537710" cy="1476375"/>
+          </a:xfrm>
+          <a:prstGeom prst="rect">
+            <a:avLst/>
+          </a:prstGeom>
+          <a:noFill/>
+        </p:spPr>
+        <p:txBody>
+          <a:bodyPr wrap="square" rtlCol="0">
+            <a:spAutoFit/>
+          </a:bodyPr>
+          <a:p>
+            <a:r>
+              <a:rPr lang="zh-CN" altLang="en-US">
+                <a:sym typeface="+mn-ea"/>
+              </a:rPr>
+              <a:t>李林峰总结的传统</a:t>
+            </a:r>
+            <a:r>
+              <a:rPr lang="en-US" altLang="zh-CN">
+                <a:sym typeface="+mn-ea"/>
+              </a:rPr>
+              <a:t>RPC</a:t>
+            </a:r>
+            <a:r>
+              <a:rPr lang="zh-CN" altLang="en-US">
+                <a:sym typeface="+mn-ea"/>
+              </a:rPr>
+              <a:t>调用性能差的三宗罪：</a:t>
+            </a:r>
+            <a:endParaRPr lang="zh-CN" altLang="en-US"/>
+          </a:p>
+          <a:p>
+            <a:pPr marL="285750" indent="-285750">
+              <a:buFont typeface="Arial" panose="020B0604020202020204" pitchFamily="34" charset="0"/>
+              <a:buChar char="•"/>
+            </a:pPr>
+            <a:r>
+              <a:rPr lang="zh-CN" altLang="en-US">
+                <a:sym typeface="+mn-ea"/>
+              </a:rPr>
+              <a:t>网络传输方式：同步阻塞</a:t>
+            </a:r>
+            <a:endParaRPr lang="zh-CN" altLang="en-US"/>
+          </a:p>
+          <a:p>
+            <a:pPr marL="285750" indent="-285750">
+              <a:buFont typeface="Arial" panose="020B0604020202020204" pitchFamily="34" charset="0"/>
+              <a:buChar char="•"/>
+            </a:pPr>
+            <a:r>
+              <a:rPr lang="zh-CN" altLang="en-US">
+                <a:sym typeface="+mn-ea"/>
+              </a:rPr>
+              <a:t>序列化能力</a:t>
+            </a:r>
+            <a:endParaRPr lang="zh-CN" altLang="en-US"/>
+          </a:p>
+          <a:p>
+            <a:pPr marL="285750" indent="-285750">
+              <a:buFont typeface="Arial" panose="020B0604020202020204" pitchFamily="34" charset="0"/>
+              <a:buChar char="•"/>
+            </a:pPr>
+            <a:r>
+              <a:rPr lang="zh-CN" altLang="en-US">
+                <a:sym typeface="+mn-ea"/>
+              </a:rPr>
+              <a:t>线程模型：每个</a:t>
+            </a:r>
+            <a:r>
+              <a:rPr lang="en-US" altLang="zh-CN">
+                <a:sym typeface="+mn-ea"/>
+              </a:rPr>
+              <a:t>TCP</a:t>
+            </a:r>
+            <a:r>
+              <a:rPr lang="zh-CN" altLang="en-US">
+                <a:sym typeface="+mn-ea"/>
+              </a:rPr>
+              <a:t>连接都占用一个线程</a:t>
+            </a:r>
+            <a:endParaRPr lang="zh-CN" altLang="en-US"/>
+          </a:p>
+          <a:p>
+            <a:endParaRPr lang="zh-CN" altLang="en-US"/>
+          </a:p>
+        </p:txBody>
+      </p:sp>
+    </p:spTree>
+  </p:cSld>
+  <p:clrMapOvr>
+    <a:masterClrMapping/>
+  </p:clrMapOvr>
+</p:sld>
+</file>
+
+<file path=ppt/slides/slide7.xml><?xml version="1.0" encoding="utf-8"?>
+<p:sld xmlns:a="http://schemas.openxmlformats.org/drawingml/2006/main" xmlns:r="http://schemas.openxmlformats.org/officeDocument/2006/relationships" xmlns:p="http://schemas.openxmlformats.org/presentationml/2006/main">
+  <p:cSld>
+    <p:spTree>
+      <p:nvGrpSpPr>
+        <p:cNvPr id="1" name=""/>
+        <p:cNvGrpSpPr/>
+        <p:nvPr/>
+      </p:nvGrpSpPr>
+      <p:grpSpPr/>
+      <p:sp>
+        <p:nvSpPr>
+          <p:cNvPr id="2" name="标题 1"/>
+          <p:cNvSpPr>
+            <a:spLocks noGrp="1"/>
+          </p:cNvSpPr>
+          <p:nvPr>
+            <p:ph type="title"/>
+          </p:nvPr>
+        </p:nvSpPr>
+        <p:spPr/>
+        <p:txBody>
+          <a:bodyPr>
+            <a:normAutofit/>
+          </a:bodyPr>
+          <a:p>
+            <a:r>
+              <a:rPr lang="en-US" altLang="zh-CN">
+                <a:sym typeface="+mn-ea"/>
+              </a:rPr>
+              <a:t>Blocking/</a:t>
+            </a:r>
+            <a:r>
+              <a:rPr lang="zh-CN" altLang="en-US">
+                <a:sym typeface="+mn-ea"/>
+              </a:rPr>
+              <a:t>阻塞</a:t>
+            </a:r>
+            <a:endParaRPr lang="zh-CN" altLang="en-US"/>
+          </a:p>
+        </p:txBody>
+      </p:sp>
+      <p:sp>
+        <p:nvSpPr>
+          <p:cNvPr id="3" name="内容占位符 2"/>
+          <p:cNvSpPr>
+            <a:spLocks noGrp="1"/>
+          </p:cNvSpPr>
+          <p:nvPr>
+            <p:ph idx="1"/>
+          </p:nvPr>
+        </p:nvSpPr>
+        <p:spPr/>
+        <p:txBody>
+          <a:bodyPr/>
+          <a:p>
+            <a:pPr marL="0" indent="0">
+              <a:buNone/>
+            </a:pPr>
+            <a:r>
+              <a:rPr lang="zh-CN" altLang="en-US"/>
+              <a:t>假设我有十个快递，而且一定要收齐了才算是达到我的目的</a:t>
+            </a:r>
+            <a:r>
+              <a:rPr lang="en-US" altLang="zh-CN"/>
+              <a:t>...</a:t>
+            </a:r>
+            <a:endParaRPr lang="en-US" altLang="zh-CN"/>
+          </a:p>
+        </p:txBody>
+      </p:sp>
+      <p:pic>
+        <p:nvPicPr>
+          <p:cNvPr id="4" name="图片 3" descr="屏幕快照 2018-09-01 下午4.55.54"/>
+          <p:cNvPicPr>
+            <a:picLocks noChangeAspect="1"/>
+          </p:cNvPicPr>
+          <p:nvPr/>
+        </p:nvPicPr>
+        <p:blipFill>
+          <a:blip r:embed="rId1"/>
+          <a:stretch>
+            <a:fillRect/>
+          </a:stretch>
+        </p:blipFill>
+        <p:spPr>
+          <a:xfrm>
+            <a:off x="2846070" y="3013710"/>
+            <a:ext cx="6108700" cy="1739900"/>
+          </a:xfrm>
+          <a:prstGeom prst="rect">
+            <a:avLst/>
+          </a:prstGeom>
+        </p:spPr>
+      </p:pic>
     </p:spTree>
   </p:cSld>
   <p:clrMapOvr>
@@ -7155,9 +9117,57 @@
         <p:nvPr/>
       </p:nvGrpSpPr>
       <p:grpSpPr/>
-      <p:sp>
-        <p:nvSpPr>
-          <p:cNvPr id="2" name="标题 1"/>
+      <p:pic>
+        <p:nvPicPr>
+          <p:cNvPr id="4" name="图片 3"/>
+          <p:cNvPicPr>
+            <a:picLocks noChangeAspect="1"/>
+          </p:cNvPicPr>
+          <p:nvPr/>
+        </p:nvPicPr>
+        <p:blipFill>
+          <a:blip r:embed="rId1"/>
+          <a:stretch>
+            <a:fillRect/>
+          </a:stretch>
+        </p:blipFill>
+        <p:spPr>
+          <a:xfrm>
+            <a:off x="156845" y="1096010"/>
+            <a:ext cx="6047740" cy="4665345"/>
+          </a:xfrm>
+          <a:prstGeom prst="rect">
+            <a:avLst/>
+          </a:prstGeom>
+        </p:spPr>
+      </p:pic>
+      <p:pic>
+        <p:nvPicPr>
+          <p:cNvPr id="5" name="图片 4"/>
+          <p:cNvPicPr>
+            <a:picLocks noChangeAspect="1"/>
+          </p:cNvPicPr>
+          <p:nvPr/>
+        </p:nvPicPr>
+        <p:blipFill>
+          <a:blip r:embed="rId2"/>
+          <a:stretch>
+            <a:fillRect/>
+          </a:stretch>
+        </p:blipFill>
+        <p:spPr>
+          <a:xfrm>
+            <a:off x="5913755" y="1096010"/>
+            <a:ext cx="6047105" cy="4665345"/>
+          </a:xfrm>
+          <a:prstGeom prst="rect">
+            <a:avLst/>
+          </a:prstGeom>
+        </p:spPr>
+      </p:pic>
+      <p:sp>
+        <p:nvSpPr>
+          <p:cNvPr id="6" name="标题 5"/>
           <p:cNvSpPr>
             <a:spLocks noGrp="1"/>
           </p:cNvSpPr>
@@ -7175,7 +9185,7 @@
             </a:r>
             <a:r>
               <a:rPr lang="en-US" altLang="zh-CN"/>
-              <a:t>2</a:t>
+              <a:t>1</a:t>
             </a:r>
             <a:endParaRPr lang="en-US" altLang="zh-CN"/>
           </a:p>
@@ -7183,87 +9193,31 @@
       </p:sp>
       <p:sp>
         <p:nvSpPr>
-          <p:cNvPr id="3" name="内容占位符 2"/>
-          <p:cNvSpPr>
-            <a:spLocks noGrp="1"/>
-          </p:cNvSpPr>
-          <p:nvPr>
-            <p:ph idx="1"/>
-          </p:nvPr>
-        </p:nvSpPr>
-        <p:spPr>
-          <a:xfrm>
-            <a:off x="838200" y="1825625"/>
-            <a:ext cx="10515600" cy="4351338"/>
-          </a:xfrm>
-        </p:spPr>
-        <p:txBody>
-          <a:bodyPr/>
-          <a:p>
-            <a:r>
-              <a:rPr lang="zh-CN" altLang="en-US"/>
-              <a:t>IO操作</a:t>
-            </a:r>
-            <a:r>
-              <a:rPr lang="en-US" altLang="zh-CN"/>
-              <a:t>,</a:t>
-            </a:r>
-            <a:r>
-              <a:rPr lang="zh-CN" altLang="en-US"/>
-              <a:t>默认是缓存</a:t>
-            </a:r>
-            <a:r>
-              <a:rPr lang="en-US" altLang="zh-CN"/>
-              <a:t>IO</a:t>
-            </a:r>
-            <a:r>
-              <a:rPr lang="en-US" altLang="zh-CN"/>
-              <a:t>,</a:t>
-            </a:r>
-            <a:r>
-              <a:rPr lang="zh-CN" altLang="en-US"/>
-              <a:t>数据流经：网络 -&gt; 内核缓冲区 -&gt; 用户内存</a:t>
-            </a:r>
-            <a:endParaRPr lang="zh-CN" altLang="en-US"/>
-          </a:p>
-          <a:p>
-            <a:pPr marL="0" indent="0">
-              <a:buNone/>
-            </a:pPr>
-            <a:r>
-              <a:rPr lang="en-US" altLang="zh-CN"/>
-              <a:t>	</a:t>
-            </a:r>
-            <a:r>
-              <a:rPr lang="zh-CN" altLang="en-US"/>
-              <a:t>用户空间与内核空间  零拷贝</a:t>
-            </a:r>
-            <a:endParaRPr lang="zh-CN" altLang="en-US"/>
-          </a:p>
-          <a:p>
-            <a:pPr marL="0" indent="0">
-              <a:buNone/>
-            </a:pPr>
-            <a:endParaRPr lang="zh-CN" altLang="en-US"/>
-          </a:p>
-          <a:p>
-            <a:r>
-              <a:rPr lang="en-US" altLang="zh-CN"/>
-              <a:t>Select poll epoll      </a:t>
-            </a:r>
-            <a:endParaRPr lang="en-US" altLang="zh-CN"/>
-          </a:p>
-          <a:p>
-            <a:r>
-              <a:rPr lang="zh-CN" altLang="en-US"/>
-              <a:t>水平触发  边缘触发 </a:t>
-            </a:r>
-            <a:endParaRPr lang="zh-CN" altLang="en-US"/>
-          </a:p>
-          <a:p>
-            <a:pPr marL="0" indent="0">
-              <a:buNone/>
-            </a:pPr>
+          <p:cNvPr id="7" name="文本框 6"/>
+          <p:cNvSpPr txBox="1"/>
+          <p:nvPr/>
+        </p:nvSpPr>
+        <p:spPr>
+          <a:xfrm>
+            <a:off x="838200" y="5656580"/>
+            <a:ext cx="10767695" cy="368300"/>
+          </a:xfrm>
+          <a:prstGeom prst="rect">
+            <a:avLst/>
+          </a:prstGeom>
+          <a:noFill/>
+        </p:spPr>
+        <p:txBody>
+          <a:bodyPr wrap="none" rtlCol="0" anchor="t">
+            <a:spAutoFit/>
+          </a:bodyPr>
+          <a:p>
+            <a:r>
+              <a:rPr lang="zh-CN" altLang="en-US">
+                <a:sym typeface="+mn-ea"/>
+              </a:rPr>
+              <a:t>网络IO，会涉及到两个系统对象，一个是调用这个IO的process（or thread），另一个是系统内核（kernel）</a:t>
+            </a:r>
             <a:endParaRPr lang="zh-CN" altLang="en-US"/>
           </a:p>
         </p:txBody>
@@ -7301,8 +9255,12 @@
           <a:bodyPr/>
           <a:p>
             <a:r>
-              <a:rPr lang="en-US" altLang="zh-CN"/>
-              <a:t>Reactor Design</a:t>
+              <a:rPr lang="zh-CN" altLang="en-US"/>
+              <a:t>相关</a:t>
+            </a:r>
+            <a:r>
+              <a:rPr lang="en-US" altLang="zh-CN"/>
+              <a:t>2</a:t>
             </a:r>
             <a:endParaRPr lang="en-US" altLang="zh-CN"/>
           </a:p>
@@ -7310,1249 +9268,101 @@
       </p:sp>
       <p:sp>
         <p:nvSpPr>
-          <p:cNvPr id="4" name="椭圆 3"/>
-          <p:cNvSpPr/>
-          <p:nvPr/>
-        </p:nvSpPr>
-        <p:spPr>
-          <a:xfrm>
-            <a:off x="1009650" y="2019300"/>
-            <a:ext cx="1342390" cy="596900"/>
-          </a:xfrm>
-          <a:prstGeom prst="ellipse">
-            <a:avLst/>
-          </a:prstGeom>
-        </p:spPr>
-        <p:style>
-          <a:lnRef idx="2">
-            <a:schemeClr val="accent1">
-              <a:shade val="50000"/>
-            </a:schemeClr>
-          </a:lnRef>
-          <a:fillRef idx="1">
-            <a:schemeClr val="accent1"/>
-          </a:fillRef>
-          <a:effectRef idx="0">
-            <a:schemeClr val="accent1"/>
-          </a:effectRef>
-          <a:fontRef idx="minor">
-            <a:schemeClr val="lt1"/>
-          </a:fontRef>
-        </p:style>
-        <p:txBody>
-          <a:bodyPr rtlCol="0" anchor="ctr"/>
-          <a:p>
-            <a:pPr algn="ctr"/>
-            <a:r>
-              <a:rPr lang="en-US" altLang="zh-CN"/>
-              <a:t>client</a:t>
+          <p:cNvPr id="3" name="内容占位符 2"/>
+          <p:cNvSpPr>
+            <a:spLocks noGrp="1"/>
+          </p:cNvSpPr>
+          <p:nvPr>
+            <p:ph idx="1"/>
+          </p:nvPr>
+        </p:nvSpPr>
+        <p:spPr>
+          <a:xfrm>
+            <a:off x="838200" y="1825625"/>
+            <a:ext cx="10515600" cy="4351338"/>
+          </a:xfrm>
+        </p:spPr>
+        <p:txBody>
+          <a:bodyPr/>
+          <a:p>
+            <a:r>
+              <a:rPr lang="zh-CN" altLang="en-US"/>
+              <a:t>IO操作</a:t>
+            </a:r>
+            <a:r>
+              <a:rPr lang="en-US" altLang="zh-CN"/>
+              <a:t>,</a:t>
+            </a:r>
+            <a:r>
+              <a:rPr lang="zh-CN" altLang="en-US"/>
+              <a:t>默认是缓存</a:t>
+            </a:r>
+            <a:r>
+              <a:rPr lang="en-US" altLang="zh-CN"/>
+              <a:t>IO</a:t>
+            </a:r>
+            <a:r>
+              <a:rPr lang="en-US" altLang="zh-CN"/>
+              <a:t>,</a:t>
+            </a:r>
+            <a:r>
+              <a:rPr lang="zh-CN" altLang="en-US"/>
+              <a:t>数据流经：网络 -&gt; 内核缓冲区 -&gt; 用户内存</a:t>
+            </a:r>
+            <a:endParaRPr lang="zh-CN" altLang="en-US"/>
+          </a:p>
+          <a:p>
+            <a:pPr marL="0" indent="0">
+              <a:buNone/>
+            </a:pPr>
+            <a:r>
+              <a:rPr lang="en-US" altLang="zh-CN"/>
+              <a:t>	</a:t>
+            </a:r>
+            <a:r>
+              <a:rPr lang="zh-CN" altLang="en-US"/>
+              <a:t>用户空间与内核空间  零拷贝</a:t>
+            </a:r>
+            <a:endParaRPr lang="zh-CN" altLang="en-US"/>
+          </a:p>
+          <a:p>
+            <a:pPr marL="0" indent="0">
+              <a:buNone/>
+            </a:pPr>
+            <a:endParaRPr lang="zh-CN" altLang="en-US"/>
+          </a:p>
+          <a:p>
+            <a:r>
+              <a:rPr lang="en-US" altLang="zh-CN"/>
+              <a:t>Select poll epoll   </a:t>
             </a:r>
             <a:endParaRPr lang="en-US" altLang="zh-CN"/>
           </a:p>
-        </p:txBody>
-      </p:sp>
-      <p:sp>
-        <p:nvSpPr>
-          <p:cNvPr id="5" name="椭圆 4"/>
-          <p:cNvSpPr/>
-          <p:nvPr/>
-        </p:nvSpPr>
-        <p:spPr>
-          <a:xfrm>
-            <a:off x="1009650" y="4114800"/>
-            <a:ext cx="1342390" cy="596900"/>
-          </a:xfrm>
-          <a:prstGeom prst="ellipse">
-            <a:avLst/>
-          </a:prstGeom>
-        </p:spPr>
-        <p:style>
-          <a:lnRef idx="2">
-            <a:schemeClr val="accent1">
-              <a:shade val="50000"/>
-            </a:schemeClr>
-          </a:lnRef>
-          <a:fillRef idx="1">
-            <a:schemeClr val="accent1"/>
-          </a:fillRef>
-          <a:effectRef idx="0">
-            <a:schemeClr val="accent1"/>
-          </a:effectRef>
-          <a:fontRef idx="minor">
-            <a:schemeClr val="lt1"/>
-          </a:fontRef>
-        </p:style>
-        <p:txBody>
-          <a:bodyPr rtlCol="0" anchor="ctr"/>
-          <a:p>
-            <a:pPr algn="ctr"/>
-            <a:r>
-              <a:rPr lang="en-US" altLang="zh-CN"/>
-              <a:t>client</a:t>
+          <a:p>
+            <a:pPr marL="0" indent="0">
+              <a:buNone/>
+            </a:pPr>
+            <a:r>
+              <a:rPr lang="en-US" altLang="zh-CN"/>
+              <a:t>   </a:t>
             </a:r>
             <a:endParaRPr lang="en-US" altLang="zh-CN"/>
           </a:p>
-        </p:txBody>
-      </p:sp>
-      <p:sp>
-        <p:nvSpPr>
-          <p:cNvPr id="6" name="椭圆 5"/>
-          <p:cNvSpPr/>
-          <p:nvPr/>
-        </p:nvSpPr>
-        <p:spPr>
-          <a:xfrm>
-            <a:off x="1009650" y="3045460"/>
-            <a:ext cx="1342390" cy="596900"/>
-          </a:xfrm>
-          <a:prstGeom prst="ellipse">
-            <a:avLst/>
-          </a:prstGeom>
-        </p:spPr>
-        <p:style>
-          <a:lnRef idx="2">
-            <a:schemeClr val="accent1">
-              <a:shade val="50000"/>
-            </a:schemeClr>
-          </a:lnRef>
-          <a:fillRef idx="1">
-            <a:schemeClr val="accent1"/>
-          </a:fillRef>
-          <a:effectRef idx="0">
-            <a:schemeClr val="accent1"/>
-          </a:effectRef>
-          <a:fontRef idx="minor">
-            <a:schemeClr val="lt1"/>
-          </a:fontRef>
-        </p:style>
-        <p:txBody>
-          <a:bodyPr rtlCol="0" anchor="ctr"/>
-          <a:p>
-            <a:pPr algn="ctr"/>
-            <a:r>
-              <a:rPr lang="en-US" altLang="zh-CN"/>
-              <a:t>client</a:t>
-            </a:r>
-            <a:endParaRPr lang="en-US" altLang="zh-CN"/>
-          </a:p>
-        </p:txBody>
-      </p:sp>
-      <p:sp>
-        <p:nvSpPr>
-          <p:cNvPr id="7" name="椭圆 6"/>
-          <p:cNvSpPr/>
-          <p:nvPr/>
-        </p:nvSpPr>
-        <p:spPr>
-          <a:xfrm>
-            <a:off x="4571365" y="1400810"/>
-            <a:ext cx="6271895" cy="933450"/>
-          </a:xfrm>
-          <a:prstGeom prst="ellipse">
-            <a:avLst/>
-          </a:prstGeom>
-          <a:solidFill>
-            <a:schemeClr val="accent2">
-              <a:lumMod val="75000"/>
-            </a:schemeClr>
-          </a:solidFill>
-        </p:spPr>
-        <p:style>
-          <a:lnRef idx="2">
-            <a:schemeClr val="accent1">
-              <a:shade val="50000"/>
-            </a:schemeClr>
-          </a:lnRef>
-          <a:fillRef idx="1">
-            <a:schemeClr val="accent1"/>
-          </a:fillRef>
-          <a:effectRef idx="0">
-            <a:schemeClr val="accent1"/>
-          </a:effectRef>
-          <a:fontRef idx="minor">
-            <a:schemeClr val="lt1"/>
-          </a:fontRef>
-        </p:style>
-        <p:txBody>
-          <a:bodyPr rtlCol="0" anchor="ctr"/>
-          <a:p>
-            <a:pPr algn="ctr"/>
-            <a:r>
-              <a:rPr lang="en-US" altLang="zh-CN" sz="2800"/>
-              <a:t>Reactor</a:t>
-            </a:r>
-            <a:endParaRPr lang="en-US" altLang="zh-CN" sz="2800"/>
-          </a:p>
-          <a:p>
-            <a:pPr algn="ctr"/>
-            <a:r>
-              <a:rPr lang="en-US" altLang="zh-CN"/>
-              <a:t>accept()</a:t>
-            </a:r>
-            <a:endParaRPr lang="zh-CN" altLang="en-US"/>
-          </a:p>
-        </p:txBody>
-      </p:sp>
-      <p:sp>
-        <p:nvSpPr>
-          <p:cNvPr id="9" name="圆角矩形 8"/>
-          <p:cNvSpPr/>
-          <p:nvPr/>
-        </p:nvSpPr>
-        <p:spPr>
-          <a:xfrm>
-            <a:off x="6133465" y="3642360"/>
-            <a:ext cx="983615" cy="529590"/>
-          </a:xfrm>
-          <a:prstGeom prst="roundRect">
-            <a:avLst/>
-          </a:prstGeom>
-        </p:spPr>
-        <p:style>
-          <a:lnRef idx="2">
-            <a:schemeClr val="accent1">
-              <a:shade val="50000"/>
-            </a:schemeClr>
-          </a:lnRef>
-          <a:fillRef idx="1">
-            <a:schemeClr val="accent1"/>
-          </a:fillRef>
-          <a:effectRef idx="0">
-            <a:schemeClr val="accent1"/>
-          </a:effectRef>
-          <a:fontRef idx="minor">
-            <a:schemeClr val="lt1"/>
-          </a:fontRef>
-        </p:style>
-        <p:txBody>
-          <a:bodyPr rtlCol="0" anchor="ctr"/>
-          <a:p>
-            <a:pPr algn="ctr"/>
-            <a:r>
-              <a:rPr lang="en-US" altLang="zh-CN"/>
-              <a:t>read</a:t>
-            </a:r>
-            <a:endParaRPr lang="en-US" altLang="zh-CN"/>
-          </a:p>
-        </p:txBody>
-      </p:sp>
-      <p:sp>
-        <p:nvSpPr>
-          <p:cNvPr id="10" name="圆角矩形 9"/>
-          <p:cNvSpPr/>
-          <p:nvPr/>
-        </p:nvSpPr>
-        <p:spPr>
-          <a:xfrm>
-            <a:off x="7309485" y="3642360"/>
-            <a:ext cx="944880" cy="529590"/>
-          </a:xfrm>
-          <a:prstGeom prst="roundRect">
-            <a:avLst/>
-          </a:prstGeom>
-        </p:spPr>
-        <p:style>
-          <a:lnRef idx="2">
-            <a:schemeClr val="accent1">
-              <a:shade val="50000"/>
-            </a:schemeClr>
-          </a:lnRef>
-          <a:fillRef idx="1">
-            <a:schemeClr val="accent1"/>
-          </a:fillRef>
-          <a:effectRef idx="0">
-            <a:schemeClr val="accent1"/>
-          </a:effectRef>
-          <a:fontRef idx="minor">
-            <a:schemeClr val="lt1"/>
-          </a:fontRef>
-        </p:style>
-        <p:txBody>
-          <a:bodyPr rtlCol="0" anchor="ctr"/>
-          <a:p>
-            <a:pPr algn="ctr"/>
-            <a:r>
-              <a:rPr lang="en-US" altLang="zh-CN"/>
-              <a:t>decode</a:t>
-            </a:r>
-            <a:endParaRPr lang="en-US" altLang="zh-CN"/>
-          </a:p>
-        </p:txBody>
-      </p:sp>
-      <p:sp>
-        <p:nvSpPr>
-          <p:cNvPr id="11" name="圆角矩形 10"/>
-          <p:cNvSpPr/>
-          <p:nvPr/>
-        </p:nvSpPr>
-        <p:spPr>
-          <a:xfrm>
-            <a:off x="8413750" y="3642360"/>
-            <a:ext cx="1143000" cy="529590"/>
-          </a:xfrm>
-          <a:prstGeom prst="roundRect">
-            <a:avLst/>
-          </a:prstGeom>
-        </p:spPr>
-        <p:style>
-          <a:lnRef idx="2">
-            <a:schemeClr val="accent1">
-              <a:shade val="50000"/>
-            </a:schemeClr>
-          </a:lnRef>
-          <a:fillRef idx="1">
-            <a:schemeClr val="accent1"/>
-          </a:fillRef>
-          <a:effectRef idx="0">
-            <a:schemeClr val="accent1"/>
-          </a:effectRef>
-          <a:fontRef idx="minor">
-            <a:schemeClr val="lt1"/>
-          </a:fontRef>
-        </p:style>
-        <p:txBody>
-          <a:bodyPr rtlCol="0" anchor="ctr"/>
-          <a:p>
-            <a:pPr algn="ctr"/>
-            <a:r>
-              <a:rPr lang="en-US" altLang="zh-CN"/>
-              <a:t>compute</a:t>
-            </a:r>
-            <a:endParaRPr lang="en-US" altLang="zh-CN"/>
-          </a:p>
-        </p:txBody>
-      </p:sp>
-      <p:sp>
-        <p:nvSpPr>
-          <p:cNvPr id="13" name="圆角矩形 12"/>
-          <p:cNvSpPr/>
-          <p:nvPr/>
-        </p:nvSpPr>
-        <p:spPr>
-          <a:xfrm>
-            <a:off x="9705975" y="3642360"/>
-            <a:ext cx="944880" cy="529590"/>
-          </a:xfrm>
-          <a:prstGeom prst="roundRect">
-            <a:avLst/>
-          </a:prstGeom>
-        </p:spPr>
-        <p:style>
-          <a:lnRef idx="2">
-            <a:schemeClr val="accent1">
-              <a:shade val="50000"/>
-            </a:schemeClr>
-          </a:lnRef>
-          <a:fillRef idx="1">
-            <a:schemeClr val="accent1"/>
-          </a:fillRef>
-          <a:effectRef idx="0">
-            <a:schemeClr val="accent1"/>
-          </a:effectRef>
-          <a:fontRef idx="minor">
-            <a:schemeClr val="lt1"/>
-          </a:fontRef>
-        </p:style>
-        <p:txBody>
-          <a:bodyPr rtlCol="0" anchor="ctr"/>
-          <a:p>
-            <a:pPr algn="ctr"/>
-            <a:r>
-              <a:rPr lang="en-US" altLang="zh-CN"/>
-              <a:t>encode</a:t>
-            </a:r>
-            <a:endParaRPr lang="en-US" altLang="zh-CN"/>
-          </a:p>
-        </p:txBody>
-      </p:sp>
-      <p:sp>
-        <p:nvSpPr>
-          <p:cNvPr id="14" name="圆角矩形 13"/>
-          <p:cNvSpPr/>
-          <p:nvPr/>
-        </p:nvSpPr>
-        <p:spPr>
-          <a:xfrm>
-            <a:off x="10843260" y="3642360"/>
-            <a:ext cx="944880" cy="529590"/>
-          </a:xfrm>
-          <a:prstGeom prst="roundRect">
-            <a:avLst/>
-          </a:prstGeom>
-        </p:spPr>
-        <p:style>
-          <a:lnRef idx="2">
-            <a:schemeClr val="accent1">
-              <a:shade val="50000"/>
-            </a:schemeClr>
-          </a:lnRef>
-          <a:fillRef idx="1">
-            <a:schemeClr val="accent1"/>
-          </a:fillRef>
-          <a:effectRef idx="0">
-            <a:schemeClr val="accent1"/>
-          </a:effectRef>
-          <a:fontRef idx="minor">
-            <a:schemeClr val="lt1"/>
-          </a:fontRef>
-        </p:style>
-        <p:txBody>
-          <a:bodyPr rtlCol="0" anchor="ctr"/>
-          <a:p>
-            <a:pPr algn="ctr"/>
-            <a:r>
-              <a:rPr lang="en-US" altLang="zh-CN"/>
-              <a:t>send</a:t>
-            </a:r>
-            <a:endParaRPr lang="en-US" altLang="zh-CN"/>
-          </a:p>
-        </p:txBody>
-      </p:sp>
-      <p:sp>
-        <p:nvSpPr>
-          <p:cNvPr id="17" name="圆角矩形 16"/>
-          <p:cNvSpPr/>
-          <p:nvPr/>
-        </p:nvSpPr>
-        <p:spPr>
-          <a:xfrm>
-            <a:off x="6139180" y="4350385"/>
-            <a:ext cx="983615" cy="529590"/>
-          </a:xfrm>
-          <a:prstGeom prst="roundRect">
-            <a:avLst/>
-          </a:prstGeom>
-        </p:spPr>
-        <p:style>
-          <a:lnRef idx="2">
-            <a:schemeClr val="accent1">
-              <a:shade val="50000"/>
-            </a:schemeClr>
-          </a:lnRef>
-          <a:fillRef idx="1">
-            <a:schemeClr val="accent1"/>
-          </a:fillRef>
-          <a:effectRef idx="0">
-            <a:schemeClr val="accent1"/>
-          </a:effectRef>
-          <a:fontRef idx="minor">
-            <a:schemeClr val="lt1"/>
-          </a:fontRef>
-        </p:style>
-        <p:txBody>
-          <a:bodyPr rtlCol="0" anchor="ctr"/>
-          <a:p>
-            <a:pPr algn="ctr"/>
-            <a:r>
-              <a:rPr lang="en-US" altLang="zh-CN"/>
-              <a:t>read</a:t>
-            </a:r>
-            <a:endParaRPr lang="en-US" altLang="zh-CN"/>
-          </a:p>
-        </p:txBody>
-      </p:sp>
-      <p:sp>
-        <p:nvSpPr>
-          <p:cNvPr id="18" name="圆角矩形 17"/>
-          <p:cNvSpPr/>
-          <p:nvPr/>
-        </p:nvSpPr>
-        <p:spPr>
-          <a:xfrm>
-            <a:off x="7315200" y="4350385"/>
-            <a:ext cx="944880" cy="529590"/>
-          </a:xfrm>
-          <a:prstGeom prst="roundRect">
-            <a:avLst/>
-          </a:prstGeom>
-        </p:spPr>
-        <p:style>
-          <a:lnRef idx="2">
-            <a:schemeClr val="accent1">
-              <a:shade val="50000"/>
-            </a:schemeClr>
-          </a:lnRef>
-          <a:fillRef idx="1">
-            <a:schemeClr val="accent1"/>
-          </a:fillRef>
-          <a:effectRef idx="0">
-            <a:schemeClr val="accent1"/>
-          </a:effectRef>
-          <a:fontRef idx="minor">
-            <a:schemeClr val="lt1"/>
-          </a:fontRef>
-        </p:style>
-        <p:txBody>
-          <a:bodyPr rtlCol="0" anchor="ctr"/>
-          <a:p>
-            <a:pPr algn="ctr"/>
-            <a:r>
-              <a:rPr lang="en-US" altLang="zh-CN"/>
-              <a:t>decode</a:t>
-            </a:r>
-            <a:endParaRPr lang="en-US" altLang="zh-CN"/>
-          </a:p>
-        </p:txBody>
-      </p:sp>
-      <p:sp>
-        <p:nvSpPr>
-          <p:cNvPr id="19" name="圆角矩形 18"/>
-          <p:cNvSpPr/>
-          <p:nvPr/>
-        </p:nvSpPr>
-        <p:spPr>
-          <a:xfrm>
-            <a:off x="8419465" y="4350385"/>
-            <a:ext cx="1143000" cy="529590"/>
-          </a:xfrm>
-          <a:prstGeom prst="roundRect">
-            <a:avLst/>
-          </a:prstGeom>
-        </p:spPr>
-        <p:style>
-          <a:lnRef idx="2">
-            <a:schemeClr val="accent1">
-              <a:shade val="50000"/>
-            </a:schemeClr>
-          </a:lnRef>
-          <a:fillRef idx="1">
-            <a:schemeClr val="accent1"/>
-          </a:fillRef>
-          <a:effectRef idx="0">
-            <a:schemeClr val="accent1"/>
-          </a:effectRef>
-          <a:fontRef idx="minor">
-            <a:schemeClr val="lt1"/>
-          </a:fontRef>
-        </p:style>
-        <p:txBody>
-          <a:bodyPr rtlCol="0" anchor="ctr"/>
-          <a:p>
-            <a:pPr algn="ctr"/>
-            <a:r>
-              <a:rPr lang="en-US" altLang="zh-CN"/>
-              <a:t>compute</a:t>
-            </a:r>
-            <a:endParaRPr lang="en-US" altLang="zh-CN"/>
-          </a:p>
-        </p:txBody>
-      </p:sp>
-      <p:sp>
-        <p:nvSpPr>
-          <p:cNvPr id="20" name="圆角矩形 19"/>
-          <p:cNvSpPr/>
-          <p:nvPr/>
-        </p:nvSpPr>
-        <p:spPr>
-          <a:xfrm>
-            <a:off x="9711690" y="4350385"/>
-            <a:ext cx="944880" cy="529590"/>
-          </a:xfrm>
-          <a:prstGeom prst="roundRect">
-            <a:avLst/>
-          </a:prstGeom>
-        </p:spPr>
-        <p:style>
-          <a:lnRef idx="2">
-            <a:schemeClr val="accent1">
-              <a:shade val="50000"/>
-            </a:schemeClr>
-          </a:lnRef>
-          <a:fillRef idx="1">
-            <a:schemeClr val="accent1"/>
-          </a:fillRef>
-          <a:effectRef idx="0">
-            <a:schemeClr val="accent1"/>
-          </a:effectRef>
-          <a:fontRef idx="minor">
-            <a:schemeClr val="lt1"/>
-          </a:fontRef>
-        </p:style>
-        <p:txBody>
-          <a:bodyPr rtlCol="0" anchor="ctr"/>
-          <a:p>
-            <a:pPr algn="ctr"/>
-            <a:r>
-              <a:rPr lang="en-US" altLang="zh-CN"/>
-              <a:t>encode</a:t>
-            </a:r>
-            <a:endParaRPr lang="en-US" altLang="zh-CN"/>
-          </a:p>
-        </p:txBody>
-      </p:sp>
-      <p:sp>
-        <p:nvSpPr>
-          <p:cNvPr id="21" name="圆角矩形 20"/>
-          <p:cNvSpPr/>
-          <p:nvPr/>
-        </p:nvSpPr>
-        <p:spPr>
-          <a:xfrm>
-            <a:off x="10848975" y="4350385"/>
-            <a:ext cx="944880" cy="529590"/>
-          </a:xfrm>
-          <a:prstGeom prst="roundRect">
-            <a:avLst/>
-          </a:prstGeom>
-        </p:spPr>
-        <p:style>
-          <a:lnRef idx="2">
-            <a:schemeClr val="accent1">
-              <a:shade val="50000"/>
-            </a:schemeClr>
-          </a:lnRef>
-          <a:fillRef idx="1">
-            <a:schemeClr val="accent1"/>
-          </a:fillRef>
-          <a:effectRef idx="0">
-            <a:schemeClr val="accent1"/>
-          </a:effectRef>
-          <a:fontRef idx="minor">
-            <a:schemeClr val="lt1"/>
-          </a:fontRef>
-        </p:style>
-        <p:txBody>
-          <a:bodyPr rtlCol="0" anchor="ctr"/>
-          <a:p>
-            <a:pPr algn="ctr"/>
-            <a:r>
-              <a:rPr lang="en-US" altLang="zh-CN"/>
-              <a:t>send</a:t>
-            </a:r>
-            <a:endParaRPr lang="en-US" altLang="zh-CN"/>
-          </a:p>
-        </p:txBody>
-      </p:sp>
-      <p:sp>
-        <p:nvSpPr>
-          <p:cNvPr id="29" name="圆角矩形 28"/>
-          <p:cNvSpPr/>
-          <p:nvPr/>
-        </p:nvSpPr>
-        <p:spPr>
-          <a:xfrm>
-            <a:off x="6139180" y="5080635"/>
-            <a:ext cx="983615" cy="529590"/>
-          </a:xfrm>
-          <a:prstGeom prst="roundRect">
-            <a:avLst/>
-          </a:prstGeom>
-        </p:spPr>
-        <p:style>
-          <a:lnRef idx="2">
-            <a:schemeClr val="accent1">
-              <a:shade val="50000"/>
-            </a:schemeClr>
-          </a:lnRef>
-          <a:fillRef idx="1">
-            <a:schemeClr val="accent1"/>
-          </a:fillRef>
-          <a:effectRef idx="0">
-            <a:schemeClr val="accent1"/>
-          </a:effectRef>
-          <a:fontRef idx="minor">
-            <a:schemeClr val="lt1"/>
-          </a:fontRef>
-        </p:style>
-        <p:txBody>
-          <a:bodyPr rtlCol="0" anchor="ctr"/>
-          <a:p>
-            <a:pPr algn="ctr"/>
-            <a:r>
-              <a:rPr lang="en-US" altLang="zh-CN"/>
-              <a:t>read</a:t>
-            </a:r>
-            <a:endParaRPr lang="en-US" altLang="zh-CN"/>
-          </a:p>
-        </p:txBody>
-      </p:sp>
-      <p:sp>
-        <p:nvSpPr>
-          <p:cNvPr id="30" name="圆角矩形 29"/>
-          <p:cNvSpPr/>
-          <p:nvPr/>
-        </p:nvSpPr>
-        <p:spPr>
-          <a:xfrm>
-            <a:off x="7315200" y="5080635"/>
-            <a:ext cx="944880" cy="529590"/>
-          </a:xfrm>
-          <a:prstGeom prst="roundRect">
-            <a:avLst/>
-          </a:prstGeom>
-        </p:spPr>
-        <p:style>
-          <a:lnRef idx="2">
-            <a:schemeClr val="accent1">
-              <a:shade val="50000"/>
-            </a:schemeClr>
-          </a:lnRef>
-          <a:fillRef idx="1">
-            <a:schemeClr val="accent1"/>
-          </a:fillRef>
-          <a:effectRef idx="0">
-            <a:schemeClr val="accent1"/>
-          </a:effectRef>
-          <a:fontRef idx="minor">
-            <a:schemeClr val="lt1"/>
-          </a:fontRef>
-        </p:style>
-        <p:txBody>
-          <a:bodyPr rtlCol="0" anchor="ctr"/>
-          <a:p>
-            <a:pPr algn="ctr"/>
-            <a:r>
-              <a:rPr lang="en-US" altLang="zh-CN"/>
-              <a:t>decode</a:t>
-            </a:r>
-            <a:endParaRPr lang="en-US" altLang="zh-CN"/>
-          </a:p>
-        </p:txBody>
-      </p:sp>
-      <p:sp>
-        <p:nvSpPr>
-          <p:cNvPr id="31" name="圆角矩形 30"/>
-          <p:cNvSpPr/>
-          <p:nvPr/>
-        </p:nvSpPr>
-        <p:spPr>
-          <a:xfrm>
-            <a:off x="8419465" y="5080635"/>
-            <a:ext cx="1143000" cy="529590"/>
-          </a:xfrm>
-          <a:prstGeom prst="roundRect">
-            <a:avLst/>
-          </a:prstGeom>
-        </p:spPr>
-        <p:style>
-          <a:lnRef idx="2">
-            <a:schemeClr val="accent1">
-              <a:shade val="50000"/>
-            </a:schemeClr>
-          </a:lnRef>
-          <a:fillRef idx="1">
-            <a:schemeClr val="accent1"/>
-          </a:fillRef>
-          <a:effectRef idx="0">
-            <a:schemeClr val="accent1"/>
-          </a:effectRef>
-          <a:fontRef idx="minor">
-            <a:schemeClr val="lt1"/>
-          </a:fontRef>
-        </p:style>
-        <p:txBody>
-          <a:bodyPr rtlCol="0" anchor="ctr"/>
-          <a:p>
-            <a:pPr algn="ctr"/>
-            <a:r>
-              <a:rPr lang="en-US" altLang="zh-CN"/>
-              <a:t>compute</a:t>
-            </a:r>
-            <a:endParaRPr lang="en-US" altLang="zh-CN"/>
-          </a:p>
-        </p:txBody>
-      </p:sp>
-      <p:sp>
-        <p:nvSpPr>
-          <p:cNvPr id="32" name="圆角矩形 31"/>
-          <p:cNvSpPr/>
-          <p:nvPr/>
-        </p:nvSpPr>
-        <p:spPr>
-          <a:xfrm>
-            <a:off x="9711690" y="5080635"/>
-            <a:ext cx="944880" cy="529590"/>
-          </a:xfrm>
-          <a:prstGeom prst="roundRect">
-            <a:avLst/>
-          </a:prstGeom>
-        </p:spPr>
-        <p:style>
-          <a:lnRef idx="2">
-            <a:schemeClr val="accent1">
-              <a:shade val="50000"/>
-            </a:schemeClr>
-          </a:lnRef>
-          <a:fillRef idx="1">
-            <a:schemeClr val="accent1"/>
-          </a:fillRef>
-          <a:effectRef idx="0">
-            <a:schemeClr val="accent1"/>
-          </a:effectRef>
-          <a:fontRef idx="minor">
-            <a:schemeClr val="lt1"/>
-          </a:fontRef>
-        </p:style>
-        <p:txBody>
-          <a:bodyPr rtlCol="0" anchor="ctr"/>
-          <a:p>
-            <a:pPr algn="ctr"/>
-            <a:r>
-              <a:rPr lang="en-US" altLang="zh-CN"/>
-              <a:t>encode</a:t>
-            </a:r>
-            <a:endParaRPr lang="en-US" altLang="zh-CN"/>
-          </a:p>
-        </p:txBody>
-      </p:sp>
-      <p:sp>
-        <p:nvSpPr>
-          <p:cNvPr id="33" name="圆角矩形 32"/>
-          <p:cNvSpPr/>
-          <p:nvPr/>
-        </p:nvSpPr>
-        <p:spPr>
-          <a:xfrm>
-            <a:off x="10848975" y="5080635"/>
-            <a:ext cx="944880" cy="529590"/>
-          </a:xfrm>
-          <a:prstGeom prst="roundRect">
-            <a:avLst/>
-          </a:prstGeom>
-        </p:spPr>
-        <p:style>
-          <a:lnRef idx="2">
-            <a:schemeClr val="accent1">
-              <a:shade val="50000"/>
-            </a:schemeClr>
-          </a:lnRef>
-          <a:fillRef idx="1">
-            <a:schemeClr val="accent1"/>
-          </a:fillRef>
-          <a:effectRef idx="0">
-            <a:schemeClr val="accent1"/>
-          </a:effectRef>
-          <a:fontRef idx="minor">
-            <a:schemeClr val="lt1"/>
-          </a:fontRef>
-        </p:style>
-        <p:txBody>
-          <a:bodyPr rtlCol="0" anchor="ctr"/>
-          <a:p>
-            <a:pPr algn="ctr"/>
-            <a:r>
-              <a:rPr lang="en-US" altLang="zh-CN"/>
-              <a:t>send</a:t>
-            </a:r>
-            <a:endParaRPr lang="en-US" altLang="zh-CN"/>
-          </a:p>
-        </p:txBody>
-      </p:sp>
-      <p:cxnSp>
-        <p:nvCxnSpPr>
-          <p:cNvPr id="34" name="直接箭头连接符 33"/>
-          <p:cNvCxnSpPr/>
-          <p:nvPr/>
-        </p:nvCxnSpPr>
-        <p:spPr>
-          <a:xfrm flipV="1">
-            <a:off x="2301875" y="1880870"/>
-            <a:ext cx="2169795" cy="453390"/>
-          </a:xfrm>
-          <a:prstGeom prst="straightConnector1">
-            <a:avLst/>
-          </a:prstGeom>
-          <a:ln>
-            <a:tailEnd type="arrow"/>
-          </a:ln>
-        </p:spPr>
-        <p:style>
-          <a:lnRef idx="1">
-            <a:schemeClr val="accent1"/>
-          </a:lnRef>
-          <a:fillRef idx="0">
-            <a:schemeClr val="accent1"/>
-          </a:fillRef>
-          <a:effectRef idx="0">
-            <a:schemeClr val="accent1"/>
-          </a:effectRef>
-          <a:fontRef idx="minor">
-            <a:schemeClr val="tx1"/>
-          </a:fontRef>
-        </p:style>
-      </p:cxnSp>
-      <p:cxnSp>
-        <p:nvCxnSpPr>
-          <p:cNvPr id="35" name="直接箭头连接符 34"/>
-          <p:cNvCxnSpPr/>
-          <p:nvPr/>
-        </p:nvCxnSpPr>
-        <p:spPr>
-          <a:xfrm flipV="1">
-            <a:off x="2352040" y="2254885"/>
-            <a:ext cx="2051685" cy="2199005"/>
-          </a:xfrm>
-          <a:prstGeom prst="straightConnector1">
-            <a:avLst/>
-          </a:prstGeom>
-          <a:ln>
-            <a:tailEnd type="arrow"/>
-          </a:ln>
-        </p:spPr>
-        <p:style>
-          <a:lnRef idx="1">
-            <a:schemeClr val="accent1"/>
-          </a:lnRef>
-          <a:fillRef idx="0">
-            <a:schemeClr val="accent1"/>
-          </a:fillRef>
-          <a:effectRef idx="0">
-            <a:schemeClr val="accent1"/>
-          </a:effectRef>
-          <a:fontRef idx="minor">
-            <a:schemeClr val="tx1"/>
-          </a:fontRef>
-        </p:style>
-      </p:cxnSp>
-      <p:cxnSp>
-        <p:nvCxnSpPr>
-          <p:cNvPr id="36" name="直接箭头连接符 35"/>
-          <p:cNvCxnSpPr/>
-          <p:nvPr/>
-        </p:nvCxnSpPr>
-        <p:spPr>
-          <a:xfrm flipV="1">
-            <a:off x="2352040" y="2033905"/>
-            <a:ext cx="2085340" cy="1290955"/>
-          </a:xfrm>
-          <a:prstGeom prst="straightConnector1">
-            <a:avLst/>
-          </a:prstGeom>
-          <a:ln>
-            <a:tailEnd type="arrow"/>
-          </a:ln>
-        </p:spPr>
-        <p:style>
-          <a:lnRef idx="1">
-            <a:schemeClr val="accent1"/>
-          </a:lnRef>
-          <a:fillRef idx="0">
-            <a:schemeClr val="accent1"/>
-          </a:fillRef>
-          <a:effectRef idx="0">
-            <a:schemeClr val="accent1"/>
-          </a:effectRef>
-          <a:fontRef idx="minor">
-            <a:schemeClr val="tx1"/>
-          </a:fontRef>
-        </p:style>
-      </p:cxnSp>
-      <p:sp>
-        <p:nvSpPr>
-          <p:cNvPr id="8" name="椭圆 7"/>
-          <p:cNvSpPr/>
-          <p:nvPr/>
-        </p:nvSpPr>
-        <p:spPr>
-          <a:xfrm>
-            <a:off x="3698240" y="4037330"/>
-            <a:ext cx="1971675" cy="1156335"/>
-          </a:xfrm>
-          <a:prstGeom prst="ellipse">
-            <a:avLst/>
-          </a:prstGeom>
-        </p:spPr>
-        <p:style>
-          <a:lnRef idx="2">
-            <a:schemeClr val="accent4">
-              <a:shade val="50000"/>
-            </a:schemeClr>
-          </a:lnRef>
-          <a:fillRef idx="1">
-            <a:schemeClr val="accent4"/>
-          </a:fillRef>
-          <a:effectRef idx="0">
-            <a:schemeClr val="accent4"/>
-          </a:effectRef>
-          <a:fontRef idx="minor">
-            <a:schemeClr val="lt1"/>
-          </a:fontRef>
-        </p:style>
-        <p:txBody>
-          <a:bodyPr rtlCol="0" anchor="ctr"/>
-          <a:p>
-            <a:pPr algn="ctr"/>
-            <a:r>
-              <a:rPr lang="en-US" altLang="zh-CN" sz="2400"/>
-              <a:t>Acceptor</a:t>
-            </a:r>
-            <a:endParaRPr lang="en-US" altLang="zh-CN" sz="2400"/>
-          </a:p>
-        </p:txBody>
-      </p:sp>
-      <p:sp>
-        <p:nvSpPr>
-          <p:cNvPr id="12" name="矩形 11"/>
-          <p:cNvSpPr/>
-          <p:nvPr/>
-        </p:nvSpPr>
-        <p:spPr>
-          <a:xfrm>
-            <a:off x="6647815" y="1965960"/>
-            <a:ext cx="2244725" cy="374015"/>
-          </a:xfrm>
-          <a:prstGeom prst="rect">
-            <a:avLst/>
-          </a:prstGeom>
-        </p:spPr>
-        <p:style>
-          <a:lnRef idx="1">
-            <a:schemeClr val="accent6"/>
-          </a:lnRef>
-          <a:fillRef idx="3">
-            <a:schemeClr val="accent6"/>
-          </a:fillRef>
-          <a:effectRef idx="2">
-            <a:schemeClr val="accent6"/>
-          </a:effectRef>
-          <a:fontRef idx="minor">
-            <a:schemeClr val="lt1"/>
-          </a:fontRef>
-        </p:style>
-        <p:txBody>
-          <a:bodyPr rtlCol="0" anchor="ctr"/>
-          <a:p>
-            <a:pPr algn="ctr"/>
-            <a:r>
-              <a:rPr lang="en-US" altLang="zh-CN"/>
-              <a:t>dispatch</a:t>
-            </a:r>
-            <a:endParaRPr lang="en-US" altLang="zh-CN"/>
-          </a:p>
-        </p:txBody>
-      </p:sp>
-      <p:cxnSp>
-        <p:nvCxnSpPr>
-          <p:cNvPr id="22" name="直接箭头连接符 21"/>
-          <p:cNvCxnSpPr/>
-          <p:nvPr/>
-        </p:nvCxnSpPr>
-        <p:spPr>
-          <a:xfrm flipH="1">
-            <a:off x="6936740" y="2400935"/>
-            <a:ext cx="372745" cy="1180465"/>
-          </a:xfrm>
-          <a:prstGeom prst="straightConnector1">
-            <a:avLst/>
-          </a:prstGeom>
-          <a:ln>
-            <a:tailEnd type="arrow"/>
-          </a:ln>
-        </p:spPr>
-        <p:style>
-          <a:lnRef idx="1">
-            <a:schemeClr val="accent1"/>
-          </a:lnRef>
-          <a:fillRef idx="0">
-            <a:schemeClr val="accent1"/>
-          </a:fillRef>
-          <a:effectRef idx="0">
-            <a:schemeClr val="accent1"/>
-          </a:effectRef>
-          <a:fontRef idx="minor">
-            <a:schemeClr val="tx1"/>
-          </a:fontRef>
-        </p:style>
-      </p:cxnSp>
-      <p:cxnSp>
-        <p:nvCxnSpPr>
-          <p:cNvPr id="23" name="直接箭头连接符 22"/>
-          <p:cNvCxnSpPr/>
-          <p:nvPr/>
-        </p:nvCxnSpPr>
-        <p:spPr>
-          <a:xfrm flipH="1">
-            <a:off x="6988175" y="2425065"/>
-            <a:ext cx="323215" cy="2635250"/>
-          </a:xfrm>
-          <a:prstGeom prst="straightConnector1">
-            <a:avLst/>
-          </a:prstGeom>
-          <a:ln>
-            <a:tailEnd type="arrow"/>
-          </a:ln>
-        </p:spPr>
-        <p:style>
-          <a:lnRef idx="1">
-            <a:schemeClr val="accent1"/>
-          </a:lnRef>
-          <a:fillRef idx="0">
-            <a:schemeClr val="accent1"/>
-          </a:fillRef>
-          <a:effectRef idx="0">
-            <a:schemeClr val="accent1"/>
-          </a:effectRef>
-          <a:fontRef idx="minor">
-            <a:schemeClr val="tx1"/>
-          </a:fontRef>
-        </p:style>
-      </p:cxnSp>
-      <p:cxnSp>
-        <p:nvCxnSpPr>
-          <p:cNvPr id="24" name="直接箭头连接符 23"/>
-          <p:cNvCxnSpPr/>
-          <p:nvPr/>
-        </p:nvCxnSpPr>
-        <p:spPr>
-          <a:xfrm flipH="1">
-            <a:off x="6988175" y="2322830"/>
-            <a:ext cx="306070" cy="1955800"/>
-          </a:xfrm>
-          <a:prstGeom prst="straightConnector1">
-            <a:avLst/>
-          </a:prstGeom>
-          <a:ln>
-            <a:tailEnd type="arrow"/>
-          </a:ln>
-        </p:spPr>
-        <p:style>
-          <a:lnRef idx="1">
-            <a:schemeClr val="accent1"/>
-          </a:lnRef>
-          <a:fillRef idx="0">
-            <a:schemeClr val="accent1"/>
-          </a:fillRef>
-          <a:effectRef idx="0">
-            <a:schemeClr val="accent1"/>
-          </a:effectRef>
-          <a:fontRef idx="minor">
-            <a:schemeClr val="tx1"/>
-          </a:fontRef>
-        </p:style>
-      </p:cxnSp>
-      <p:cxnSp>
-        <p:nvCxnSpPr>
-          <p:cNvPr id="25" name="直接箭头连接符 24"/>
-          <p:cNvCxnSpPr/>
-          <p:nvPr/>
-        </p:nvCxnSpPr>
-        <p:spPr>
-          <a:xfrm>
-            <a:off x="8654415" y="2339975"/>
-            <a:ext cx="2380615" cy="1428115"/>
-          </a:xfrm>
-          <a:prstGeom prst="straightConnector1">
-            <a:avLst/>
-          </a:prstGeom>
-          <a:ln>
-            <a:tailEnd type="arrow"/>
-          </a:ln>
-        </p:spPr>
-        <p:style>
-          <a:lnRef idx="1">
-            <a:schemeClr val="accent1"/>
-          </a:lnRef>
-          <a:fillRef idx="0">
-            <a:schemeClr val="accent1"/>
-          </a:fillRef>
-          <a:effectRef idx="0">
-            <a:schemeClr val="accent1"/>
-          </a:effectRef>
-          <a:fontRef idx="minor">
-            <a:schemeClr val="tx1"/>
-          </a:fontRef>
-        </p:style>
-      </p:cxnSp>
-      <p:cxnSp>
-        <p:nvCxnSpPr>
-          <p:cNvPr id="26" name="直接箭头连接符 25"/>
-          <p:cNvCxnSpPr/>
-          <p:nvPr/>
-        </p:nvCxnSpPr>
-        <p:spPr>
-          <a:xfrm>
-            <a:off x="8654415" y="2339975"/>
-            <a:ext cx="2227580" cy="2040255"/>
-          </a:xfrm>
-          <a:prstGeom prst="straightConnector1">
-            <a:avLst/>
-          </a:prstGeom>
-          <a:ln>
-            <a:tailEnd type="arrow"/>
-          </a:ln>
-        </p:spPr>
-        <p:style>
-          <a:lnRef idx="1">
-            <a:schemeClr val="accent1"/>
-          </a:lnRef>
-          <a:fillRef idx="0">
-            <a:schemeClr val="accent1"/>
-          </a:fillRef>
-          <a:effectRef idx="0">
-            <a:schemeClr val="accent1"/>
-          </a:effectRef>
-          <a:fontRef idx="minor">
-            <a:schemeClr val="tx1"/>
-          </a:fontRef>
-        </p:style>
-      </p:cxnSp>
-      <p:cxnSp>
-        <p:nvCxnSpPr>
-          <p:cNvPr id="27" name="直接箭头连接符 26"/>
-          <p:cNvCxnSpPr/>
-          <p:nvPr/>
-        </p:nvCxnSpPr>
-        <p:spPr>
-          <a:xfrm>
-            <a:off x="8637270" y="2339975"/>
-            <a:ext cx="2176780" cy="2754630"/>
-          </a:xfrm>
-          <a:prstGeom prst="straightConnector1">
-            <a:avLst/>
-          </a:prstGeom>
-          <a:ln>
-            <a:tailEnd type="arrow"/>
-          </a:ln>
-        </p:spPr>
-        <p:style>
-          <a:lnRef idx="1">
-            <a:schemeClr val="accent1"/>
-          </a:lnRef>
-          <a:fillRef idx="0">
-            <a:schemeClr val="accent1"/>
-          </a:fillRef>
-          <a:effectRef idx="0">
-            <a:schemeClr val="accent1"/>
-          </a:effectRef>
-          <a:fontRef idx="minor">
-            <a:schemeClr val="tx1"/>
-          </a:fontRef>
-        </p:style>
-      </p:cxnSp>
-      <p:cxnSp>
-        <p:nvCxnSpPr>
-          <p:cNvPr id="43" name="直接箭头连接符 42"/>
-          <p:cNvCxnSpPr/>
-          <p:nvPr/>
-        </p:nvCxnSpPr>
-        <p:spPr>
-          <a:xfrm flipV="1">
-            <a:off x="4845685" y="2357120"/>
-            <a:ext cx="1819275" cy="1615440"/>
-          </a:xfrm>
-          <a:prstGeom prst="straightConnector1">
-            <a:avLst/>
-          </a:prstGeom>
-          <a:ln>
-            <a:headEnd type="arrow"/>
-            <a:tailEnd type="arrow"/>
-          </a:ln>
-        </p:spPr>
-        <p:style>
-          <a:lnRef idx="1">
-            <a:schemeClr val="accent1"/>
-          </a:lnRef>
-          <a:fillRef idx="0">
-            <a:schemeClr val="accent1"/>
-          </a:fillRef>
-          <a:effectRef idx="0">
-            <a:schemeClr val="accent1"/>
-          </a:effectRef>
-          <a:fontRef idx="minor">
-            <a:schemeClr val="tx1"/>
-          </a:fontRef>
-        </p:style>
-      </p:cxnSp>
+          <a:p>
+            <a:r>
+              <a:rPr lang="zh-CN" altLang="en-US"/>
+              <a:t>水平触发  边缘触发 </a:t>
+            </a:r>
+            <a:endParaRPr lang="zh-CN" altLang="en-US"/>
+          </a:p>
+          <a:p>
+            <a:pPr marL="0" indent="0">
+              <a:buNone/>
+            </a:pPr>
+            <a:endParaRPr lang="zh-CN" altLang="en-US"/>
+          </a:p>
+        </p:txBody>
+      </p:sp>
     </p:spTree>
   </p:cSld>
   <p:clrMapOvr>

--- a/io/Netty.pptx
+++ b/io/Netty.pptx
@@ -24,8 +24,11 @@
     <p:sldId id="270" r:id="rId17"/>
     <p:sldId id="273" r:id="rId18"/>
     <p:sldId id="276" r:id="rId19"/>
-    <p:sldId id="264" r:id="rId20"/>
-    <p:sldId id="277" r:id="rId21"/>
+    <p:sldId id="291" r:id="rId20"/>
+    <p:sldId id="292" r:id="rId21"/>
+    <p:sldId id="293" r:id="rId22"/>
+    <p:sldId id="264" r:id="rId23"/>
+    <p:sldId id="277" r:id="rId24"/>
   </p:sldIdLst>
   <p:sldSz cx="12192000" cy="6858000"/>
   <p:notesSz cx="7103745" cy="10234295"/>
@@ -756,11 +759,7 @@
             </a:r>
             <a:r>
               <a:rPr lang="zh-CN" altLang="en-US"/>
-              <a:t>的问题而阻塞着啥事儿不能干。</a:t>
-            </a:r>
-            <a:r>
-              <a:rPr lang="zh-CN" altLang="en-US"/>
-              <a:t>。</a:t>
+              <a:t>的问题而阻塞着啥事儿不能干。。</a:t>
             </a:r>
             <a:endParaRPr lang="zh-CN" altLang="en-US"/>
           </a:p>
@@ -932,11 +931,7 @@
             </a:r>
             <a:r>
               <a:rPr lang="zh-CN" altLang="en-US"/>
-              <a:t>上</a:t>
-            </a:r>
-            <a:r>
-              <a:rPr lang="zh-CN" altLang="en-US"/>
-              <a:t>和我说，</a:t>
+              <a:t>上和我说，</a:t>
             </a:r>
             <a:r>
               <a:rPr lang="en-US" altLang="zh-CN"/>
@@ -959,11 +954,7 @@
           <a:p>
             <a:r>
               <a:rPr lang="zh-CN" altLang="en-US"/>
-              <a:t>屁颠屁颠坐电梯下楼</a:t>
-            </a:r>
-            <a:r>
-              <a:rPr lang="zh-CN" altLang="en-US"/>
-              <a:t>后，发现只有一个，还差九个，不全。这时候我应该：</a:t>
+              <a:t>屁颠屁颠坐电梯下楼后，发现只有一个，还差九个，不全。这时候我应该：</a:t>
             </a:r>
             <a:endParaRPr lang="zh-CN" altLang="en-US"/>
           </a:p>
@@ -985,11 +976,7 @@
             </a:r>
             <a:r>
               <a:rPr lang="zh-CN" altLang="en-US"/>
-              <a:t>，实现业务</a:t>
-            </a:r>
-            <a:r>
-              <a:rPr lang="zh-CN" altLang="en-US"/>
-              <a:t>需求，迎娶白富美走上人生巅峰的；结果我却在等快递。</a:t>
+              <a:t>，实现业务需求，迎娶白富美走上人生巅峰的；结果我却在等快递。</a:t>
             </a:r>
             <a:endParaRPr lang="zh-CN" altLang="en-US"/>
           </a:p>
@@ -1019,15 +1006,7 @@
             </a:r>
             <a:r>
               <a:rPr lang="zh-CN" altLang="en-US"/>
-              <a:t>问题</a:t>
-            </a:r>
-            <a:r>
-              <a:rPr lang="zh-CN" altLang="en-US"/>
-              <a:t>阻塞住了，啥事儿都</a:t>
-            </a:r>
-            <a:r>
-              <a:rPr lang="zh-CN" altLang="en-US"/>
-              <a:t>干不了</a:t>
+              <a:t>问题阻塞住了，啥事儿都干不了</a:t>
             </a:r>
             <a:endParaRPr lang="zh-CN" altLang="en-US"/>
           </a:p>
@@ -1041,15 +1020,7 @@
           <a:p>
             <a:r>
               <a:rPr lang="zh-CN" altLang="en-US"/>
-              <a:t>先上楼，然后每隔个十五分钟在下楼问小哥，快递到了么，直到所有快递都到了就停止这个行为</a:t>
-            </a:r>
-            <a:r>
-              <a:rPr lang="zh-CN" altLang="en-US"/>
-              <a:t>；（非阻塞，但是效率还是不高</a:t>
-            </a:r>
-            <a:r>
-              <a:rPr lang="zh-CN" altLang="en-US"/>
-              <a:t>）</a:t>
+              <a:t>先上楼，然后每隔个十五分钟在下楼问小哥，快递到了么，直到所有快递都到了就停止这个行为；（非阻塞，但是效率还是不高）</a:t>
             </a:r>
             <a:endParaRPr lang="zh-CN" altLang="en-US"/>
           </a:p>
@@ -1104,11 +1075,7 @@
           <a:p>
             <a:r>
               <a:rPr lang="zh-CN" altLang="en-US"/>
-              <a:t>前面的收发室小哥已经很累了，职责</a:t>
-            </a:r>
-            <a:r>
-              <a:rPr lang="zh-CN" altLang="en-US"/>
-              <a:t>单一，让他看好那件事就好了。</a:t>
+              <a:t>前面的收发室小哥已经很累了，职责单一，让他看好那件事就好了。</a:t>
             </a:r>
             <a:endParaRPr lang="zh-CN" altLang="en-US"/>
           </a:p>
@@ -5823,6 +5790,22 @@
             </a:endParaRPr>
           </a:p>
           <a:p>
+            <a:endParaRPr lang="zh-CN" altLang="en-US">
+              <a:sym typeface="+mn-ea"/>
+            </a:endParaRPr>
+          </a:p>
+          <a:p>
+            <a:r>
+              <a:rPr lang="zh-CN" altLang="en-US">
+                <a:sym typeface="+mn-ea"/>
+              </a:rPr>
+              <a:t>极大地提高了高并发场景下弹性伸缩地能力以及可靠性</a:t>
+            </a:r>
+            <a:endParaRPr lang="zh-CN" altLang="en-US">
+              <a:sym typeface="+mn-ea"/>
+            </a:endParaRPr>
+          </a:p>
+          <a:p>
             <a:pPr marL="0" indent="0">
               <a:buNone/>
             </a:pPr>
@@ -5898,11 +5881,7 @@
             <a:pPr lvl="1"/>
             <a:r>
               <a:rPr lang="en-US" altLang="zh-CN"/>
-              <a:t>Fewer R</a:t>
-            </a:r>
-            <a:r>
-              <a:rPr lang="en-US" altLang="zh-CN"/>
-              <a:t>esources</a:t>
+              <a:t>Fewer Resources</a:t>
             </a:r>
             <a:endParaRPr lang="en-US" altLang="zh-CN"/>
           </a:p>
@@ -6189,11 +6168,7 @@
             </a:pPr>
             <a:r>
               <a:rPr lang="zh-CN" altLang="en-US" sz="3200" b="1"/>
-              <a:t>疑问：</a:t>
-            </a:r>
-            <a:r>
-              <a:rPr lang="zh-CN" altLang="en-US" sz="3200" b="1"/>
-              <a:t>线程数是不是设置得越多越好？</a:t>
+              <a:t>疑问：线程数是不是设置得越多越好？</a:t>
             </a:r>
             <a:endParaRPr lang="zh-CN" altLang="en-US"/>
           </a:p>
@@ -6229,11 +6204,7 @@
             </a:pPr>
             <a:r>
               <a:rPr lang="zh-CN" altLang="en-US"/>
-              <a:t>简单的说，就是</a:t>
-            </a:r>
-            <a:r>
-              <a:rPr lang="zh-CN" altLang="en-US"/>
-              <a:t>合理配置 </a:t>
+              <a:t>简单的说，就是合理配置 </a:t>
             </a:r>
             <a:r>
               <a:rPr lang="en-US" altLang="zh-CN" sz="3200" b="1"/>
@@ -6465,13 +6436,18 @@
             <p:ph type="title"/>
           </p:nvPr>
         </p:nvSpPr>
-        <p:spPr/>
+        <p:spPr>
+          <a:xfrm>
+            <a:off x="838200" y="365125"/>
+            <a:ext cx="10515600" cy="1325563"/>
+          </a:xfrm>
+        </p:spPr>
         <p:txBody>
           <a:bodyPr/>
           <a:p>
             <a:r>
               <a:rPr lang="zh-CN" altLang="en-US"/>
-              <a:t>参考</a:t>
+              <a:t>问题</a:t>
             </a:r>
             <a:endParaRPr lang="zh-CN" altLang="en-US"/>
           </a:p>
@@ -6492,146 +6468,10 @@
           <a:bodyPr/>
           <a:p>
             <a:r>
-              <a:rPr lang="en-US" altLang="zh-CN"/>
-              <a:t>Scalable IO in Java</a:t>
-            </a:r>
-            <a:r>
-              <a:rPr lang="zh-CN" altLang="en-US">
-                <a:sym typeface="+mn-ea"/>
-              </a:rPr>
-              <a:t>，</a:t>
-            </a:r>
-            <a:r>
-              <a:rPr lang="en-US" altLang="zh-CN">
-                <a:sym typeface="+mn-ea"/>
-              </a:rPr>
-              <a:t>Doug Lea</a:t>
-            </a:r>
-            <a:endParaRPr lang="zh-CN" altLang="en-US"/>
-          </a:p>
-          <a:p>
-            <a:pPr marL="457200" lvl="1" indent="0">
-              <a:buNone/>
-            </a:pPr>
-            <a:r>
-              <a:rPr lang="zh-CN" altLang="en-US"/>
-              <a:t>http://gee.cs.oswego.edu/dl/cpjslides/nio.pdf</a:t>
-            </a:r>
-            <a:endParaRPr lang="zh-CN" altLang="en-US"/>
-          </a:p>
-          <a:p>
-            <a:r>
-              <a:rPr lang="zh-CN" altLang="en-US"/>
-              <a:t>有人要将</a:t>
-            </a:r>
-            <a:r>
-              <a:rPr lang="en-US" altLang="zh-CN"/>
-              <a:t>“</a:t>
-            </a:r>
-            <a:r>
-              <a:rPr lang="zh-CN" altLang="en-US"/>
-              <a:t>高并发</a:t>
-            </a:r>
-            <a:r>
-              <a:rPr lang="en-US" altLang="zh-CN"/>
-              <a:t>”</a:t>
-            </a:r>
-            <a:r>
-              <a:rPr lang="zh-CN" altLang="en-US"/>
-              <a:t>拉下</a:t>
-            </a:r>
-            <a:r>
-              <a:rPr lang="en-US" altLang="zh-CN"/>
-              <a:t>“</a:t>
-            </a:r>
-            <a:r>
-              <a:rPr lang="zh-CN" altLang="en-US"/>
-              <a:t>神坛</a:t>
-            </a:r>
-            <a:r>
-              <a:rPr lang="en-US" altLang="zh-CN"/>
-              <a:t>”</a:t>
-            </a:r>
-            <a:endParaRPr lang="en-US" altLang="zh-CN"/>
-          </a:p>
-          <a:p>
-            <a:pPr marL="457200" lvl="1" indent="0">
-              <a:buNone/>
-            </a:pPr>
-            <a:r>
-              <a:rPr lang="zh-CN" altLang="en-US"/>
-              <a:t>https://mp.weixin.qq.com/s/KXBcWmO1MMPmQ_nytCBRkQ</a:t>
-            </a:r>
-            <a:endParaRPr lang="zh-CN" altLang="en-US"/>
-          </a:p>
-          <a:p>
-            <a:r>
-              <a:rPr lang="zh-CN" altLang="en-US" sz="2800"/>
-              <a:t>Netty系列之Netty高性能之道，李林峰</a:t>
-            </a:r>
-            <a:endParaRPr lang="zh-CN" altLang="en-US" sz="2800"/>
-          </a:p>
-          <a:p>
-            <a:pPr lvl="1"/>
-            <a:r>
-              <a:rPr lang="zh-CN" altLang="en-US"/>
-              <a:t>http://www.infoq.com/cn/articles/netty-high-performance</a:t>
-            </a:r>
-            <a:endParaRPr lang="zh-CN" altLang="en-US"/>
-          </a:p>
-          <a:p>
-            <a:r>
-              <a:rPr lang="en-US" altLang="zh-CN">
-                <a:solidFill>
-                  <a:schemeClr val="bg1"/>
-                </a:solidFill>
-              </a:rPr>
-              <a:t>todo</a:t>
-            </a:r>
-            <a:endParaRPr lang="en-US" altLang="zh-CN">
-              <a:solidFill>
-                <a:schemeClr val="bg1"/>
-              </a:solidFill>
-            </a:endParaRPr>
-          </a:p>
-          <a:p>
-            <a:r>
-              <a:rPr lang="zh-CN" altLang="en-US">
-                <a:solidFill>
-                  <a:schemeClr val="tx1"/>
-                </a:solidFill>
-              </a:rPr>
-              <a:t>代码</a:t>
-            </a:r>
-            <a:r>
-              <a:rPr lang="en-US" altLang="zh-CN">
-                <a:solidFill>
-                  <a:schemeClr val="tx1"/>
-                </a:solidFill>
-              </a:rPr>
-              <a:t>demo</a:t>
-            </a:r>
-            <a:r>
-              <a:rPr lang="zh-CN" altLang="en-US">
-                <a:solidFill>
-                  <a:schemeClr val="tx1"/>
-                </a:solidFill>
-              </a:rPr>
-              <a:t>：</a:t>
-            </a:r>
-            <a:r>
-              <a:rPr lang="en-US" altLang="zh-CN">
-                <a:solidFill>
-                  <a:schemeClr val="tx1"/>
-                </a:solidFill>
-              </a:rPr>
-              <a:t>https://github.com/zy475459736/progress/tree/master/io</a:t>
-            </a:r>
-            <a:endParaRPr lang="en-US" altLang="zh-CN">
-              <a:solidFill>
-                <a:schemeClr val="tx1"/>
-              </a:solidFill>
-            </a:endParaRPr>
+              <a:rPr lang="zh-CN" altLang="en-US"/>
+              <a:t>BIO线程模型中，阻塞会发生在两个地方，ServerSocket.accept()方法和InputStream read Outputstream write 方法。线程因为IO问题被阻塞的话，我理解是cpu不会分时间片给这些BLOCK中的线程的，既然如此，虽说是“阻塞”了，但是也没有浪费cpu时间片啊。NIO比BIO的性能优势到底体现在哪里？</a:t>
+            </a:r>
+            <a:endParaRPr lang="zh-CN" altLang="en-US"/>
           </a:p>
         </p:txBody>
       </p:sp>
@@ -6655,33 +6495,161 @@
       <p:grpSpPr/>
       <p:sp>
         <p:nvSpPr>
-          <p:cNvPr id="4" name="文本框 3"/>
-          <p:cNvSpPr txBox="1"/>
-          <p:nvPr/>
-        </p:nvSpPr>
-        <p:spPr>
-          <a:xfrm>
-            <a:off x="5320030" y="2646045"/>
-            <a:ext cx="1551940" cy="768350"/>
+          <p:cNvPr id="2" name="标题 1"/>
+          <p:cNvSpPr>
+            <a:spLocks noGrp="1"/>
+          </p:cNvSpPr>
+          <p:nvPr>
+            <p:ph type="title"/>
+          </p:nvPr>
+        </p:nvSpPr>
+        <p:spPr/>
+        <p:txBody>
+          <a:bodyPr/>
+          <a:p>
+            <a:endParaRPr lang="zh-CN" altLang="en-US"/>
+          </a:p>
+        </p:txBody>
+      </p:sp>
+      <p:pic>
+        <p:nvPicPr>
+          <p:cNvPr id="4" name="内容占位符 3"/>
+          <p:cNvPicPr>
+            <a:picLocks noChangeAspect="1"/>
+          </p:cNvPicPr>
+          <p:nvPr>
+            <p:ph idx="1"/>
+          </p:nvPr>
+        </p:nvPicPr>
+        <p:blipFill>
+          <a:blip r:embed="rId1"/>
+          <a:stretch>
+            <a:fillRect/>
+          </a:stretch>
+        </p:blipFill>
+        <p:spPr>
+          <a:xfrm>
+            <a:off x="979170" y="165735"/>
+            <a:ext cx="10515600" cy="909320"/>
           </a:xfrm>
           <a:prstGeom prst="rect">
             <a:avLst/>
           </a:prstGeom>
-          <a:noFill/>
-        </p:spPr>
-        <p:txBody>
-          <a:bodyPr wrap="square" rtlCol="0">
-            <a:spAutoFit/>
-          </a:bodyPr>
-          <a:p>
-            <a:r>
-              <a:rPr lang="zh-CN" altLang="en-US" sz="4400"/>
-              <a:t>谢 谢</a:t>
-            </a:r>
-            <a:endParaRPr lang="zh-CN" altLang="en-US" sz="4400"/>
-          </a:p>
-        </p:txBody>
-      </p:sp>
+        </p:spPr>
+      </p:pic>
+      <p:pic>
+        <p:nvPicPr>
+          <p:cNvPr id="5" name="图片 4"/>
+          <p:cNvPicPr>
+            <a:picLocks noChangeAspect="1"/>
+          </p:cNvPicPr>
+          <p:nvPr/>
+        </p:nvPicPr>
+        <p:blipFill>
+          <a:blip r:embed="rId2"/>
+          <a:stretch>
+            <a:fillRect/>
+          </a:stretch>
+        </p:blipFill>
+        <p:spPr>
+          <a:xfrm>
+            <a:off x="838200" y="1797050"/>
+            <a:ext cx="18772505" cy="3578225"/>
+          </a:xfrm>
+          <a:prstGeom prst="rect">
+            <a:avLst/>
+          </a:prstGeom>
+        </p:spPr>
+      </p:pic>
+    </p:spTree>
+  </p:cSld>
+  <p:clrMapOvr>
+    <a:masterClrMapping/>
+  </p:clrMapOvr>
+</p:sld>
+</file>
+
+<file path=ppt/slides/slide19.xml><?xml version="1.0" encoding="utf-8"?>
+<p:sld xmlns:a="http://schemas.openxmlformats.org/drawingml/2006/main" xmlns:r="http://schemas.openxmlformats.org/officeDocument/2006/relationships" xmlns:p="http://schemas.openxmlformats.org/presentationml/2006/main">
+  <p:cSld>
+    <p:spTree>
+      <p:nvGrpSpPr>
+        <p:cNvPr id="1" name=""/>
+        <p:cNvGrpSpPr/>
+        <p:nvPr/>
+      </p:nvGrpSpPr>
+      <p:grpSpPr/>
+      <p:sp>
+        <p:nvSpPr>
+          <p:cNvPr id="2" name="标题 1"/>
+          <p:cNvSpPr>
+            <a:spLocks noGrp="1"/>
+          </p:cNvSpPr>
+          <p:nvPr>
+            <p:ph type="title"/>
+          </p:nvPr>
+        </p:nvSpPr>
+        <p:spPr/>
+        <p:txBody>
+          <a:bodyPr/>
+          <a:p>
+            <a:endParaRPr lang="zh-CN" altLang="en-US"/>
+          </a:p>
+        </p:txBody>
+      </p:sp>
+      <p:sp>
+        <p:nvSpPr>
+          <p:cNvPr id="3" name="内容占位符 2"/>
+          <p:cNvSpPr>
+            <a:spLocks noGrp="1"/>
+          </p:cNvSpPr>
+          <p:nvPr>
+            <p:ph idx="1"/>
+          </p:nvPr>
+        </p:nvSpPr>
+        <p:spPr/>
+        <p:txBody>
+          <a:bodyPr/>
+          <a:p>
+            <a:r>
+              <a:rPr lang="zh-CN" altLang="en-US"/>
+              <a:t>主要和 线程较多后存在的大量线程切换有关。</a:t>
+            </a:r>
+            <a:endParaRPr lang="zh-CN" altLang="en-US"/>
+          </a:p>
+          <a:p>
+            <a:r>
+              <a:rPr lang="zh-CN" altLang="en-US"/>
+              <a:t>NIO中 Select的select（）方法还是阻塞的。但是在高并发场景下，将大量线程的IO等待时间仅仅作用在一个线程之上</a:t>
+            </a:r>
+            <a:endParaRPr lang="zh-CN" altLang="en-US"/>
+          </a:p>
+        </p:txBody>
+      </p:sp>
+      <p:pic>
+        <p:nvPicPr>
+          <p:cNvPr id="4" name="图片 3" descr="屏幕快照 2018-09-05 下午7.29.08"/>
+          <p:cNvPicPr>
+            <a:picLocks noChangeAspect="1"/>
+          </p:cNvPicPr>
+          <p:nvPr/>
+        </p:nvPicPr>
+        <p:blipFill>
+          <a:blip r:embed="rId1"/>
+          <a:stretch>
+            <a:fillRect/>
+          </a:stretch>
+        </p:blipFill>
+        <p:spPr>
+          <a:xfrm>
+            <a:off x="4279265" y="4347845"/>
+            <a:ext cx="5016500" cy="3873500"/>
+          </a:xfrm>
+          <a:prstGeom prst="rect">
+            <a:avLst/>
+          </a:prstGeom>
+        </p:spPr>
+      </p:pic>
     </p:spTree>
   </p:cSld>
   <p:clrMapOvr>
@@ -6851,6 +6819,251 @@
 </p:sld>
 </file>
 
+<file path=ppt/slides/slide20.xml><?xml version="1.0" encoding="utf-8"?>
+<p:sld xmlns:a="http://schemas.openxmlformats.org/drawingml/2006/main" xmlns:r="http://schemas.openxmlformats.org/officeDocument/2006/relationships" xmlns:p="http://schemas.openxmlformats.org/presentationml/2006/main">
+  <p:cSld>
+    <p:spTree>
+      <p:nvGrpSpPr>
+        <p:cNvPr id="1" name=""/>
+        <p:cNvGrpSpPr/>
+        <p:nvPr/>
+      </p:nvGrpSpPr>
+      <p:grpSpPr/>
+      <p:sp>
+        <p:nvSpPr>
+          <p:cNvPr id="2" name="标题 1"/>
+          <p:cNvSpPr>
+            <a:spLocks noGrp="1"/>
+          </p:cNvSpPr>
+          <p:nvPr>
+            <p:ph type="title"/>
+          </p:nvPr>
+        </p:nvSpPr>
+        <p:spPr/>
+        <p:txBody>
+          <a:bodyPr/>
+          <a:p>
+            <a:r>
+              <a:rPr lang="zh-CN" altLang="en-US"/>
+              <a:t>参考</a:t>
+            </a:r>
+            <a:endParaRPr lang="zh-CN" altLang="en-US"/>
+          </a:p>
+        </p:txBody>
+      </p:sp>
+      <p:sp>
+        <p:nvSpPr>
+          <p:cNvPr id="3" name="内容占位符 2"/>
+          <p:cNvSpPr>
+            <a:spLocks noGrp="1"/>
+          </p:cNvSpPr>
+          <p:nvPr>
+            <p:ph idx="1"/>
+          </p:nvPr>
+        </p:nvSpPr>
+        <p:spPr/>
+        <p:txBody>
+          <a:bodyPr/>
+          <a:p>
+            <a:r>
+              <a:rPr lang="en-US" altLang="zh-CN"/>
+              <a:t>Scalable IO in Java</a:t>
+            </a:r>
+            <a:r>
+              <a:rPr lang="zh-CN" altLang="en-US">
+                <a:sym typeface="+mn-ea"/>
+              </a:rPr>
+              <a:t>，</a:t>
+            </a:r>
+            <a:r>
+              <a:rPr lang="en-US" altLang="zh-CN">
+                <a:sym typeface="+mn-ea"/>
+              </a:rPr>
+              <a:t>Doug Lea</a:t>
+            </a:r>
+            <a:endParaRPr lang="zh-CN" altLang="en-US"/>
+          </a:p>
+          <a:p>
+            <a:pPr marL="457200" lvl="1" indent="0">
+              <a:buNone/>
+            </a:pPr>
+            <a:r>
+              <a:rPr lang="zh-CN" altLang="en-US"/>
+              <a:t>http://gee.cs.oswego.edu/dl/cpjslides/nio.pdf</a:t>
+            </a:r>
+            <a:endParaRPr lang="zh-CN" altLang="en-US"/>
+          </a:p>
+          <a:p>
+            <a:r>
+              <a:rPr lang="zh-CN" altLang="en-US"/>
+              <a:t>有人要将</a:t>
+            </a:r>
+            <a:r>
+              <a:rPr lang="en-US" altLang="zh-CN"/>
+              <a:t>“</a:t>
+            </a:r>
+            <a:r>
+              <a:rPr lang="zh-CN" altLang="en-US"/>
+              <a:t>高并发</a:t>
+            </a:r>
+            <a:r>
+              <a:rPr lang="en-US" altLang="zh-CN"/>
+              <a:t>”</a:t>
+            </a:r>
+            <a:r>
+              <a:rPr lang="zh-CN" altLang="en-US"/>
+              <a:t>拉下</a:t>
+            </a:r>
+            <a:r>
+              <a:rPr lang="en-US" altLang="zh-CN"/>
+              <a:t>“</a:t>
+            </a:r>
+            <a:r>
+              <a:rPr lang="zh-CN" altLang="en-US"/>
+              <a:t>神坛</a:t>
+            </a:r>
+            <a:r>
+              <a:rPr lang="en-US" altLang="zh-CN"/>
+              <a:t>”</a:t>
+            </a:r>
+            <a:endParaRPr lang="en-US" altLang="zh-CN"/>
+          </a:p>
+          <a:p>
+            <a:pPr marL="457200" lvl="1" indent="0">
+              <a:buNone/>
+            </a:pPr>
+            <a:r>
+              <a:rPr lang="zh-CN" altLang="en-US"/>
+              <a:t>https://mp.weixin.qq.com/s/KXBcWmO1MMPmQ_nytCBRkQ</a:t>
+            </a:r>
+            <a:endParaRPr lang="zh-CN" altLang="en-US"/>
+          </a:p>
+          <a:p>
+            <a:r>
+              <a:rPr lang="zh-CN" altLang="en-US" sz="2800"/>
+              <a:t>Netty系列之Netty高性能之道，李林峰</a:t>
+            </a:r>
+            <a:endParaRPr lang="zh-CN" altLang="en-US" sz="2800"/>
+          </a:p>
+          <a:p>
+            <a:pPr lvl="1"/>
+            <a:r>
+              <a:rPr lang="zh-CN" altLang="en-US"/>
+              <a:t>http://www.infoq.com/cn/articles/netty-high-performance</a:t>
+            </a:r>
+            <a:endParaRPr lang="zh-CN" altLang="en-US"/>
+          </a:p>
+          <a:p>
+            <a:r>
+              <a:rPr lang="en-US" altLang="zh-CN">
+                <a:solidFill>
+                  <a:schemeClr val="bg1"/>
+                </a:solidFill>
+              </a:rPr>
+              <a:t>todo</a:t>
+            </a:r>
+            <a:endParaRPr lang="en-US" altLang="zh-CN">
+              <a:solidFill>
+                <a:schemeClr val="bg1"/>
+              </a:solidFill>
+            </a:endParaRPr>
+          </a:p>
+          <a:p>
+            <a:r>
+              <a:rPr lang="zh-CN" altLang="en-US">
+                <a:solidFill>
+                  <a:schemeClr val="tx1"/>
+                </a:solidFill>
+              </a:rPr>
+              <a:t>代码</a:t>
+            </a:r>
+            <a:r>
+              <a:rPr lang="en-US" altLang="zh-CN">
+                <a:solidFill>
+                  <a:schemeClr val="tx1"/>
+                </a:solidFill>
+              </a:rPr>
+              <a:t>demo</a:t>
+            </a:r>
+            <a:r>
+              <a:rPr lang="zh-CN" altLang="en-US">
+                <a:solidFill>
+                  <a:schemeClr val="tx1"/>
+                </a:solidFill>
+              </a:rPr>
+              <a:t>：</a:t>
+            </a:r>
+            <a:r>
+              <a:rPr lang="en-US" altLang="zh-CN">
+                <a:solidFill>
+                  <a:schemeClr val="tx1"/>
+                </a:solidFill>
+              </a:rPr>
+              <a:t>https://github.com/zy475459736/progress/tree/master/io</a:t>
+            </a:r>
+            <a:endParaRPr lang="en-US" altLang="zh-CN">
+              <a:solidFill>
+                <a:schemeClr val="tx1"/>
+              </a:solidFill>
+            </a:endParaRPr>
+          </a:p>
+        </p:txBody>
+      </p:sp>
+    </p:spTree>
+  </p:cSld>
+  <p:clrMapOvr>
+    <a:masterClrMapping/>
+  </p:clrMapOvr>
+</p:sld>
+</file>
+
+<file path=ppt/slides/slide21.xml><?xml version="1.0" encoding="utf-8"?>
+<p:sld xmlns:a="http://schemas.openxmlformats.org/drawingml/2006/main" xmlns:r="http://schemas.openxmlformats.org/officeDocument/2006/relationships" xmlns:p="http://schemas.openxmlformats.org/presentationml/2006/main">
+  <p:cSld>
+    <p:spTree>
+      <p:nvGrpSpPr>
+        <p:cNvPr id="1" name=""/>
+        <p:cNvGrpSpPr/>
+        <p:nvPr/>
+      </p:nvGrpSpPr>
+      <p:grpSpPr/>
+      <p:sp>
+        <p:nvSpPr>
+          <p:cNvPr id="4" name="文本框 3"/>
+          <p:cNvSpPr txBox="1"/>
+          <p:nvPr/>
+        </p:nvSpPr>
+        <p:spPr>
+          <a:xfrm>
+            <a:off x="5320030" y="2646045"/>
+            <a:ext cx="1551940" cy="768350"/>
+          </a:xfrm>
+          <a:prstGeom prst="rect">
+            <a:avLst/>
+          </a:prstGeom>
+          <a:noFill/>
+        </p:spPr>
+        <p:txBody>
+          <a:bodyPr wrap="square" rtlCol="0">
+            <a:spAutoFit/>
+          </a:bodyPr>
+          <a:p>
+            <a:r>
+              <a:rPr lang="zh-CN" altLang="en-US" sz="4400"/>
+              <a:t>谢 谢</a:t>
+            </a:r>
+            <a:endParaRPr lang="zh-CN" altLang="en-US" sz="4400"/>
+          </a:p>
+        </p:txBody>
+      </p:sp>
+    </p:spTree>
+  </p:cSld>
+  <p:clrMapOvr>
+    <a:masterClrMapping/>
+  </p:clrMapOvr>
+</p:sld>
+</file>
+
 <file path=ppt/slides/slide3.xml><?xml version="1.0" encoding="utf-8"?>
 <p:sld xmlns:a="http://schemas.openxmlformats.org/drawingml/2006/main" xmlns:r="http://schemas.openxmlformats.org/officeDocument/2006/relationships" xmlns:p="http://schemas.openxmlformats.org/presentationml/2006/main">
   <p:cSld>
@@ -6937,11 +7150,7 @@
           <a:p>
             <a:r>
               <a:rPr lang="zh-CN" altLang="en-US"/>
-              <a:t>高性能的原理</a:t>
-            </a:r>
-            <a:r>
-              <a:rPr lang="zh-CN" altLang="en-US"/>
-              <a:t>？</a:t>
+              <a:t>高性能的原理？</a:t>
             </a:r>
             <a:endParaRPr lang="zh-CN" altLang="en-US"/>
           </a:p>
@@ -7069,13 +7278,7 @@
               <a:rPr lang="zh-CN" altLang="en-US">
                 <a:sym typeface="+mn-ea"/>
               </a:rPr>
-              <a:t>怎么让我们可以很快很简单地实现需求了</a:t>
-            </a:r>
-            <a:r>
-              <a:rPr lang="zh-CN" altLang="en-US">
-                <a:sym typeface="+mn-ea"/>
-              </a:rPr>
-              <a:t>？</a:t>
+              <a:t>怎么让我们可以很快很简单地实现需求了？</a:t>
             </a:r>
             <a:endParaRPr lang="zh-CN" altLang="en-US">
               <a:sym typeface="+mn-ea"/>
@@ -9299,11 +9502,7 @@
             </a:r>
             <a:r>
               <a:rPr lang="en-US" altLang="zh-CN"/>
-              <a:t>IO</a:t>
-            </a:r>
-            <a:r>
-              <a:rPr lang="en-US" altLang="zh-CN"/>
-              <a:t>,</a:t>
+              <a:t>IO,</a:t>
             </a:r>
             <a:r>
               <a:rPr lang="zh-CN" altLang="en-US"/>
@@ -9321,7 +9520,11 @@
             </a:r>
             <a:r>
               <a:rPr lang="zh-CN" altLang="en-US"/>
-              <a:t>用户空间与内核空间  零拷贝</a:t>
+              <a:t>用户空间与内核空间  </a:t>
+            </a:r>
+            <a:r>
+              <a:rPr lang="zh-CN" altLang="en-US" sz="3600" b="1"/>
+              <a:t>零拷贝</a:t>
             </a:r>
             <a:endParaRPr lang="zh-CN" altLang="en-US"/>
           </a:p>
